--- a/assets/presentation/Project Presentation Template.pptx
+++ b/assets/presentation/Project Presentation Template.pptx
@@ -1,25 +1,26 @@
 
 <file path=ppt/presentation.xml><?xml version="1.0" encoding="utf-8"?>
-<p:presentation xmlns:a="http://schemas.openxmlformats.org/drawingml/2006/main" xmlns:r="http://schemas.openxmlformats.org/officeDocument/2006/relationships" xmlns:mc="http://schemas.openxmlformats.org/markup-compatibility/2006" xmlns:mv="urn:schemas-microsoft-com:mac:vml" xmlns:p="http://schemas.openxmlformats.org/presentationml/2006/main" xmlns:c="http://schemas.openxmlformats.org/drawingml/2006/chart" xmlns:dgm="http://schemas.openxmlformats.org/drawingml/2006/diagram" xmlns:o="urn:schemas-microsoft-com:office:office" xmlns:v="urn:schemas-microsoft-com:vml" xmlns:pvml="urn:schemas-microsoft-com:office:powerpoint" xmlns:com="http://schemas.openxmlformats.org/drawingml/2006/compatibility" xmlns:p14="http://schemas.microsoft.com/office/powerpoint/2010/main" xmlns:p15="http://schemas.microsoft.com/office/powerpoint/2012/main" xmlns:ahyp="http://schemas.microsoft.com/office/drawing/2018/hyperlinkcolor" autoCompressPictures="0" strictFirstAndLastChars="0" saveSubsetFonts="1">
+<p:presentation xmlns:a="http://schemas.openxmlformats.org/drawingml/2006/main" xmlns:r="http://schemas.openxmlformats.org/officeDocument/2006/relationships" xmlns:p="http://schemas.openxmlformats.org/presentationml/2006/main" strictFirstAndLastChars="0" saveSubsetFonts="1" autoCompressPictures="0">
   <p:sldMasterIdLst>
-    <p:sldMasterId id="2147483659" r:id="rId3"/>
+    <p:sldMasterId id="2147483659" r:id="rId1"/>
   </p:sldMasterIdLst>
   <p:notesMasterIdLst>
-    <p:notesMasterId r:id="rId4"/>
+    <p:notesMasterId r:id="rId10"/>
   </p:notesMasterIdLst>
   <p:sldIdLst>
-    <p:sldId id="256" r:id="rId5"/>
-    <p:sldId id="257" r:id="rId6"/>
-    <p:sldId id="258" r:id="rId7"/>
-    <p:sldId id="259" r:id="rId8"/>
-    <p:sldId id="260" r:id="rId9"/>
-    <p:sldId id="261" r:id="rId10"/>
-    <p:sldId id="262" r:id="rId11"/>
+    <p:sldId id="256" r:id="rId2"/>
+    <p:sldId id="257" r:id="rId3"/>
+    <p:sldId id="258" r:id="rId4"/>
+    <p:sldId id="259" r:id="rId5"/>
+    <p:sldId id="263" r:id="rId6"/>
+    <p:sldId id="260" r:id="rId7"/>
+    <p:sldId id="261" r:id="rId8"/>
+    <p:sldId id="262" r:id="rId9"/>
   </p:sldIdLst>
-  <p:sldSz cy="5143500" cx="9144000"/>
+  <p:sldSz cx="9144000" cy="5143500" type="screen16x9"/>
   <p:notesSz cx="6858000" cy="9144000"/>
   <p:defaultTextStyle>
-    <a:defPPr lvl="0" marR="0" rtl="0" algn="l">
+    <a:defPPr marR="0" lvl="0" algn="l" rtl="0">
       <a:lnSpc>
         <a:spcPct val="100000"/>
       </a:lnSpc>
@@ -30,7 +31,7 @@
         <a:spcPts val="0"/>
       </a:spcAft>
     </a:defPPr>
-    <a:lvl1pPr lvl="0" marR="0" rtl="0" algn="l">
+    <a:lvl1pPr marR="0" lvl="0" algn="l" rtl="0">
       <a:lnSpc>
         <a:spcPct val="100000"/>
       </a:lnSpc>
@@ -44,7 +45,7 @@
         <a:srgbClr val="000000"/>
       </a:buClr>
       <a:buFont typeface="Arial"/>
-      <a:defRPr b="0" i="0" sz="1400" u="none" cap="none" strike="noStrike">
+      <a:defRPr sz="1400" b="0" i="0" u="none" strike="noStrike" cap="none">
         <a:solidFill>
           <a:srgbClr val="000000"/>
         </a:solidFill>
@@ -54,7 +55,7 @@
         <a:sym typeface="Arial"/>
       </a:defRPr>
     </a:lvl1pPr>
-    <a:lvl2pPr lvl="1" marR="0" rtl="0" algn="l">
+    <a:lvl2pPr marR="0" lvl="1" algn="l" rtl="0">
       <a:lnSpc>
         <a:spcPct val="100000"/>
       </a:lnSpc>
@@ -68,7 +69,7 @@
         <a:srgbClr val="000000"/>
       </a:buClr>
       <a:buFont typeface="Arial"/>
-      <a:defRPr b="0" i="0" sz="1400" u="none" cap="none" strike="noStrike">
+      <a:defRPr sz="1400" b="0" i="0" u="none" strike="noStrike" cap="none">
         <a:solidFill>
           <a:srgbClr val="000000"/>
         </a:solidFill>
@@ -78,7 +79,7 @@
         <a:sym typeface="Arial"/>
       </a:defRPr>
     </a:lvl2pPr>
-    <a:lvl3pPr lvl="2" marR="0" rtl="0" algn="l">
+    <a:lvl3pPr marR="0" lvl="2" algn="l" rtl="0">
       <a:lnSpc>
         <a:spcPct val="100000"/>
       </a:lnSpc>
@@ -92,7 +93,7 @@
         <a:srgbClr val="000000"/>
       </a:buClr>
       <a:buFont typeface="Arial"/>
-      <a:defRPr b="0" i="0" sz="1400" u="none" cap="none" strike="noStrike">
+      <a:defRPr sz="1400" b="0" i="0" u="none" strike="noStrike" cap="none">
         <a:solidFill>
           <a:srgbClr val="000000"/>
         </a:solidFill>
@@ -102,7 +103,7 @@
         <a:sym typeface="Arial"/>
       </a:defRPr>
     </a:lvl3pPr>
-    <a:lvl4pPr lvl="3" marR="0" rtl="0" algn="l">
+    <a:lvl4pPr marR="0" lvl="3" algn="l" rtl="0">
       <a:lnSpc>
         <a:spcPct val="100000"/>
       </a:lnSpc>
@@ -116,7 +117,7 @@
         <a:srgbClr val="000000"/>
       </a:buClr>
       <a:buFont typeface="Arial"/>
-      <a:defRPr b="0" i="0" sz="1400" u="none" cap="none" strike="noStrike">
+      <a:defRPr sz="1400" b="0" i="0" u="none" strike="noStrike" cap="none">
         <a:solidFill>
           <a:srgbClr val="000000"/>
         </a:solidFill>
@@ -126,7 +127,7 @@
         <a:sym typeface="Arial"/>
       </a:defRPr>
     </a:lvl4pPr>
-    <a:lvl5pPr lvl="4" marR="0" rtl="0" algn="l">
+    <a:lvl5pPr marR="0" lvl="4" algn="l" rtl="0">
       <a:lnSpc>
         <a:spcPct val="100000"/>
       </a:lnSpc>
@@ -140,7 +141,7 @@
         <a:srgbClr val="000000"/>
       </a:buClr>
       <a:buFont typeface="Arial"/>
-      <a:defRPr b="0" i="0" sz="1400" u="none" cap="none" strike="noStrike">
+      <a:defRPr sz="1400" b="0" i="0" u="none" strike="noStrike" cap="none">
         <a:solidFill>
           <a:srgbClr val="000000"/>
         </a:solidFill>
@@ -150,7 +151,7 @@
         <a:sym typeface="Arial"/>
       </a:defRPr>
     </a:lvl5pPr>
-    <a:lvl6pPr lvl="5" marR="0" rtl="0" algn="l">
+    <a:lvl6pPr marR="0" lvl="5" algn="l" rtl="0">
       <a:lnSpc>
         <a:spcPct val="100000"/>
       </a:lnSpc>
@@ -164,7 +165,7 @@
         <a:srgbClr val="000000"/>
       </a:buClr>
       <a:buFont typeface="Arial"/>
-      <a:defRPr b="0" i="0" sz="1400" u="none" cap="none" strike="noStrike">
+      <a:defRPr sz="1400" b="0" i="0" u="none" strike="noStrike" cap="none">
         <a:solidFill>
           <a:srgbClr val="000000"/>
         </a:solidFill>
@@ -174,7 +175,7 @@
         <a:sym typeface="Arial"/>
       </a:defRPr>
     </a:lvl6pPr>
-    <a:lvl7pPr lvl="6" marR="0" rtl="0" algn="l">
+    <a:lvl7pPr marR="0" lvl="6" algn="l" rtl="0">
       <a:lnSpc>
         <a:spcPct val="100000"/>
       </a:lnSpc>
@@ -188,7 +189,7 @@
         <a:srgbClr val="000000"/>
       </a:buClr>
       <a:buFont typeface="Arial"/>
-      <a:defRPr b="0" i="0" sz="1400" u="none" cap="none" strike="noStrike">
+      <a:defRPr sz="1400" b="0" i="0" u="none" strike="noStrike" cap="none">
         <a:solidFill>
           <a:srgbClr val="000000"/>
         </a:solidFill>
@@ -198,7 +199,7 @@
         <a:sym typeface="Arial"/>
       </a:defRPr>
     </a:lvl7pPr>
-    <a:lvl8pPr lvl="7" marR="0" rtl="0" algn="l">
+    <a:lvl8pPr marR="0" lvl="7" algn="l" rtl="0">
       <a:lnSpc>
         <a:spcPct val="100000"/>
       </a:lnSpc>
@@ -212,7 +213,7 @@
         <a:srgbClr val="000000"/>
       </a:buClr>
       <a:buFont typeface="Arial"/>
-      <a:defRPr b="0" i="0" sz="1400" u="none" cap="none" strike="noStrike">
+      <a:defRPr sz="1400" b="0" i="0" u="none" strike="noStrike" cap="none">
         <a:solidFill>
           <a:srgbClr val="000000"/>
         </a:solidFill>
@@ -222,7 +223,7 @@
         <a:sym typeface="Arial"/>
       </a:defRPr>
     </a:lvl8pPr>
-    <a:lvl9pPr lvl="8" marR="0" rtl="0" algn="l">
+    <a:lvl9pPr marR="0" lvl="8" algn="l" rtl="0">
       <a:lnSpc>
         <a:spcPct val="100000"/>
       </a:lnSpc>
@@ -236,7 +237,7 @@
         <a:srgbClr val="000000"/>
       </a:buClr>
       <a:buFont typeface="Arial"/>
-      <a:defRPr b="0" i="0" sz="1400" u="none" cap="none" strike="noStrike">
+      <a:defRPr sz="1400" b="0" i="0" u="none" strike="noStrike" cap="none">
         <a:solidFill>
           <a:srgbClr val="000000"/>
         </a:solidFill>
@@ -251,11 +252,16 @@
 </file>
 
 <file path=ppt/notesMasters/notesMaster1.xml><?xml version="1.0" encoding="utf-8"?>
-<p:notesMaster xmlns:a="http://schemas.openxmlformats.org/drawingml/2006/main" xmlns:r="http://schemas.openxmlformats.org/officeDocument/2006/relationships" xmlns:mc="http://schemas.openxmlformats.org/markup-compatibility/2006" xmlns:mv="urn:schemas-microsoft-com:mac:vml" xmlns:p="http://schemas.openxmlformats.org/presentationml/2006/main" xmlns:c="http://schemas.openxmlformats.org/drawingml/2006/chart" xmlns:dgm="http://schemas.openxmlformats.org/drawingml/2006/diagram" xmlns:o="urn:schemas-microsoft-com:office:office" xmlns:v="urn:schemas-microsoft-com:vml" xmlns:pvml="urn:schemas-microsoft-com:office:powerpoint" xmlns:com="http://schemas.openxmlformats.org/drawingml/2006/compatibility" xmlns:p14="http://schemas.microsoft.com/office/powerpoint/2010/main" xmlns:p15="http://schemas.microsoft.com/office/powerpoint/2012/main" xmlns:ahyp="http://schemas.microsoft.com/office/drawing/2018/hyperlinkcolor">
+<p:notesMaster xmlns:a="http://schemas.openxmlformats.org/drawingml/2006/main" xmlns:r="http://schemas.openxmlformats.org/officeDocument/2006/relationships" xmlns:p="http://schemas.openxmlformats.org/presentationml/2006/main">
   <p:cSld>
+    <p:bg>
+      <p:bgRef idx="1001">
+        <a:schemeClr val="bg1"/>
+      </p:bgRef>
+    </p:bg>
     <p:spTree>
       <p:nvGrpSpPr>
-        <p:cNvPr id="2" name="Shape 2"/>
+        <p:cNvPr id="1" name="Shape 2"/>
         <p:cNvGrpSpPr/>
         <p:nvPr/>
       </p:nvGrpSpPr>
@@ -270,9 +276,11 @@
       <p:sp>
         <p:nvSpPr>
           <p:cNvPr id="3" name="Google Shape;3;n"/>
-          <p:cNvSpPr/>
+          <p:cNvSpPr>
+            <a:spLocks noGrp="1" noRot="1" noChangeAspect="1"/>
+          </p:cNvSpPr>
           <p:nvPr>
-            <p:ph idx="2" type="sldImg"/>
+            <p:ph type="sldImg" idx="2"/>
           </p:nvPr>
         </p:nvSpPr>
         <p:spPr>
@@ -281,9 +289,13 @@
             <a:ext cx="6096075" cy="3429000"/>
           </a:xfrm>
           <a:custGeom>
-            <a:rect b="b" l="l" r="r" t="t"/>
+            <a:avLst/>
+            <a:gdLst/>
+            <a:ahLst/>
+            <a:cxnLst/>
+            <a:rect l="l" t="t" r="r" b="b"/>
             <a:pathLst>
-              <a:path extrusionOk="0" h="120000" w="120000">
+              <a:path w="120000" h="120000" extrusionOk="0">
                 <a:moveTo>
                   <a:pt x="0" y="0"/>
                 </a:moveTo>
@@ -301,23 +313,25 @@
             </a:pathLst>
           </a:custGeom>
           <a:noFill/>
-          <a:ln cap="flat" cmpd="sng" w="9525">
+          <a:ln w="9525" cap="flat" cmpd="sng">
             <a:solidFill>
               <a:srgbClr val="000000"/>
             </a:solidFill>
             <a:prstDash val="solid"/>
             <a:round/>
-            <a:headEnd len="sm" w="sm" type="none"/>
-            <a:tailEnd len="sm" w="sm" type="none"/>
+            <a:headEnd type="none" w="sm" len="sm"/>
+            <a:tailEnd type="none" w="sm" len="sm"/>
           </a:ln>
         </p:spPr>
       </p:sp>
       <p:sp>
         <p:nvSpPr>
           <p:cNvPr id="4" name="Google Shape;4;n"/>
-          <p:cNvSpPr txBox="1"/>
+          <p:cNvSpPr txBox="1">
+            <a:spLocks noGrp="1"/>
+          </p:cNvSpPr>
           <p:nvPr>
-            <p:ph idx="1" type="body"/>
+            <p:ph type="body" idx="1"/>
           </p:nvPr>
         </p:nvSpPr>
         <p:spPr>
@@ -334,11 +348,11 @@
           </a:ln>
         </p:spPr>
         <p:txBody>
-          <a:bodyPr anchorCtr="0" anchor="t" bIns="91425" lIns="91425" spcFirstLastPara="1" rIns="91425" wrap="square" tIns="91425">
+          <a:bodyPr spcFirstLastPara="1" wrap="square" lIns="91425" tIns="91425" rIns="91425" bIns="91425" anchor="t" anchorCtr="0">
             <a:noAutofit/>
           </a:bodyPr>
           <a:lstStyle>
-            <a:lvl1pPr indent="-298450" lvl="0" marL="457200">
+            <a:lvl1pPr marL="457200" lvl="0" indent="-298450">
               <a:spcBef>
                 <a:spcPts val="0"/>
               </a:spcBef>
@@ -349,7 +363,7 @@
               <a:buChar char="●"/>
               <a:defRPr sz="1100"/>
             </a:lvl1pPr>
-            <a:lvl2pPr indent="-298450" lvl="1" marL="914400">
+            <a:lvl2pPr marL="914400" lvl="1" indent="-298450">
               <a:spcBef>
                 <a:spcPts val="0"/>
               </a:spcBef>
@@ -360,7 +374,7 @@
               <a:buChar char="○"/>
               <a:defRPr sz="1100"/>
             </a:lvl2pPr>
-            <a:lvl3pPr indent="-298450" lvl="2" marL="1371600">
+            <a:lvl3pPr marL="1371600" lvl="2" indent="-298450">
               <a:spcBef>
                 <a:spcPts val="0"/>
               </a:spcBef>
@@ -371,7 +385,7 @@
               <a:buChar char="■"/>
               <a:defRPr sz="1100"/>
             </a:lvl3pPr>
-            <a:lvl4pPr indent="-298450" lvl="3" marL="1828800">
+            <a:lvl4pPr marL="1828800" lvl="3" indent="-298450">
               <a:spcBef>
                 <a:spcPts val="0"/>
               </a:spcBef>
@@ -382,7 +396,7 @@
               <a:buChar char="●"/>
               <a:defRPr sz="1100"/>
             </a:lvl4pPr>
-            <a:lvl5pPr indent="-298450" lvl="4" marL="2286000">
+            <a:lvl5pPr marL="2286000" lvl="4" indent="-298450">
               <a:spcBef>
                 <a:spcPts val="0"/>
               </a:spcBef>
@@ -393,7 +407,7 @@
               <a:buChar char="○"/>
               <a:defRPr sz="1100"/>
             </a:lvl5pPr>
-            <a:lvl6pPr indent="-298450" lvl="5" marL="2743200">
+            <a:lvl6pPr marL="2743200" lvl="5" indent="-298450">
               <a:spcBef>
                 <a:spcPts val="0"/>
               </a:spcBef>
@@ -404,7 +418,7 @@
               <a:buChar char="■"/>
               <a:defRPr sz="1100"/>
             </a:lvl6pPr>
-            <a:lvl7pPr indent="-298450" lvl="6" marL="3200400">
+            <a:lvl7pPr marL="3200400" lvl="6" indent="-298450">
               <a:spcBef>
                 <a:spcPts val="0"/>
               </a:spcBef>
@@ -415,7 +429,7 @@
               <a:buChar char="●"/>
               <a:defRPr sz="1100"/>
             </a:lvl7pPr>
-            <a:lvl8pPr indent="-298450" lvl="7" marL="3657600">
+            <a:lvl8pPr marL="3657600" lvl="7" indent="-298450">
               <a:spcBef>
                 <a:spcPts val="0"/>
               </a:spcBef>
@@ -426,7 +440,7 @@
               <a:buChar char="○"/>
               <a:defRPr sz="1100"/>
             </a:lvl8pPr>
-            <a:lvl9pPr indent="-298450" lvl="8" marL="4114800">
+            <a:lvl9pPr marL="4114800" lvl="8" indent="-298450">
               <a:spcBef>
                 <a:spcPts val="0"/>
               </a:spcBef>
@@ -438,14 +452,16 @@
               <a:defRPr sz="1100"/>
             </a:lvl9pPr>
           </a:lstStyle>
-          <a:p/>
+          <a:p>
+            <a:endParaRPr/>
+          </a:p>
         </p:txBody>
       </p:sp>
     </p:spTree>
   </p:cSld>
-  <p:clrMap accent1="accent1" accent2="accent2" accent3="accent3" accent4="accent4" accent5="accent5" accent6="accent6" bg1="lt1" bg2="dk2" tx1="dk1" tx2="lt2" folHlink="folHlink" hlink="hlink"/>
+  <p:clrMap bg1="lt1" tx1="dk1" bg2="dk2" tx2="lt2" accent1="accent1" accent2="accent2" accent3="accent3" accent4="accent4" accent5="accent5" accent6="accent6" hlink="hlink" folHlink="folHlink"/>
   <p:notesStyle>
-    <a:defPPr lvl="0" marR="0" rtl="0" algn="l">
+    <a:defPPr marR="0" lvl="0" algn="l" rtl="0">
       <a:lnSpc>
         <a:spcPct val="100000"/>
       </a:lnSpc>
@@ -456,7 +472,7 @@
         <a:spcPts val="0"/>
       </a:spcAft>
     </a:defPPr>
-    <a:lvl1pPr lvl="0" marR="0" rtl="0" algn="l">
+    <a:lvl1pPr marR="0" lvl="0" algn="l" rtl="0">
       <a:lnSpc>
         <a:spcPct val="100000"/>
       </a:lnSpc>
@@ -470,7 +486,7 @@
         <a:srgbClr val="000000"/>
       </a:buClr>
       <a:buFont typeface="Arial"/>
-      <a:defRPr b="0" i="0" sz="1400" u="none" cap="none" strike="noStrike">
+      <a:defRPr sz="1400" b="0" i="0" u="none" strike="noStrike" cap="none">
         <a:solidFill>
           <a:srgbClr val="000000"/>
         </a:solidFill>
@@ -480,7 +496,7 @@
         <a:sym typeface="Arial"/>
       </a:defRPr>
     </a:lvl1pPr>
-    <a:lvl2pPr lvl="1" marR="0" rtl="0" algn="l">
+    <a:lvl2pPr marR="0" lvl="1" algn="l" rtl="0">
       <a:lnSpc>
         <a:spcPct val="100000"/>
       </a:lnSpc>
@@ -494,7 +510,7 @@
         <a:srgbClr val="000000"/>
       </a:buClr>
       <a:buFont typeface="Arial"/>
-      <a:defRPr b="0" i="0" sz="1400" u="none" cap="none" strike="noStrike">
+      <a:defRPr sz="1400" b="0" i="0" u="none" strike="noStrike" cap="none">
         <a:solidFill>
           <a:srgbClr val="000000"/>
         </a:solidFill>
@@ -504,7 +520,7 @@
         <a:sym typeface="Arial"/>
       </a:defRPr>
     </a:lvl2pPr>
-    <a:lvl3pPr lvl="2" marR="0" rtl="0" algn="l">
+    <a:lvl3pPr marR="0" lvl="2" algn="l" rtl="0">
       <a:lnSpc>
         <a:spcPct val="100000"/>
       </a:lnSpc>
@@ -518,7 +534,7 @@
         <a:srgbClr val="000000"/>
       </a:buClr>
       <a:buFont typeface="Arial"/>
-      <a:defRPr b="0" i="0" sz="1400" u="none" cap="none" strike="noStrike">
+      <a:defRPr sz="1400" b="0" i="0" u="none" strike="noStrike" cap="none">
         <a:solidFill>
           <a:srgbClr val="000000"/>
         </a:solidFill>
@@ -528,7 +544,7 @@
         <a:sym typeface="Arial"/>
       </a:defRPr>
     </a:lvl3pPr>
-    <a:lvl4pPr lvl="3" marR="0" rtl="0" algn="l">
+    <a:lvl4pPr marR="0" lvl="3" algn="l" rtl="0">
       <a:lnSpc>
         <a:spcPct val="100000"/>
       </a:lnSpc>
@@ -542,7 +558,7 @@
         <a:srgbClr val="000000"/>
       </a:buClr>
       <a:buFont typeface="Arial"/>
-      <a:defRPr b="0" i="0" sz="1400" u="none" cap="none" strike="noStrike">
+      <a:defRPr sz="1400" b="0" i="0" u="none" strike="noStrike" cap="none">
         <a:solidFill>
           <a:srgbClr val="000000"/>
         </a:solidFill>
@@ -552,7 +568,7 @@
         <a:sym typeface="Arial"/>
       </a:defRPr>
     </a:lvl4pPr>
-    <a:lvl5pPr lvl="4" marR="0" rtl="0" algn="l">
+    <a:lvl5pPr marR="0" lvl="4" algn="l" rtl="0">
       <a:lnSpc>
         <a:spcPct val="100000"/>
       </a:lnSpc>
@@ -566,7 +582,7 @@
         <a:srgbClr val="000000"/>
       </a:buClr>
       <a:buFont typeface="Arial"/>
-      <a:defRPr b="0" i="0" sz="1400" u="none" cap="none" strike="noStrike">
+      <a:defRPr sz="1400" b="0" i="0" u="none" strike="noStrike" cap="none">
         <a:solidFill>
           <a:srgbClr val="000000"/>
         </a:solidFill>
@@ -576,7 +592,7 @@
         <a:sym typeface="Arial"/>
       </a:defRPr>
     </a:lvl5pPr>
-    <a:lvl6pPr lvl="5" marR="0" rtl="0" algn="l">
+    <a:lvl6pPr marR="0" lvl="5" algn="l" rtl="0">
       <a:lnSpc>
         <a:spcPct val="100000"/>
       </a:lnSpc>
@@ -590,7 +606,7 @@
         <a:srgbClr val="000000"/>
       </a:buClr>
       <a:buFont typeface="Arial"/>
-      <a:defRPr b="0" i="0" sz="1400" u="none" cap="none" strike="noStrike">
+      <a:defRPr sz="1400" b="0" i="0" u="none" strike="noStrike" cap="none">
         <a:solidFill>
           <a:srgbClr val="000000"/>
         </a:solidFill>
@@ -600,7 +616,7 @@
         <a:sym typeface="Arial"/>
       </a:defRPr>
     </a:lvl6pPr>
-    <a:lvl7pPr lvl="6" marR="0" rtl="0" algn="l">
+    <a:lvl7pPr marR="0" lvl="6" algn="l" rtl="0">
       <a:lnSpc>
         <a:spcPct val="100000"/>
       </a:lnSpc>
@@ -614,7 +630,7 @@
         <a:srgbClr val="000000"/>
       </a:buClr>
       <a:buFont typeface="Arial"/>
-      <a:defRPr b="0" i="0" sz="1400" u="none" cap="none" strike="noStrike">
+      <a:defRPr sz="1400" b="0" i="0" u="none" strike="noStrike" cap="none">
         <a:solidFill>
           <a:srgbClr val="000000"/>
         </a:solidFill>
@@ -624,7 +640,7 @@
         <a:sym typeface="Arial"/>
       </a:defRPr>
     </a:lvl7pPr>
-    <a:lvl8pPr lvl="7" marR="0" rtl="0" algn="l">
+    <a:lvl8pPr marR="0" lvl="7" algn="l" rtl="0">
       <a:lnSpc>
         <a:spcPct val="100000"/>
       </a:lnSpc>
@@ -638,7 +654,7 @@
         <a:srgbClr val="000000"/>
       </a:buClr>
       <a:buFont typeface="Arial"/>
-      <a:defRPr b="0" i="0" sz="1400" u="none" cap="none" strike="noStrike">
+      <a:defRPr sz="1400" b="0" i="0" u="none" strike="noStrike" cap="none">
         <a:solidFill>
           <a:srgbClr val="000000"/>
         </a:solidFill>
@@ -648,7 +664,7 @@
         <a:sym typeface="Arial"/>
       </a:defRPr>
     </a:lvl8pPr>
-    <a:lvl9pPr lvl="8" marR="0" rtl="0" algn="l">
+    <a:lvl9pPr marR="0" lvl="8" algn="l" rtl="0">
       <a:lnSpc>
         <a:spcPct val="100000"/>
       </a:lnSpc>
@@ -662,7 +678,7 @@
         <a:srgbClr val="000000"/>
       </a:buClr>
       <a:buFont typeface="Arial"/>
-      <a:defRPr b="0" i="0" sz="1400" u="none" cap="none" strike="noStrike">
+      <a:defRPr sz="1400" b="0" i="0" u="none" strike="noStrike" cap="none">
         <a:solidFill>
           <a:srgbClr val="000000"/>
         </a:solidFill>
@@ -677,11 +693,11 @@
 </file>
 
 <file path=ppt/notesSlides/notesSlide1.xml><?xml version="1.0" encoding="utf-8"?>
-<p:notes xmlns:a="http://schemas.openxmlformats.org/drawingml/2006/main" xmlns:r="http://schemas.openxmlformats.org/officeDocument/2006/relationships" xmlns:mc="http://schemas.openxmlformats.org/markup-compatibility/2006" xmlns:mv="urn:schemas-microsoft-com:mac:vml" xmlns:p="http://schemas.openxmlformats.org/presentationml/2006/main" xmlns:c="http://schemas.openxmlformats.org/drawingml/2006/chart" xmlns:dgm="http://schemas.openxmlformats.org/drawingml/2006/diagram" xmlns:o="urn:schemas-microsoft-com:office:office" xmlns:v="urn:schemas-microsoft-com:vml" xmlns:pvml="urn:schemas-microsoft-com:office:powerpoint" xmlns:com="http://schemas.openxmlformats.org/drawingml/2006/compatibility" xmlns:p14="http://schemas.microsoft.com/office/powerpoint/2010/main" xmlns:p15="http://schemas.microsoft.com/office/powerpoint/2012/main" xmlns:ahyp="http://schemas.microsoft.com/office/drawing/2018/hyperlinkcolor" showMasterPhAnim="0" showMasterSp="0">
+<p:notes xmlns:a="http://schemas.openxmlformats.org/drawingml/2006/main" xmlns:r="http://schemas.openxmlformats.org/officeDocument/2006/relationships" xmlns:p="http://schemas.openxmlformats.org/presentationml/2006/main" showMasterSp="0" showMasterPhAnim="0">
   <p:cSld>
     <p:spTree>
       <p:nvGrpSpPr>
-        <p:cNvPr id="50" name="Shape 50"/>
+        <p:cNvPr id="1" name="Shape 50"/>
         <p:cNvGrpSpPr/>
         <p:nvPr/>
       </p:nvGrpSpPr>
@@ -696,20 +712,26 @@
       <p:sp>
         <p:nvSpPr>
           <p:cNvPr id="51" name="Google Shape;51;p:notes"/>
-          <p:cNvSpPr/>
+          <p:cNvSpPr>
+            <a:spLocks noGrp="1" noRot="1" noChangeAspect="1"/>
+          </p:cNvSpPr>
           <p:nvPr>
-            <p:ph idx="2" type="sldImg"/>
+            <p:ph type="sldImg" idx="2"/>
           </p:nvPr>
         </p:nvSpPr>
         <p:spPr>
           <a:xfrm>
-            <a:off x="381300" y="685800"/>
-            <a:ext cx="6096075" cy="3429000"/>
+            <a:off x="381000" y="685800"/>
+            <a:ext cx="6096000" cy="3429000"/>
           </a:xfrm>
           <a:custGeom>
-            <a:rect b="b" l="l" r="r" t="t"/>
+            <a:avLst/>
+            <a:gdLst/>
+            <a:ahLst/>
+            <a:cxnLst/>
+            <a:rect l="l" t="t" r="r" b="b"/>
             <a:pathLst>
-              <a:path extrusionOk="0" h="120000" w="120000">
+              <a:path w="120000" h="120000" extrusionOk="0">
                 <a:moveTo>
                   <a:pt x="0" y="0"/>
                 </a:moveTo>
@@ -731,9 +753,11 @@
       <p:sp>
         <p:nvSpPr>
           <p:cNvPr id="52" name="Google Shape;52;p:notes"/>
-          <p:cNvSpPr txBox="1"/>
+          <p:cNvSpPr txBox="1">
+            <a:spLocks noGrp="1"/>
+          </p:cNvSpPr>
           <p:nvPr>
-            <p:ph idx="1" type="body"/>
+            <p:ph type="body" idx="1"/>
           </p:nvPr>
         </p:nvSpPr>
         <p:spPr>
@@ -746,12 +770,12 @@
           </a:prstGeom>
         </p:spPr>
         <p:txBody>
-          <a:bodyPr anchorCtr="0" anchor="t" bIns="91425" lIns="91425" spcFirstLastPara="1" rIns="91425" wrap="square" tIns="91425">
+          <a:bodyPr spcFirstLastPara="1" wrap="square" lIns="91425" tIns="91425" rIns="91425" bIns="91425" anchor="t" anchorCtr="0">
             <a:noAutofit/>
           </a:bodyPr>
           <a:lstStyle/>
           <a:p>
-            <a:pPr indent="0" lvl="0" marL="0" rtl="0" algn="l">
+            <a:pPr marL="0" lvl="0" indent="0" algn="l" rtl="0">
               <a:spcBef>
                 <a:spcPts val="0"/>
               </a:spcBef>
@@ -760,9 +784,6 @@
               </a:spcAft>
               <a:buNone/>
             </a:pPr>
-            <a:r>
-              <a:t/>
-            </a:r>
             <a:endParaRPr/>
           </a:p>
         </p:txBody>
@@ -776,11 +797,11 @@
 </file>
 
 <file path=ppt/notesSlides/notesSlide2.xml><?xml version="1.0" encoding="utf-8"?>
-<p:notes xmlns:a="http://schemas.openxmlformats.org/drawingml/2006/main" xmlns:r="http://schemas.openxmlformats.org/officeDocument/2006/relationships" xmlns:mc="http://schemas.openxmlformats.org/markup-compatibility/2006" xmlns:mv="urn:schemas-microsoft-com:mac:vml" xmlns:p="http://schemas.openxmlformats.org/presentationml/2006/main" xmlns:c="http://schemas.openxmlformats.org/drawingml/2006/chart" xmlns:dgm="http://schemas.openxmlformats.org/drawingml/2006/diagram" xmlns:o="urn:schemas-microsoft-com:office:office" xmlns:v="urn:schemas-microsoft-com:vml" xmlns:pvml="urn:schemas-microsoft-com:office:powerpoint" xmlns:com="http://schemas.openxmlformats.org/drawingml/2006/compatibility" xmlns:p14="http://schemas.microsoft.com/office/powerpoint/2010/main" xmlns:p15="http://schemas.microsoft.com/office/powerpoint/2012/main" xmlns:ahyp="http://schemas.microsoft.com/office/drawing/2018/hyperlinkcolor" showMasterPhAnim="0" showMasterSp="0">
+<p:notes xmlns:a="http://schemas.openxmlformats.org/drawingml/2006/main" xmlns:r="http://schemas.openxmlformats.org/officeDocument/2006/relationships" xmlns:p="http://schemas.openxmlformats.org/presentationml/2006/main" showMasterSp="0" showMasterPhAnim="0">
   <p:cSld>
     <p:spTree>
       <p:nvGrpSpPr>
-        <p:cNvPr id="56" name="Shape 56"/>
+        <p:cNvPr id="1" name="Shape 56"/>
         <p:cNvGrpSpPr/>
         <p:nvPr/>
       </p:nvGrpSpPr>
@@ -795,9 +816,11 @@
       <p:sp>
         <p:nvSpPr>
           <p:cNvPr id="57" name="Google Shape;57;g320332ed93_1_0:notes"/>
-          <p:cNvSpPr/>
+          <p:cNvSpPr>
+            <a:spLocks noGrp="1" noRot="1" noChangeAspect="1"/>
+          </p:cNvSpPr>
           <p:nvPr>
-            <p:ph idx="2" type="sldImg"/>
+            <p:ph type="sldImg" idx="2"/>
           </p:nvPr>
         </p:nvSpPr>
         <p:spPr>
@@ -806,9 +829,13 @@
             <a:ext cx="6096000" cy="3429000"/>
           </a:xfrm>
           <a:custGeom>
-            <a:rect b="b" l="l" r="r" t="t"/>
+            <a:avLst/>
+            <a:gdLst/>
+            <a:ahLst/>
+            <a:cxnLst/>
+            <a:rect l="l" t="t" r="r" b="b"/>
             <a:pathLst>
-              <a:path extrusionOk="0" h="120000" w="120000">
+              <a:path w="120000" h="120000" extrusionOk="0">
                 <a:moveTo>
                   <a:pt x="0" y="0"/>
                 </a:moveTo>
@@ -830,9 +857,11 @@
       <p:sp>
         <p:nvSpPr>
           <p:cNvPr id="58" name="Google Shape;58;g320332ed93_1_0:notes"/>
-          <p:cNvSpPr txBox="1"/>
+          <p:cNvSpPr txBox="1">
+            <a:spLocks noGrp="1"/>
+          </p:cNvSpPr>
           <p:nvPr>
-            <p:ph idx="1" type="body"/>
+            <p:ph type="body" idx="1"/>
           </p:nvPr>
         </p:nvSpPr>
         <p:spPr>
@@ -845,12 +874,12 @@
           </a:prstGeom>
         </p:spPr>
         <p:txBody>
-          <a:bodyPr anchorCtr="0" anchor="t" bIns="91425" lIns="91425" spcFirstLastPara="1" rIns="91425" wrap="square" tIns="91425">
+          <a:bodyPr spcFirstLastPara="1" wrap="square" lIns="91425" tIns="91425" rIns="91425" bIns="91425" anchor="t" anchorCtr="0">
             <a:noAutofit/>
           </a:bodyPr>
           <a:lstStyle/>
           <a:p>
-            <a:pPr indent="0" lvl="0" marL="0" rtl="0" algn="l">
+            <a:pPr marL="0" lvl="0" indent="0" algn="l" rtl="0">
               <a:spcBef>
                 <a:spcPts val="0"/>
               </a:spcBef>
@@ -859,9 +888,6 @@
               </a:spcAft>
               <a:buNone/>
             </a:pPr>
-            <a:r>
-              <a:t/>
-            </a:r>
             <a:endParaRPr/>
           </a:p>
         </p:txBody>
@@ -875,11 +901,11 @@
 </file>
 
 <file path=ppt/notesSlides/notesSlide3.xml><?xml version="1.0" encoding="utf-8"?>
-<p:notes xmlns:a="http://schemas.openxmlformats.org/drawingml/2006/main" xmlns:r="http://schemas.openxmlformats.org/officeDocument/2006/relationships" xmlns:mc="http://schemas.openxmlformats.org/markup-compatibility/2006" xmlns:mv="urn:schemas-microsoft-com:mac:vml" xmlns:p="http://schemas.openxmlformats.org/presentationml/2006/main" xmlns:c="http://schemas.openxmlformats.org/drawingml/2006/chart" xmlns:dgm="http://schemas.openxmlformats.org/drawingml/2006/diagram" xmlns:o="urn:schemas-microsoft-com:office:office" xmlns:v="urn:schemas-microsoft-com:vml" xmlns:pvml="urn:schemas-microsoft-com:office:powerpoint" xmlns:com="http://schemas.openxmlformats.org/drawingml/2006/compatibility" xmlns:p14="http://schemas.microsoft.com/office/powerpoint/2010/main" xmlns:p15="http://schemas.microsoft.com/office/powerpoint/2012/main" xmlns:ahyp="http://schemas.microsoft.com/office/drawing/2018/hyperlinkcolor" showMasterPhAnim="0" showMasterSp="0">
+<p:notes xmlns:a="http://schemas.openxmlformats.org/drawingml/2006/main" xmlns:r="http://schemas.openxmlformats.org/officeDocument/2006/relationships" xmlns:p="http://schemas.openxmlformats.org/presentationml/2006/main" showMasterSp="0" showMasterPhAnim="0">
   <p:cSld>
     <p:spTree>
       <p:nvGrpSpPr>
-        <p:cNvPr id="61" name="Shape 61"/>
+        <p:cNvPr id="1" name="Shape 61"/>
         <p:cNvGrpSpPr/>
         <p:nvPr/>
       </p:nvGrpSpPr>
@@ -894,20 +920,26 @@
       <p:sp>
         <p:nvSpPr>
           <p:cNvPr id="62" name="Google Shape;62;g29f43f0a72_0_0:notes"/>
-          <p:cNvSpPr/>
+          <p:cNvSpPr>
+            <a:spLocks noGrp="1" noRot="1" noChangeAspect="1"/>
+          </p:cNvSpPr>
           <p:nvPr>
-            <p:ph idx="2" type="sldImg"/>
+            <p:ph type="sldImg" idx="2"/>
           </p:nvPr>
         </p:nvSpPr>
         <p:spPr>
           <a:xfrm>
-            <a:off x="381300" y="685800"/>
+            <a:off x="381000" y="685800"/>
             <a:ext cx="6096000" cy="3429000"/>
           </a:xfrm>
           <a:custGeom>
-            <a:rect b="b" l="l" r="r" t="t"/>
+            <a:avLst/>
+            <a:gdLst/>
+            <a:ahLst/>
+            <a:cxnLst/>
+            <a:rect l="l" t="t" r="r" b="b"/>
             <a:pathLst>
-              <a:path extrusionOk="0" h="120000" w="120000">
+              <a:path w="120000" h="120000" extrusionOk="0">
                 <a:moveTo>
                   <a:pt x="0" y="0"/>
                 </a:moveTo>
@@ -929,9 +961,11 @@
       <p:sp>
         <p:nvSpPr>
           <p:cNvPr id="63" name="Google Shape;63;g29f43f0a72_0_0:notes"/>
-          <p:cNvSpPr txBox="1"/>
+          <p:cNvSpPr txBox="1">
+            <a:spLocks noGrp="1"/>
+          </p:cNvSpPr>
           <p:nvPr>
-            <p:ph idx="1" type="body"/>
+            <p:ph type="body" idx="1"/>
           </p:nvPr>
         </p:nvSpPr>
         <p:spPr>
@@ -944,12 +978,12 @@
           </a:prstGeom>
         </p:spPr>
         <p:txBody>
-          <a:bodyPr anchorCtr="0" anchor="t" bIns="91425" lIns="91425" spcFirstLastPara="1" rIns="91425" wrap="square" tIns="91425">
+          <a:bodyPr spcFirstLastPara="1" wrap="square" lIns="91425" tIns="91425" rIns="91425" bIns="91425" anchor="t" anchorCtr="0">
             <a:noAutofit/>
           </a:bodyPr>
           <a:lstStyle/>
           <a:p>
-            <a:pPr indent="0" lvl="0" marL="0" rtl="0" algn="l">
+            <a:pPr marL="0" lvl="0" indent="0" algn="l" rtl="0">
               <a:spcBef>
                 <a:spcPts val="0"/>
               </a:spcBef>
@@ -958,9 +992,6 @@
               </a:spcAft>
               <a:buNone/>
             </a:pPr>
-            <a:r>
-              <a:t/>
-            </a:r>
             <a:endParaRPr/>
           </a:p>
         </p:txBody>
@@ -974,11 +1005,11 @@
 </file>
 
 <file path=ppt/notesSlides/notesSlide4.xml><?xml version="1.0" encoding="utf-8"?>
-<p:notes xmlns:a="http://schemas.openxmlformats.org/drawingml/2006/main" xmlns:r="http://schemas.openxmlformats.org/officeDocument/2006/relationships" xmlns:mc="http://schemas.openxmlformats.org/markup-compatibility/2006" xmlns:mv="urn:schemas-microsoft-com:mac:vml" xmlns:p="http://schemas.openxmlformats.org/presentationml/2006/main" xmlns:c="http://schemas.openxmlformats.org/drawingml/2006/chart" xmlns:dgm="http://schemas.openxmlformats.org/drawingml/2006/diagram" xmlns:o="urn:schemas-microsoft-com:office:office" xmlns:v="urn:schemas-microsoft-com:vml" xmlns:pvml="urn:schemas-microsoft-com:office:powerpoint" xmlns:com="http://schemas.openxmlformats.org/drawingml/2006/compatibility" xmlns:p14="http://schemas.microsoft.com/office/powerpoint/2010/main" xmlns:p15="http://schemas.microsoft.com/office/powerpoint/2012/main" xmlns:ahyp="http://schemas.microsoft.com/office/drawing/2018/hyperlinkcolor" showMasterPhAnim="0" showMasterSp="0">
+<p:notes xmlns:a="http://schemas.openxmlformats.org/drawingml/2006/main" xmlns:r="http://schemas.openxmlformats.org/officeDocument/2006/relationships" xmlns:p="http://schemas.openxmlformats.org/presentationml/2006/main" showMasterSp="0" showMasterPhAnim="0">
   <p:cSld>
     <p:spTree>
       <p:nvGrpSpPr>
-        <p:cNvPr id="67" name="Shape 67"/>
+        <p:cNvPr id="1" name="Shape 67"/>
         <p:cNvGrpSpPr/>
         <p:nvPr/>
       </p:nvGrpSpPr>
@@ -993,20 +1024,26 @@
       <p:sp>
         <p:nvSpPr>
           <p:cNvPr id="68" name="Google Shape;68;g29f43f0a72_0_5:notes"/>
-          <p:cNvSpPr/>
+          <p:cNvSpPr>
+            <a:spLocks noGrp="1" noRot="1" noChangeAspect="1"/>
+          </p:cNvSpPr>
           <p:nvPr>
-            <p:ph idx="2" type="sldImg"/>
+            <p:ph type="sldImg" idx="2"/>
           </p:nvPr>
         </p:nvSpPr>
         <p:spPr>
           <a:xfrm>
-            <a:off x="381300" y="685800"/>
+            <a:off x="381000" y="685800"/>
             <a:ext cx="6096000" cy="3429000"/>
           </a:xfrm>
           <a:custGeom>
-            <a:rect b="b" l="l" r="r" t="t"/>
+            <a:avLst/>
+            <a:gdLst/>
+            <a:ahLst/>
+            <a:cxnLst/>
+            <a:rect l="l" t="t" r="r" b="b"/>
             <a:pathLst>
-              <a:path extrusionOk="0" h="120000" w="120000">
+              <a:path w="120000" h="120000" extrusionOk="0">
                 <a:moveTo>
                   <a:pt x="0" y="0"/>
                 </a:moveTo>
@@ -1028,9 +1065,11 @@
       <p:sp>
         <p:nvSpPr>
           <p:cNvPr id="69" name="Google Shape;69;g29f43f0a72_0_5:notes"/>
-          <p:cNvSpPr txBox="1"/>
+          <p:cNvSpPr txBox="1">
+            <a:spLocks noGrp="1"/>
+          </p:cNvSpPr>
           <p:nvPr>
-            <p:ph idx="1" type="body"/>
+            <p:ph type="body" idx="1"/>
           </p:nvPr>
         </p:nvSpPr>
         <p:spPr>
@@ -1043,12 +1082,12 @@
           </a:prstGeom>
         </p:spPr>
         <p:txBody>
-          <a:bodyPr anchorCtr="0" anchor="t" bIns="91425" lIns="91425" spcFirstLastPara="1" rIns="91425" wrap="square" tIns="91425">
+          <a:bodyPr spcFirstLastPara="1" wrap="square" lIns="91425" tIns="91425" rIns="91425" bIns="91425" anchor="t" anchorCtr="0">
             <a:noAutofit/>
           </a:bodyPr>
           <a:lstStyle/>
           <a:p>
-            <a:pPr indent="0" lvl="0" marL="0" rtl="0" algn="l">
+            <a:pPr marL="0" lvl="0" indent="0" algn="l" rtl="0">
               <a:spcBef>
                 <a:spcPts val="0"/>
               </a:spcBef>
@@ -1057,9 +1096,6 @@
               </a:spcAft>
               <a:buNone/>
             </a:pPr>
-            <a:r>
-              <a:t/>
-            </a:r>
             <a:endParaRPr/>
           </a:p>
         </p:txBody>
@@ -1073,11 +1109,120 @@
 </file>
 
 <file path=ppt/notesSlides/notesSlide5.xml><?xml version="1.0" encoding="utf-8"?>
-<p:notes xmlns:a="http://schemas.openxmlformats.org/drawingml/2006/main" xmlns:r="http://schemas.openxmlformats.org/officeDocument/2006/relationships" xmlns:mc="http://schemas.openxmlformats.org/markup-compatibility/2006" xmlns:mv="urn:schemas-microsoft-com:mac:vml" xmlns:p="http://schemas.openxmlformats.org/presentationml/2006/main" xmlns:c="http://schemas.openxmlformats.org/drawingml/2006/chart" xmlns:dgm="http://schemas.openxmlformats.org/drawingml/2006/diagram" xmlns:o="urn:schemas-microsoft-com:office:office" xmlns:v="urn:schemas-microsoft-com:vml" xmlns:pvml="urn:schemas-microsoft-com:office:powerpoint" xmlns:com="http://schemas.openxmlformats.org/drawingml/2006/compatibility" xmlns:p14="http://schemas.microsoft.com/office/powerpoint/2010/main" xmlns:p15="http://schemas.microsoft.com/office/powerpoint/2012/main" xmlns:ahyp="http://schemas.microsoft.com/office/drawing/2018/hyperlinkcolor" showMasterPhAnim="0" showMasterSp="0">
+<p:notes xmlns:a="http://schemas.openxmlformats.org/drawingml/2006/main" xmlns:r="http://schemas.openxmlformats.org/officeDocument/2006/relationships" xmlns:p="http://schemas.openxmlformats.org/presentationml/2006/main" showMasterSp="0" showMasterPhAnim="0">
   <p:cSld>
     <p:spTree>
       <p:nvGrpSpPr>
-        <p:cNvPr id="73" name="Shape 73"/>
+        <p:cNvPr id="1" name="Shape 67"/>
+        <p:cNvGrpSpPr/>
+        <p:nvPr/>
+      </p:nvGrpSpPr>
+      <p:grpSpPr>
+        <a:xfrm>
+          <a:off x="0" y="0"/>
+          <a:ext cx="0" cy="0"/>
+          <a:chOff x="0" y="0"/>
+          <a:chExt cx="0" cy="0"/>
+        </a:xfrm>
+      </p:grpSpPr>
+      <p:sp>
+        <p:nvSpPr>
+          <p:cNvPr id="68" name="Google Shape;68;g29f43f0a72_0_5:notes"/>
+          <p:cNvSpPr>
+            <a:spLocks noGrp="1" noRot="1" noChangeAspect="1"/>
+          </p:cNvSpPr>
+          <p:nvPr>
+            <p:ph type="sldImg" idx="2"/>
+          </p:nvPr>
+        </p:nvSpPr>
+        <p:spPr>
+          <a:xfrm>
+            <a:off x="381000" y="685800"/>
+            <a:ext cx="6096000" cy="3429000"/>
+          </a:xfrm>
+          <a:custGeom>
+            <a:avLst/>
+            <a:gdLst/>
+            <a:ahLst/>
+            <a:cxnLst/>
+            <a:rect l="l" t="t" r="r" b="b"/>
+            <a:pathLst>
+              <a:path w="120000" h="120000" extrusionOk="0">
+                <a:moveTo>
+                  <a:pt x="0" y="0"/>
+                </a:moveTo>
+                <a:lnTo>
+                  <a:pt x="120000" y="0"/>
+                </a:lnTo>
+                <a:lnTo>
+                  <a:pt x="120000" y="120000"/>
+                </a:lnTo>
+                <a:lnTo>
+                  <a:pt x="0" y="120000"/>
+                </a:lnTo>
+                <a:close/>
+              </a:path>
+            </a:pathLst>
+          </a:custGeom>
+        </p:spPr>
+      </p:sp>
+      <p:sp>
+        <p:nvSpPr>
+          <p:cNvPr id="69" name="Google Shape;69;g29f43f0a72_0_5:notes"/>
+          <p:cNvSpPr txBox="1">
+            <a:spLocks noGrp="1"/>
+          </p:cNvSpPr>
+          <p:nvPr>
+            <p:ph type="body" idx="1"/>
+          </p:nvPr>
+        </p:nvSpPr>
+        <p:spPr>
+          <a:xfrm>
+            <a:off x="685800" y="4343400"/>
+            <a:ext cx="5486400" cy="4114800"/>
+          </a:xfrm>
+          <a:prstGeom prst="rect">
+            <a:avLst/>
+          </a:prstGeom>
+        </p:spPr>
+        <p:txBody>
+          <a:bodyPr spcFirstLastPara="1" wrap="square" lIns="91425" tIns="91425" rIns="91425" bIns="91425" anchor="t" anchorCtr="0">
+            <a:noAutofit/>
+          </a:bodyPr>
+          <a:lstStyle/>
+          <a:p>
+            <a:pPr marL="0" lvl="0" indent="0" algn="l" rtl="0">
+              <a:spcBef>
+                <a:spcPts val="0"/>
+              </a:spcBef>
+              <a:spcAft>
+                <a:spcPts val="0"/>
+              </a:spcAft>
+              <a:buNone/>
+            </a:pPr>
+            <a:endParaRPr/>
+          </a:p>
+        </p:txBody>
+      </p:sp>
+    </p:spTree>
+    <p:extLst>
+      <p:ext uri="{BB962C8B-B14F-4D97-AF65-F5344CB8AC3E}">
+        <p14:creationId xmlns:p14="http://schemas.microsoft.com/office/powerpoint/2010/main" val="717583141"/>
+      </p:ext>
+    </p:extLst>
+  </p:cSld>
+  <p:clrMapOvr>
+    <a:masterClrMapping/>
+  </p:clrMapOvr>
+</p:notes>
+</file>
+
+<file path=ppt/notesSlides/notesSlide6.xml><?xml version="1.0" encoding="utf-8"?>
+<p:notes xmlns:a="http://schemas.openxmlformats.org/drawingml/2006/main" xmlns:r="http://schemas.openxmlformats.org/officeDocument/2006/relationships" xmlns:p="http://schemas.openxmlformats.org/presentationml/2006/main" showMasterSp="0" showMasterPhAnim="0">
+  <p:cSld>
+    <p:spTree>
+      <p:nvGrpSpPr>
+        <p:cNvPr id="1" name="Shape 73"/>
         <p:cNvGrpSpPr/>
         <p:nvPr/>
       </p:nvGrpSpPr>
@@ -1092,9 +1237,11 @@
       <p:sp>
         <p:nvSpPr>
           <p:cNvPr id="74" name="Google Shape;74;g29f43f0a72_0_15:notes"/>
-          <p:cNvSpPr/>
+          <p:cNvSpPr>
+            <a:spLocks noGrp="1" noRot="1" noChangeAspect="1"/>
+          </p:cNvSpPr>
           <p:nvPr>
-            <p:ph idx="2" type="sldImg"/>
+            <p:ph type="sldImg" idx="2"/>
           </p:nvPr>
         </p:nvSpPr>
         <p:spPr>
@@ -1103,9 +1250,13 @@
             <a:ext cx="6096000" cy="3429000"/>
           </a:xfrm>
           <a:custGeom>
-            <a:rect b="b" l="l" r="r" t="t"/>
+            <a:avLst/>
+            <a:gdLst/>
+            <a:ahLst/>
+            <a:cxnLst/>
+            <a:rect l="l" t="t" r="r" b="b"/>
             <a:pathLst>
-              <a:path extrusionOk="0" h="120000" w="120000">
+              <a:path w="120000" h="120000" extrusionOk="0">
                 <a:moveTo>
                   <a:pt x="0" y="0"/>
                 </a:moveTo>
@@ -1127,9 +1278,11 @@
       <p:sp>
         <p:nvSpPr>
           <p:cNvPr id="75" name="Google Shape;75;g29f43f0a72_0_15:notes"/>
-          <p:cNvSpPr txBox="1"/>
+          <p:cNvSpPr txBox="1">
+            <a:spLocks noGrp="1"/>
+          </p:cNvSpPr>
           <p:nvPr>
-            <p:ph idx="1" type="body"/>
+            <p:ph type="body" idx="1"/>
           </p:nvPr>
         </p:nvSpPr>
         <p:spPr>
@@ -1142,12 +1295,12 @@
           </a:prstGeom>
         </p:spPr>
         <p:txBody>
-          <a:bodyPr anchorCtr="0" anchor="t" bIns="91425" lIns="91425" spcFirstLastPara="1" rIns="91425" wrap="square" tIns="91425">
+          <a:bodyPr spcFirstLastPara="1" wrap="square" lIns="91425" tIns="91425" rIns="91425" bIns="91425" anchor="t" anchorCtr="0">
             <a:noAutofit/>
           </a:bodyPr>
           <a:lstStyle/>
           <a:p>
-            <a:pPr indent="0" lvl="0" marL="0" rtl="0" algn="l">
+            <a:pPr marL="0" lvl="0" indent="0" algn="l" rtl="0">
               <a:spcBef>
                 <a:spcPts val="0"/>
               </a:spcBef>
@@ -1156,9 +1309,6 @@
               </a:spcAft>
               <a:buNone/>
             </a:pPr>
-            <a:r>
-              <a:t/>
-            </a:r>
             <a:endParaRPr/>
           </a:p>
         </p:txBody>
@@ -1171,12 +1321,12 @@
 </p:notes>
 </file>
 
-<file path=ppt/notesSlides/notesSlide6.xml><?xml version="1.0" encoding="utf-8"?>
-<p:notes xmlns:a="http://schemas.openxmlformats.org/drawingml/2006/main" xmlns:r="http://schemas.openxmlformats.org/officeDocument/2006/relationships" xmlns:mc="http://schemas.openxmlformats.org/markup-compatibility/2006" xmlns:mv="urn:schemas-microsoft-com:mac:vml" xmlns:p="http://schemas.openxmlformats.org/presentationml/2006/main" xmlns:c="http://schemas.openxmlformats.org/drawingml/2006/chart" xmlns:dgm="http://schemas.openxmlformats.org/drawingml/2006/diagram" xmlns:o="urn:schemas-microsoft-com:office:office" xmlns:v="urn:schemas-microsoft-com:vml" xmlns:pvml="urn:schemas-microsoft-com:office:powerpoint" xmlns:com="http://schemas.openxmlformats.org/drawingml/2006/compatibility" xmlns:p14="http://schemas.microsoft.com/office/powerpoint/2010/main" xmlns:p15="http://schemas.microsoft.com/office/powerpoint/2012/main" xmlns:ahyp="http://schemas.microsoft.com/office/drawing/2018/hyperlinkcolor" showMasterPhAnim="0" showMasterSp="0">
+<file path=ppt/notesSlides/notesSlide7.xml><?xml version="1.0" encoding="utf-8"?>
+<p:notes xmlns:a="http://schemas.openxmlformats.org/drawingml/2006/main" xmlns:r="http://schemas.openxmlformats.org/officeDocument/2006/relationships" xmlns:p="http://schemas.openxmlformats.org/presentationml/2006/main" showMasterSp="0" showMasterPhAnim="0">
   <p:cSld>
     <p:spTree>
       <p:nvGrpSpPr>
-        <p:cNvPr id="78" name="Shape 78"/>
+        <p:cNvPr id="1" name="Shape 78"/>
         <p:cNvGrpSpPr/>
         <p:nvPr/>
       </p:nvGrpSpPr>
@@ -1191,20 +1341,26 @@
       <p:sp>
         <p:nvSpPr>
           <p:cNvPr id="79" name="Google Shape;79;g29f43f0a72_0_10:notes"/>
-          <p:cNvSpPr/>
+          <p:cNvSpPr>
+            <a:spLocks noGrp="1" noRot="1" noChangeAspect="1"/>
+          </p:cNvSpPr>
           <p:nvPr>
-            <p:ph idx="2" type="sldImg"/>
+            <p:ph type="sldImg" idx="2"/>
           </p:nvPr>
         </p:nvSpPr>
         <p:spPr>
           <a:xfrm>
-            <a:off x="381300" y="685800"/>
+            <a:off x="381000" y="685800"/>
             <a:ext cx="6096000" cy="3429000"/>
           </a:xfrm>
           <a:custGeom>
-            <a:rect b="b" l="l" r="r" t="t"/>
+            <a:avLst/>
+            <a:gdLst/>
+            <a:ahLst/>
+            <a:cxnLst/>
+            <a:rect l="l" t="t" r="r" b="b"/>
             <a:pathLst>
-              <a:path extrusionOk="0" h="120000" w="120000">
+              <a:path w="120000" h="120000" extrusionOk="0">
                 <a:moveTo>
                   <a:pt x="0" y="0"/>
                 </a:moveTo>
@@ -1226,9 +1382,11 @@
       <p:sp>
         <p:nvSpPr>
           <p:cNvPr id="80" name="Google Shape;80;g29f43f0a72_0_10:notes"/>
-          <p:cNvSpPr txBox="1"/>
+          <p:cNvSpPr txBox="1">
+            <a:spLocks noGrp="1"/>
+          </p:cNvSpPr>
           <p:nvPr>
-            <p:ph idx="1" type="body"/>
+            <p:ph type="body" idx="1"/>
           </p:nvPr>
         </p:nvSpPr>
         <p:spPr>
@@ -1241,12 +1399,12 @@
           </a:prstGeom>
         </p:spPr>
         <p:txBody>
-          <a:bodyPr anchorCtr="0" anchor="t" bIns="91425" lIns="91425" spcFirstLastPara="1" rIns="91425" wrap="square" tIns="91425">
+          <a:bodyPr spcFirstLastPara="1" wrap="square" lIns="91425" tIns="91425" rIns="91425" bIns="91425" anchor="t" anchorCtr="0">
             <a:noAutofit/>
           </a:bodyPr>
           <a:lstStyle/>
           <a:p>
-            <a:pPr indent="0" lvl="0" marL="0" rtl="0" algn="l">
+            <a:pPr marL="0" lvl="0" indent="0" algn="l" rtl="0">
               <a:spcBef>
                 <a:spcPts val="0"/>
               </a:spcBef>
@@ -1255,9 +1413,6 @@
               </a:spcAft>
               <a:buNone/>
             </a:pPr>
-            <a:r>
-              <a:t/>
-            </a:r>
             <a:endParaRPr/>
           </a:p>
         </p:txBody>
@@ -1270,12 +1425,12 @@
 </p:notes>
 </file>
 
-<file path=ppt/notesSlides/notesSlide7.xml><?xml version="1.0" encoding="utf-8"?>
-<p:notes xmlns:a="http://schemas.openxmlformats.org/drawingml/2006/main" xmlns:r="http://schemas.openxmlformats.org/officeDocument/2006/relationships" xmlns:mc="http://schemas.openxmlformats.org/markup-compatibility/2006" xmlns:mv="urn:schemas-microsoft-com:mac:vml" xmlns:p="http://schemas.openxmlformats.org/presentationml/2006/main" xmlns:c="http://schemas.openxmlformats.org/drawingml/2006/chart" xmlns:dgm="http://schemas.openxmlformats.org/drawingml/2006/diagram" xmlns:o="urn:schemas-microsoft-com:office:office" xmlns:v="urn:schemas-microsoft-com:vml" xmlns:pvml="urn:schemas-microsoft-com:office:powerpoint" xmlns:com="http://schemas.openxmlformats.org/drawingml/2006/compatibility" xmlns:p14="http://schemas.microsoft.com/office/powerpoint/2010/main" xmlns:p15="http://schemas.microsoft.com/office/powerpoint/2012/main" xmlns:ahyp="http://schemas.microsoft.com/office/drawing/2018/hyperlinkcolor" showMasterPhAnim="0" showMasterSp="0">
+<file path=ppt/notesSlides/notesSlide8.xml><?xml version="1.0" encoding="utf-8"?>
+<p:notes xmlns:a="http://schemas.openxmlformats.org/drawingml/2006/main" xmlns:r="http://schemas.openxmlformats.org/officeDocument/2006/relationships" xmlns:p="http://schemas.openxmlformats.org/presentationml/2006/main" showMasterSp="0" showMasterPhAnim="0">
   <p:cSld>
     <p:spTree>
       <p:nvGrpSpPr>
-        <p:cNvPr id="84" name="Shape 84"/>
+        <p:cNvPr id="1" name="Shape 84"/>
         <p:cNvGrpSpPr/>
         <p:nvPr/>
       </p:nvGrpSpPr>
@@ -1290,20 +1445,26 @@
       <p:sp>
         <p:nvSpPr>
           <p:cNvPr id="85" name="Google Shape;85;g29f43f0a72_0_24:notes"/>
-          <p:cNvSpPr/>
+          <p:cNvSpPr>
+            <a:spLocks noGrp="1" noRot="1" noChangeAspect="1"/>
+          </p:cNvSpPr>
           <p:nvPr>
-            <p:ph idx="2" type="sldImg"/>
+            <p:ph type="sldImg" idx="2"/>
           </p:nvPr>
         </p:nvSpPr>
         <p:spPr>
           <a:xfrm>
-            <a:off x="381300" y="685800"/>
+            <a:off x="381000" y="685800"/>
             <a:ext cx="6096000" cy="3429000"/>
           </a:xfrm>
           <a:custGeom>
-            <a:rect b="b" l="l" r="r" t="t"/>
+            <a:avLst/>
+            <a:gdLst/>
+            <a:ahLst/>
+            <a:cxnLst/>
+            <a:rect l="l" t="t" r="r" b="b"/>
             <a:pathLst>
-              <a:path extrusionOk="0" h="120000" w="120000">
+              <a:path w="120000" h="120000" extrusionOk="0">
                 <a:moveTo>
                   <a:pt x="0" y="0"/>
                 </a:moveTo>
@@ -1325,9 +1486,11 @@
       <p:sp>
         <p:nvSpPr>
           <p:cNvPr id="86" name="Google Shape;86;g29f43f0a72_0_24:notes"/>
-          <p:cNvSpPr txBox="1"/>
+          <p:cNvSpPr txBox="1">
+            <a:spLocks noGrp="1"/>
+          </p:cNvSpPr>
           <p:nvPr>
-            <p:ph idx="1" type="body"/>
+            <p:ph type="body" idx="1"/>
           </p:nvPr>
         </p:nvSpPr>
         <p:spPr>
@@ -1340,12 +1503,12 @@
           </a:prstGeom>
         </p:spPr>
         <p:txBody>
-          <a:bodyPr anchorCtr="0" anchor="t" bIns="91425" lIns="91425" spcFirstLastPara="1" rIns="91425" wrap="square" tIns="91425">
+          <a:bodyPr spcFirstLastPara="1" wrap="square" lIns="91425" tIns="91425" rIns="91425" bIns="91425" anchor="t" anchorCtr="0">
             <a:noAutofit/>
           </a:bodyPr>
           <a:lstStyle/>
           <a:p>
-            <a:pPr indent="0" lvl="0" marL="0" rtl="0" algn="l">
+            <a:pPr marL="0" lvl="0" indent="0" algn="l" rtl="0">
               <a:spcBef>
                 <a:spcPts val="0"/>
               </a:spcBef>
@@ -1354,9 +1517,6 @@
               </a:spcAft>
               <a:buNone/>
             </a:pPr>
-            <a:r>
-              <a:t/>
-            </a:r>
             <a:endParaRPr/>
           </a:p>
         </p:txBody>
@@ -1370,11 +1530,11 @@
 </file>
 
 <file path=ppt/slideLayouts/slideLayout1.xml><?xml version="1.0" encoding="utf-8"?>
-<p:sldLayout xmlns:a="http://schemas.openxmlformats.org/drawingml/2006/main" xmlns:r="http://schemas.openxmlformats.org/officeDocument/2006/relationships" xmlns:mc="http://schemas.openxmlformats.org/markup-compatibility/2006" xmlns:mv="urn:schemas-microsoft-com:mac:vml" xmlns:p="http://schemas.openxmlformats.org/presentationml/2006/main" xmlns:c="http://schemas.openxmlformats.org/drawingml/2006/chart" xmlns:dgm="http://schemas.openxmlformats.org/drawingml/2006/diagram" xmlns:o="urn:schemas-microsoft-com:office:office" xmlns:v="urn:schemas-microsoft-com:vml" xmlns:pvml="urn:schemas-microsoft-com:office:powerpoint" xmlns:com="http://schemas.openxmlformats.org/drawingml/2006/compatibility" xmlns:p14="http://schemas.microsoft.com/office/powerpoint/2010/main" xmlns:p15="http://schemas.microsoft.com/office/powerpoint/2012/main" xmlns:ahyp="http://schemas.microsoft.com/office/drawing/2018/hyperlinkcolor" matchingName="Title slide" type="title">
+<p:sldLayout xmlns:a="http://schemas.openxmlformats.org/drawingml/2006/main" xmlns:r="http://schemas.openxmlformats.org/officeDocument/2006/relationships" xmlns:p="http://schemas.openxmlformats.org/presentationml/2006/main" matchingName="Title slide" type="title">
   <p:cSld name="TITLE">
     <p:spTree>
       <p:nvGrpSpPr>
-        <p:cNvPr id="9" name="Shape 9"/>
+        <p:cNvPr id="1" name="Shape 9"/>
         <p:cNvGrpSpPr/>
         <p:nvPr/>
       </p:nvGrpSpPr>
@@ -1389,7 +1549,9 @@
       <p:sp>
         <p:nvSpPr>
           <p:cNvPr id="10" name="Google Shape;10;p2"/>
-          <p:cNvSpPr txBox="1"/>
+          <p:cNvSpPr txBox="1">
+            <a:spLocks noGrp="1"/>
+          </p:cNvSpPr>
           <p:nvPr>
             <p:ph type="ctrTitle"/>
           </p:nvPr>
@@ -1404,7 +1566,7 @@
           </a:prstGeom>
         </p:spPr>
         <p:txBody>
-          <a:bodyPr anchorCtr="0" anchor="b" bIns="91425" lIns="91425" spcFirstLastPara="1" rIns="91425" wrap="square" tIns="91425">
+          <a:bodyPr spcFirstLastPara="1" wrap="square" lIns="91425" tIns="91425" rIns="91425" bIns="91425" anchor="b" anchorCtr="0">
             <a:noAutofit/>
           </a:bodyPr>
           <a:lstStyle>
@@ -1508,15 +1670,19 @@
               <a:defRPr sz="5200"/>
             </a:lvl9pPr>
           </a:lstStyle>
-          <a:p/>
+          <a:p>
+            <a:endParaRPr/>
+          </a:p>
         </p:txBody>
       </p:sp>
       <p:sp>
         <p:nvSpPr>
           <p:cNvPr id="11" name="Google Shape;11;p2"/>
-          <p:cNvSpPr txBox="1"/>
+          <p:cNvSpPr txBox="1">
+            <a:spLocks noGrp="1"/>
+          </p:cNvSpPr>
           <p:nvPr>
-            <p:ph idx="1" type="subTitle"/>
+            <p:ph type="subTitle" idx="1"/>
           </p:nvPr>
         </p:nvSpPr>
         <p:spPr>
@@ -1529,7 +1695,7 @@
           </a:prstGeom>
         </p:spPr>
         <p:txBody>
-          <a:bodyPr anchorCtr="0" anchor="t" bIns="91425" lIns="91425" spcFirstLastPara="1" rIns="91425" wrap="square" tIns="91425">
+          <a:bodyPr spcFirstLastPara="1" wrap="square" lIns="91425" tIns="91425" rIns="91425" bIns="91425" anchor="t" anchorCtr="0">
             <a:noAutofit/>
           </a:bodyPr>
           <a:lstStyle>
@@ -1660,15 +1826,19 @@
               <a:defRPr sz="2800"/>
             </a:lvl9pPr>
           </a:lstStyle>
-          <a:p/>
+          <a:p>
+            <a:endParaRPr/>
+          </a:p>
         </p:txBody>
       </p:sp>
       <p:sp>
         <p:nvSpPr>
           <p:cNvPr id="12" name="Google Shape;12;p2"/>
-          <p:cNvSpPr txBox="1"/>
+          <p:cNvSpPr txBox="1">
+            <a:spLocks noGrp="1"/>
+          </p:cNvSpPr>
           <p:nvPr>
-            <p:ph idx="12" type="sldNum"/>
+            <p:ph type="sldNum" idx="12"/>
           </p:nvPr>
         </p:nvSpPr>
         <p:spPr>
@@ -1681,7 +1851,7 @@
           </a:prstGeom>
         </p:spPr>
         <p:txBody>
-          <a:bodyPr anchorCtr="0" anchor="ctr" bIns="91425" lIns="91425" spcFirstLastPara="1" rIns="91425" wrap="square" tIns="91425">
+          <a:bodyPr spcFirstLastPara="1" wrap="square" lIns="91425" tIns="91425" rIns="91425" bIns="91425" anchor="ctr" anchorCtr="0">
             <a:noAutofit/>
           </a:bodyPr>
           <a:lstStyle>
@@ -1723,7 +1893,7 @@
             </a:lvl9pPr>
           </a:lstStyle>
           <a:p>
-            <a:pPr indent="0" lvl="0" marL="0" rtl="0" algn="r">
+            <a:pPr marL="0" lvl="0" indent="0" algn="r" rtl="0">
               <a:spcBef>
                 <a:spcPts val="0"/>
               </a:spcBef>
@@ -1749,11 +1919,11 @@
 </file>
 
 <file path=ppt/slideLayouts/slideLayout10.xml><?xml version="1.0" encoding="utf-8"?>
-<p:sldLayout xmlns:a="http://schemas.openxmlformats.org/drawingml/2006/main" xmlns:r="http://schemas.openxmlformats.org/officeDocument/2006/relationships" xmlns:mc="http://schemas.openxmlformats.org/markup-compatibility/2006" xmlns:mv="urn:schemas-microsoft-com:mac:vml" xmlns:p="http://schemas.openxmlformats.org/presentationml/2006/main" xmlns:c="http://schemas.openxmlformats.org/drawingml/2006/chart" xmlns:dgm="http://schemas.openxmlformats.org/drawingml/2006/diagram" xmlns:o="urn:schemas-microsoft-com:office:office" xmlns:v="urn:schemas-microsoft-com:vml" xmlns:pvml="urn:schemas-microsoft-com:office:powerpoint" xmlns:com="http://schemas.openxmlformats.org/drawingml/2006/compatibility" xmlns:p14="http://schemas.microsoft.com/office/powerpoint/2010/main" xmlns:p15="http://schemas.microsoft.com/office/powerpoint/2012/main" xmlns:ahyp="http://schemas.microsoft.com/office/drawing/2018/hyperlinkcolor" matchingName="Big number">
+<p:sldLayout xmlns:a="http://schemas.openxmlformats.org/drawingml/2006/main" xmlns:r="http://schemas.openxmlformats.org/officeDocument/2006/relationships" xmlns:p="http://schemas.openxmlformats.org/presentationml/2006/main" matchingName="Big number">
   <p:cSld name="BIG_NUMBER">
     <p:spTree>
       <p:nvGrpSpPr>
-        <p:cNvPr id="44" name="Shape 44"/>
+        <p:cNvPr id="1" name="Shape 44"/>
         <p:cNvGrpSpPr/>
         <p:nvPr/>
       </p:nvGrpSpPr>
@@ -1768,9 +1938,11 @@
       <p:sp>
         <p:nvSpPr>
           <p:cNvPr id="45" name="Google Shape;45;p11"/>
-          <p:cNvSpPr txBox="1"/>
+          <p:cNvSpPr txBox="1">
+            <a:spLocks noGrp="1"/>
+          </p:cNvSpPr>
           <p:nvPr>
-            <p:ph hasCustomPrompt="1" type="title"/>
+            <p:ph type="title" hasCustomPrompt="1"/>
           </p:nvPr>
         </p:nvSpPr>
         <p:spPr>
@@ -1783,7 +1955,7 @@
           </a:prstGeom>
         </p:spPr>
         <p:txBody>
-          <a:bodyPr anchorCtr="0" anchor="b" bIns="91425" lIns="91425" spcFirstLastPara="1" rIns="91425" wrap="square" tIns="91425">
+          <a:bodyPr spcFirstLastPara="1" wrap="square" lIns="91425" tIns="91425" rIns="91425" bIns="91425" anchor="b" anchorCtr="0">
             <a:noAutofit/>
           </a:bodyPr>
           <a:lstStyle>
@@ -1897,9 +2069,11 @@
       <p:sp>
         <p:nvSpPr>
           <p:cNvPr id="46" name="Google Shape;46;p11"/>
-          <p:cNvSpPr txBox="1"/>
+          <p:cNvSpPr txBox="1">
+            <a:spLocks noGrp="1"/>
+          </p:cNvSpPr>
           <p:nvPr>
-            <p:ph idx="1" type="body"/>
+            <p:ph type="body" idx="1"/>
           </p:nvPr>
         </p:nvSpPr>
         <p:spPr>
@@ -1912,11 +2086,11 @@
           </a:prstGeom>
         </p:spPr>
         <p:txBody>
-          <a:bodyPr anchorCtr="0" anchor="t" bIns="91425" lIns="91425" spcFirstLastPara="1" rIns="91425" wrap="square" tIns="91425">
+          <a:bodyPr spcFirstLastPara="1" wrap="square" lIns="91425" tIns="91425" rIns="91425" bIns="91425" anchor="t" anchorCtr="0">
             <a:noAutofit/>
           </a:bodyPr>
           <a:lstStyle>
-            <a:lvl1pPr indent="-342900" lvl="0" marL="457200" algn="ctr">
+            <a:lvl1pPr marL="457200" lvl="0" indent="-342900" algn="ctr">
               <a:spcBef>
                 <a:spcPts val="0"/>
               </a:spcBef>
@@ -1927,7 +2101,7 @@
               <a:buChar char="●"/>
               <a:defRPr/>
             </a:lvl1pPr>
-            <a:lvl2pPr indent="-317500" lvl="1" marL="914400" algn="ctr">
+            <a:lvl2pPr marL="914400" lvl="1" indent="-317500" algn="ctr">
               <a:spcBef>
                 <a:spcPts val="1600"/>
               </a:spcBef>
@@ -1938,7 +2112,7 @@
               <a:buChar char="○"/>
               <a:defRPr/>
             </a:lvl2pPr>
-            <a:lvl3pPr indent="-317500" lvl="2" marL="1371600" algn="ctr">
+            <a:lvl3pPr marL="1371600" lvl="2" indent="-317500" algn="ctr">
               <a:spcBef>
                 <a:spcPts val="1600"/>
               </a:spcBef>
@@ -1949,7 +2123,7 @@
               <a:buChar char="■"/>
               <a:defRPr/>
             </a:lvl3pPr>
-            <a:lvl4pPr indent="-317500" lvl="3" marL="1828800" algn="ctr">
+            <a:lvl4pPr marL="1828800" lvl="3" indent="-317500" algn="ctr">
               <a:spcBef>
                 <a:spcPts val="1600"/>
               </a:spcBef>
@@ -1960,7 +2134,7 @@
               <a:buChar char="●"/>
               <a:defRPr/>
             </a:lvl4pPr>
-            <a:lvl5pPr indent="-317500" lvl="4" marL="2286000" algn="ctr">
+            <a:lvl5pPr marL="2286000" lvl="4" indent="-317500" algn="ctr">
               <a:spcBef>
                 <a:spcPts val="1600"/>
               </a:spcBef>
@@ -1971,7 +2145,7 @@
               <a:buChar char="○"/>
               <a:defRPr/>
             </a:lvl5pPr>
-            <a:lvl6pPr indent="-317500" lvl="5" marL="2743200" algn="ctr">
+            <a:lvl6pPr marL="2743200" lvl="5" indent="-317500" algn="ctr">
               <a:spcBef>
                 <a:spcPts val="1600"/>
               </a:spcBef>
@@ -1982,7 +2156,7 @@
               <a:buChar char="■"/>
               <a:defRPr/>
             </a:lvl6pPr>
-            <a:lvl7pPr indent="-317500" lvl="6" marL="3200400" algn="ctr">
+            <a:lvl7pPr marL="3200400" lvl="6" indent="-317500" algn="ctr">
               <a:spcBef>
                 <a:spcPts val="1600"/>
               </a:spcBef>
@@ -1993,7 +2167,7 @@
               <a:buChar char="●"/>
               <a:defRPr/>
             </a:lvl7pPr>
-            <a:lvl8pPr indent="-317500" lvl="7" marL="3657600" algn="ctr">
+            <a:lvl8pPr marL="3657600" lvl="7" indent="-317500" algn="ctr">
               <a:spcBef>
                 <a:spcPts val="1600"/>
               </a:spcBef>
@@ -2004,7 +2178,7 @@
               <a:buChar char="○"/>
               <a:defRPr/>
             </a:lvl8pPr>
-            <a:lvl9pPr indent="-317500" lvl="8" marL="4114800" algn="ctr">
+            <a:lvl9pPr marL="4114800" lvl="8" indent="-317500" algn="ctr">
               <a:spcBef>
                 <a:spcPts val="1600"/>
               </a:spcBef>
@@ -2016,15 +2190,19 @@
               <a:defRPr/>
             </a:lvl9pPr>
           </a:lstStyle>
-          <a:p/>
+          <a:p>
+            <a:endParaRPr/>
+          </a:p>
         </p:txBody>
       </p:sp>
       <p:sp>
         <p:nvSpPr>
           <p:cNvPr id="47" name="Google Shape;47;p11"/>
-          <p:cNvSpPr txBox="1"/>
+          <p:cNvSpPr txBox="1">
+            <a:spLocks noGrp="1"/>
+          </p:cNvSpPr>
           <p:nvPr>
-            <p:ph idx="12" type="sldNum"/>
+            <p:ph type="sldNum" idx="12"/>
           </p:nvPr>
         </p:nvSpPr>
         <p:spPr>
@@ -2037,7 +2215,7 @@
           </a:prstGeom>
         </p:spPr>
         <p:txBody>
-          <a:bodyPr anchorCtr="0" anchor="ctr" bIns="91425" lIns="91425" spcFirstLastPara="1" rIns="91425" wrap="square" tIns="91425">
+          <a:bodyPr spcFirstLastPara="1" wrap="square" lIns="91425" tIns="91425" rIns="91425" bIns="91425" anchor="ctr" anchorCtr="0">
             <a:noAutofit/>
           </a:bodyPr>
           <a:lstStyle>
@@ -2079,7 +2257,7 @@
             </a:lvl9pPr>
           </a:lstStyle>
           <a:p>
-            <a:pPr indent="0" lvl="0" marL="0" rtl="0" algn="r">
+            <a:pPr marL="0" lvl="0" indent="0" algn="r" rtl="0">
               <a:spcBef>
                 <a:spcPts val="0"/>
               </a:spcBef>
@@ -2105,11 +2283,11 @@
 </file>
 
 <file path=ppt/slideLayouts/slideLayout11.xml><?xml version="1.0" encoding="utf-8"?>
-<p:sldLayout xmlns:a="http://schemas.openxmlformats.org/drawingml/2006/main" xmlns:r="http://schemas.openxmlformats.org/officeDocument/2006/relationships" xmlns:mc="http://schemas.openxmlformats.org/markup-compatibility/2006" xmlns:mv="urn:schemas-microsoft-com:mac:vml" xmlns:p="http://schemas.openxmlformats.org/presentationml/2006/main" xmlns:c="http://schemas.openxmlformats.org/drawingml/2006/chart" xmlns:dgm="http://schemas.openxmlformats.org/drawingml/2006/diagram" xmlns:o="urn:schemas-microsoft-com:office:office" xmlns:v="urn:schemas-microsoft-com:vml" xmlns:pvml="urn:schemas-microsoft-com:office:powerpoint" xmlns:com="http://schemas.openxmlformats.org/drawingml/2006/compatibility" xmlns:p14="http://schemas.microsoft.com/office/powerpoint/2010/main" xmlns:p15="http://schemas.microsoft.com/office/powerpoint/2012/main" xmlns:ahyp="http://schemas.microsoft.com/office/drawing/2018/hyperlinkcolor" matchingName="Blank" type="blank">
+<p:sldLayout xmlns:a="http://schemas.openxmlformats.org/drawingml/2006/main" xmlns:r="http://schemas.openxmlformats.org/officeDocument/2006/relationships" xmlns:p="http://schemas.openxmlformats.org/presentationml/2006/main" matchingName="Blank" type="blank">
   <p:cSld name="BLANK">
     <p:spTree>
       <p:nvGrpSpPr>
-        <p:cNvPr id="48" name="Shape 48"/>
+        <p:cNvPr id="1" name="Shape 48"/>
         <p:cNvGrpSpPr/>
         <p:nvPr/>
       </p:nvGrpSpPr>
@@ -2124,9 +2302,11 @@
       <p:sp>
         <p:nvSpPr>
           <p:cNvPr id="49" name="Google Shape;49;p12"/>
-          <p:cNvSpPr txBox="1"/>
+          <p:cNvSpPr txBox="1">
+            <a:spLocks noGrp="1"/>
+          </p:cNvSpPr>
           <p:nvPr>
-            <p:ph idx="12" type="sldNum"/>
+            <p:ph type="sldNum" idx="12"/>
           </p:nvPr>
         </p:nvSpPr>
         <p:spPr>
@@ -2139,7 +2319,7 @@
           </a:prstGeom>
         </p:spPr>
         <p:txBody>
-          <a:bodyPr anchorCtr="0" anchor="ctr" bIns="91425" lIns="91425" spcFirstLastPara="1" rIns="91425" wrap="square" tIns="91425">
+          <a:bodyPr spcFirstLastPara="1" wrap="square" lIns="91425" tIns="91425" rIns="91425" bIns="91425" anchor="ctr" anchorCtr="0">
             <a:noAutofit/>
           </a:bodyPr>
           <a:lstStyle>
@@ -2181,7 +2361,7 @@
             </a:lvl9pPr>
           </a:lstStyle>
           <a:p>
-            <a:pPr indent="0" lvl="0" marL="0" rtl="0" algn="r">
+            <a:pPr marL="0" lvl="0" indent="0" algn="r" rtl="0">
               <a:spcBef>
                 <a:spcPts val="0"/>
               </a:spcBef>
@@ -2207,11 +2387,11 @@
 </file>
 
 <file path=ppt/slideLayouts/slideLayout2.xml><?xml version="1.0" encoding="utf-8"?>
-<p:sldLayout xmlns:a="http://schemas.openxmlformats.org/drawingml/2006/main" xmlns:r="http://schemas.openxmlformats.org/officeDocument/2006/relationships" xmlns:mc="http://schemas.openxmlformats.org/markup-compatibility/2006" xmlns:mv="urn:schemas-microsoft-com:mac:vml" xmlns:p="http://schemas.openxmlformats.org/presentationml/2006/main" xmlns:c="http://schemas.openxmlformats.org/drawingml/2006/chart" xmlns:dgm="http://schemas.openxmlformats.org/drawingml/2006/diagram" xmlns:o="urn:schemas-microsoft-com:office:office" xmlns:v="urn:schemas-microsoft-com:vml" xmlns:pvml="urn:schemas-microsoft-com:office:powerpoint" xmlns:com="http://schemas.openxmlformats.org/drawingml/2006/compatibility" xmlns:p14="http://schemas.microsoft.com/office/powerpoint/2010/main" xmlns:p15="http://schemas.microsoft.com/office/powerpoint/2012/main" xmlns:ahyp="http://schemas.microsoft.com/office/drawing/2018/hyperlinkcolor" matchingName="Section header" type="secHead">
+<p:sldLayout xmlns:a="http://schemas.openxmlformats.org/drawingml/2006/main" xmlns:r="http://schemas.openxmlformats.org/officeDocument/2006/relationships" xmlns:p="http://schemas.openxmlformats.org/presentationml/2006/main" matchingName="Section header" type="secHead">
   <p:cSld name="SECTION_HEADER">
     <p:spTree>
       <p:nvGrpSpPr>
-        <p:cNvPr id="13" name="Shape 13"/>
+        <p:cNvPr id="1" name="Shape 13"/>
         <p:cNvGrpSpPr/>
         <p:nvPr/>
       </p:nvGrpSpPr>
@@ -2226,7 +2406,9 @@
       <p:sp>
         <p:nvSpPr>
           <p:cNvPr id="14" name="Google Shape;14;p3"/>
-          <p:cNvSpPr txBox="1"/>
+          <p:cNvSpPr txBox="1">
+            <a:spLocks noGrp="1"/>
+          </p:cNvSpPr>
           <p:nvPr>
             <p:ph type="title"/>
           </p:nvPr>
@@ -2241,7 +2423,7 @@
           </a:prstGeom>
         </p:spPr>
         <p:txBody>
-          <a:bodyPr anchorCtr="0" anchor="ctr" bIns="91425" lIns="91425" spcFirstLastPara="1" rIns="91425" wrap="square" tIns="91425">
+          <a:bodyPr spcFirstLastPara="1" wrap="square" lIns="91425" tIns="91425" rIns="91425" bIns="91425" anchor="ctr" anchorCtr="0">
             <a:noAutofit/>
           </a:bodyPr>
           <a:lstStyle>
@@ -2345,15 +2527,19 @@
               <a:defRPr sz="3600"/>
             </a:lvl9pPr>
           </a:lstStyle>
-          <a:p/>
+          <a:p>
+            <a:endParaRPr/>
+          </a:p>
         </p:txBody>
       </p:sp>
       <p:sp>
         <p:nvSpPr>
           <p:cNvPr id="15" name="Google Shape;15;p3"/>
-          <p:cNvSpPr txBox="1"/>
+          <p:cNvSpPr txBox="1">
+            <a:spLocks noGrp="1"/>
+          </p:cNvSpPr>
           <p:nvPr>
-            <p:ph idx="12" type="sldNum"/>
+            <p:ph type="sldNum" idx="12"/>
           </p:nvPr>
         </p:nvSpPr>
         <p:spPr>
@@ -2366,7 +2552,7 @@
           </a:prstGeom>
         </p:spPr>
         <p:txBody>
-          <a:bodyPr anchorCtr="0" anchor="ctr" bIns="91425" lIns="91425" spcFirstLastPara="1" rIns="91425" wrap="square" tIns="91425">
+          <a:bodyPr spcFirstLastPara="1" wrap="square" lIns="91425" tIns="91425" rIns="91425" bIns="91425" anchor="ctr" anchorCtr="0">
             <a:noAutofit/>
           </a:bodyPr>
           <a:lstStyle>
@@ -2408,7 +2594,7 @@
             </a:lvl9pPr>
           </a:lstStyle>
           <a:p>
-            <a:pPr indent="0" lvl="0" marL="0" rtl="0" algn="r">
+            <a:pPr marL="0" lvl="0" indent="0" algn="r" rtl="0">
               <a:spcBef>
                 <a:spcPts val="0"/>
               </a:spcBef>
@@ -2434,11 +2620,11 @@
 </file>
 
 <file path=ppt/slideLayouts/slideLayout3.xml><?xml version="1.0" encoding="utf-8"?>
-<p:sldLayout xmlns:a="http://schemas.openxmlformats.org/drawingml/2006/main" xmlns:r="http://schemas.openxmlformats.org/officeDocument/2006/relationships" xmlns:mc="http://schemas.openxmlformats.org/markup-compatibility/2006" xmlns:mv="urn:schemas-microsoft-com:mac:vml" xmlns:p="http://schemas.openxmlformats.org/presentationml/2006/main" xmlns:c="http://schemas.openxmlformats.org/drawingml/2006/chart" xmlns:dgm="http://schemas.openxmlformats.org/drawingml/2006/diagram" xmlns:o="urn:schemas-microsoft-com:office:office" xmlns:v="urn:schemas-microsoft-com:vml" xmlns:pvml="urn:schemas-microsoft-com:office:powerpoint" xmlns:com="http://schemas.openxmlformats.org/drawingml/2006/compatibility" xmlns:p14="http://schemas.microsoft.com/office/powerpoint/2010/main" xmlns:p15="http://schemas.microsoft.com/office/powerpoint/2012/main" xmlns:ahyp="http://schemas.microsoft.com/office/drawing/2018/hyperlinkcolor" matchingName="Title and body" type="tx">
+<p:sldLayout xmlns:a="http://schemas.openxmlformats.org/drawingml/2006/main" xmlns:r="http://schemas.openxmlformats.org/officeDocument/2006/relationships" xmlns:p="http://schemas.openxmlformats.org/presentationml/2006/main" matchingName="Title and body" type="tx">
   <p:cSld name="TITLE_AND_BODY">
     <p:spTree>
       <p:nvGrpSpPr>
-        <p:cNvPr id="16" name="Shape 16"/>
+        <p:cNvPr id="1" name="Shape 16"/>
         <p:cNvGrpSpPr/>
         <p:nvPr/>
       </p:nvGrpSpPr>
@@ -2453,7 +2639,9 @@
       <p:sp>
         <p:nvSpPr>
           <p:cNvPr id="17" name="Google Shape;17;p4"/>
-          <p:cNvSpPr txBox="1"/>
+          <p:cNvSpPr txBox="1">
+            <a:spLocks noGrp="1"/>
+          </p:cNvSpPr>
           <p:nvPr>
             <p:ph type="title"/>
           </p:nvPr>
@@ -2468,7 +2656,7 @@
           </a:prstGeom>
         </p:spPr>
         <p:txBody>
-          <a:bodyPr anchorCtr="0" anchor="t" bIns="91425" lIns="91425" spcFirstLastPara="1" rIns="91425" wrap="square" tIns="91425">
+          <a:bodyPr spcFirstLastPara="1" wrap="square" lIns="91425" tIns="91425" rIns="91425" bIns="91425" anchor="t" anchorCtr="0">
             <a:noAutofit/>
           </a:bodyPr>
           <a:lstStyle>
@@ -2572,15 +2760,19 @@
               <a:defRPr/>
             </a:lvl9pPr>
           </a:lstStyle>
-          <a:p/>
+          <a:p>
+            <a:endParaRPr/>
+          </a:p>
         </p:txBody>
       </p:sp>
       <p:sp>
         <p:nvSpPr>
           <p:cNvPr id="18" name="Google Shape;18;p4"/>
-          <p:cNvSpPr txBox="1"/>
+          <p:cNvSpPr txBox="1">
+            <a:spLocks noGrp="1"/>
+          </p:cNvSpPr>
           <p:nvPr>
-            <p:ph idx="1" type="body"/>
+            <p:ph type="body" idx="1"/>
           </p:nvPr>
         </p:nvSpPr>
         <p:spPr>
@@ -2593,11 +2785,11 @@
           </a:prstGeom>
         </p:spPr>
         <p:txBody>
-          <a:bodyPr anchorCtr="0" anchor="t" bIns="91425" lIns="91425" spcFirstLastPara="1" rIns="91425" wrap="square" tIns="91425">
+          <a:bodyPr spcFirstLastPara="1" wrap="square" lIns="91425" tIns="91425" rIns="91425" bIns="91425" anchor="t" anchorCtr="0">
             <a:noAutofit/>
           </a:bodyPr>
           <a:lstStyle>
-            <a:lvl1pPr indent="-342900" lvl="0" marL="457200">
+            <a:lvl1pPr marL="457200" lvl="0" indent="-342900">
               <a:spcBef>
                 <a:spcPts val="0"/>
               </a:spcBef>
@@ -2608,7 +2800,7 @@
               <a:buChar char="●"/>
               <a:defRPr/>
             </a:lvl1pPr>
-            <a:lvl2pPr indent="-317500" lvl="1" marL="914400">
+            <a:lvl2pPr marL="914400" lvl="1" indent="-317500">
               <a:spcBef>
                 <a:spcPts val="1600"/>
               </a:spcBef>
@@ -2619,7 +2811,7 @@
               <a:buChar char="○"/>
               <a:defRPr/>
             </a:lvl2pPr>
-            <a:lvl3pPr indent="-317500" lvl="2" marL="1371600">
+            <a:lvl3pPr marL="1371600" lvl="2" indent="-317500">
               <a:spcBef>
                 <a:spcPts val="1600"/>
               </a:spcBef>
@@ -2630,7 +2822,7 @@
               <a:buChar char="■"/>
               <a:defRPr/>
             </a:lvl3pPr>
-            <a:lvl4pPr indent="-317500" lvl="3" marL="1828800">
+            <a:lvl4pPr marL="1828800" lvl="3" indent="-317500">
               <a:spcBef>
                 <a:spcPts val="1600"/>
               </a:spcBef>
@@ -2641,7 +2833,7 @@
               <a:buChar char="●"/>
               <a:defRPr/>
             </a:lvl4pPr>
-            <a:lvl5pPr indent="-317500" lvl="4" marL="2286000">
+            <a:lvl5pPr marL="2286000" lvl="4" indent="-317500">
               <a:spcBef>
                 <a:spcPts val="1600"/>
               </a:spcBef>
@@ -2652,7 +2844,7 @@
               <a:buChar char="○"/>
               <a:defRPr/>
             </a:lvl5pPr>
-            <a:lvl6pPr indent="-317500" lvl="5" marL="2743200">
+            <a:lvl6pPr marL="2743200" lvl="5" indent="-317500">
               <a:spcBef>
                 <a:spcPts val="1600"/>
               </a:spcBef>
@@ -2663,7 +2855,7 @@
               <a:buChar char="■"/>
               <a:defRPr/>
             </a:lvl6pPr>
-            <a:lvl7pPr indent="-317500" lvl="6" marL="3200400">
+            <a:lvl7pPr marL="3200400" lvl="6" indent="-317500">
               <a:spcBef>
                 <a:spcPts val="1600"/>
               </a:spcBef>
@@ -2674,7 +2866,7 @@
               <a:buChar char="●"/>
               <a:defRPr/>
             </a:lvl7pPr>
-            <a:lvl8pPr indent="-317500" lvl="7" marL="3657600">
+            <a:lvl8pPr marL="3657600" lvl="7" indent="-317500">
               <a:spcBef>
                 <a:spcPts val="1600"/>
               </a:spcBef>
@@ -2685,7 +2877,7 @@
               <a:buChar char="○"/>
               <a:defRPr/>
             </a:lvl8pPr>
-            <a:lvl9pPr indent="-317500" lvl="8" marL="4114800">
+            <a:lvl9pPr marL="4114800" lvl="8" indent="-317500">
               <a:spcBef>
                 <a:spcPts val="1600"/>
               </a:spcBef>
@@ -2697,15 +2889,19 @@
               <a:defRPr/>
             </a:lvl9pPr>
           </a:lstStyle>
-          <a:p/>
+          <a:p>
+            <a:endParaRPr/>
+          </a:p>
         </p:txBody>
       </p:sp>
       <p:sp>
         <p:nvSpPr>
           <p:cNvPr id="19" name="Google Shape;19;p4"/>
-          <p:cNvSpPr txBox="1"/>
+          <p:cNvSpPr txBox="1">
+            <a:spLocks noGrp="1"/>
+          </p:cNvSpPr>
           <p:nvPr>
-            <p:ph idx="12" type="sldNum"/>
+            <p:ph type="sldNum" idx="12"/>
           </p:nvPr>
         </p:nvSpPr>
         <p:spPr>
@@ -2718,7 +2914,7 @@
           </a:prstGeom>
         </p:spPr>
         <p:txBody>
-          <a:bodyPr anchorCtr="0" anchor="ctr" bIns="91425" lIns="91425" spcFirstLastPara="1" rIns="91425" wrap="square" tIns="91425">
+          <a:bodyPr spcFirstLastPara="1" wrap="square" lIns="91425" tIns="91425" rIns="91425" bIns="91425" anchor="ctr" anchorCtr="0">
             <a:noAutofit/>
           </a:bodyPr>
           <a:lstStyle>
@@ -2760,7 +2956,7 @@
             </a:lvl9pPr>
           </a:lstStyle>
           <a:p>
-            <a:pPr indent="0" lvl="0" marL="0" rtl="0" algn="r">
+            <a:pPr marL="0" lvl="0" indent="0" algn="r" rtl="0">
               <a:spcBef>
                 <a:spcPts val="0"/>
               </a:spcBef>
@@ -2786,11 +2982,11 @@
 </file>
 
 <file path=ppt/slideLayouts/slideLayout4.xml><?xml version="1.0" encoding="utf-8"?>
-<p:sldLayout xmlns:a="http://schemas.openxmlformats.org/drawingml/2006/main" xmlns:r="http://schemas.openxmlformats.org/officeDocument/2006/relationships" xmlns:mc="http://schemas.openxmlformats.org/markup-compatibility/2006" xmlns:mv="urn:schemas-microsoft-com:mac:vml" xmlns:p="http://schemas.openxmlformats.org/presentationml/2006/main" xmlns:c="http://schemas.openxmlformats.org/drawingml/2006/chart" xmlns:dgm="http://schemas.openxmlformats.org/drawingml/2006/diagram" xmlns:o="urn:schemas-microsoft-com:office:office" xmlns:v="urn:schemas-microsoft-com:vml" xmlns:pvml="urn:schemas-microsoft-com:office:powerpoint" xmlns:com="http://schemas.openxmlformats.org/drawingml/2006/compatibility" xmlns:p14="http://schemas.microsoft.com/office/powerpoint/2010/main" xmlns:p15="http://schemas.microsoft.com/office/powerpoint/2012/main" xmlns:ahyp="http://schemas.microsoft.com/office/drawing/2018/hyperlinkcolor" matchingName="Title and two columns" type="twoColTx">
+<p:sldLayout xmlns:a="http://schemas.openxmlformats.org/drawingml/2006/main" xmlns:r="http://schemas.openxmlformats.org/officeDocument/2006/relationships" xmlns:p="http://schemas.openxmlformats.org/presentationml/2006/main" matchingName="Title and two columns" type="twoColTx">
   <p:cSld name="TITLE_AND_TWO_COLUMNS">
     <p:spTree>
       <p:nvGrpSpPr>
-        <p:cNvPr id="20" name="Shape 20"/>
+        <p:cNvPr id="1" name="Shape 20"/>
         <p:cNvGrpSpPr/>
         <p:nvPr/>
       </p:nvGrpSpPr>
@@ -2805,7 +3001,9 @@
       <p:sp>
         <p:nvSpPr>
           <p:cNvPr id="21" name="Google Shape;21;p5"/>
-          <p:cNvSpPr txBox="1"/>
+          <p:cNvSpPr txBox="1">
+            <a:spLocks noGrp="1"/>
+          </p:cNvSpPr>
           <p:nvPr>
             <p:ph type="title"/>
           </p:nvPr>
@@ -2820,7 +3018,7 @@
           </a:prstGeom>
         </p:spPr>
         <p:txBody>
-          <a:bodyPr anchorCtr="0" anchor="t" bIns="91425" lIns="91425" spcFirstLastPara="1" rIns="91425" wrap="square" tIns="91425">
+          <a:bodyPr spcFirstLastPara="1" wrap="square" lIns="91425" tIns="91425" rIns="91425" bIns="91425" anchor="t" anchorCtr="0">
             <a:noAutofit/>
           </a:bodyPr>
           <a:lstStyle>
@@ -2924,15 +3122,19 @@
               <a:defRPr/>
             </a:lvl9pPr>
           </a:lstStyle>
-          <a:p/>
+          <a:p>
+            <a:endParaRPr/>
+          </a:p>
         </p:txBody>
       </p:sp>
       <p:sp>
         <p:nvSpPr>
           <p:cNvPr id="22" name="Google Shape;22;p5"/>
-          <p:cNvSpPr txBox="1"/>
+          <p:cNvSpPr txBox="1">
+            <a:spLocks noGrp="1"/>
+          </p:cNvSpPr>
           <p:nvPr>
-            <p:ph idx="1" type="body"/>
+            <p:ph type="body" idx="1"/>
           </p:nvPr>
         </p:nvSpPr>
         <p:spPr>
@@ -2945,11 +3147,11 @@
           </a:prstGeom>
         </p:spPr>
         <p:txBody>
-          <a:bodyPr anchorCtr="0" anchor="t" bIns="91425" lIns="91425" spcFirstLastPara="1" rIns="91425" wrap="square" tIns="91425">
+          <a:bodyPr spcFirstLastPara="1" wrap="square" lIns="91425" tIns="91425" rIns="91425" bIns="91425" anchor="t" anchorCtr="0">
             <a:noAutofit/>
           </a:bodyPr>
           <a:lstStyle>
-            <a:lvl1pPr indent="-317500" lvl="0" marL="457200">
+            <a:lvl1pPr marL="457200" lvl="0" indent="-317500">
               <a:spcBef>
                 <a:spcPts val="0"/>
               </a:spcBef>
@@ -2960,7 +3162,7 @@
               <a:buChar char="●"/>
               <a:defRPr sz="1400"/>
             </a:lvl1pPr>
-            <a:lvl2pPr indent="-304800" lvl="1" marL="914400">
+            <a:lvl2pPr marL="914400" lvl="1" indent="-304800">
               <a:spcBef>
                 <a:spcPts val="1600"/>
               </a:spcBef>
@@ -2971,7 +3173,7 @@
               <a:buChar char="○"/>
               <a:defRPr sz="1200"/>
             </a:lvl2pPr>
-            <a:lvl3pPr indent="-304800" lvl="2" marL="1371600">
+            <a:lvl3pPr marL="1371600" lvl="2" indent="-304800">
               <a:spcBef>
                 <a:spcPts val="1600"/>
               </a:spcBef>
@@ -2982,7 +3184,7 @@
               <a:buChar char="■"/>
               <a:defRPr sz="1200"/>
             </a:lvl3pPr>
-            <a:lvl4pPr indent="-304800" lvl="3" marL="1828800">
+            <a:lvl4pPr marL="1828800" lvl="3" indent="-304800">
               <a:spcBef>
                 <a:spcPts val="1600"/>
               </a:spcBef>
@@ -2993,7 +3195,7 @@
               <a:buChar char="●"/>
               <a:defRPr sz="1200"/>
             </a:lvl4pPr>
-            <a:lvl5pPr indent="-304800" lvl="4" marL="2286000">
+            <a:lvl5pPr marL="2286000" lvl="4" indent="-304800">
               <a:spcBef>
                 <a:spcPts val="1600"/>
               </a:spcBef>
@@ -3004,7 +3206,7 @@
               <a:buChar char="○"/>
               <a:defRPr sz="1200"/>
             </a:lvl5pPr>
-            <a:lvl6pPr indent="-304800" lvl="5" marL="2743200">
+            <a:lvl6pPr marL="2743200" lvl="5" indent="-304800">
               <a:spcBef>
                 <a:spcPts val="1600"/>
               </a:spcBef>
@@ -3015,7 +3217,7 @@
               <a:buChar char="■"/>
               <a:defRPr sz="1200"/>
             </a:lvl6pPr>
-            <a:lvl7pPr indent="-304800" lvl="6" marL="3200400">
+            <a:lvl7pPr marL="3200400" lvl="6" indent="-304800">
               <a:spcBef>
                 <a:spcPts val="1600"/>
               </a:spcBef>
@@ -3026,7 +3228,7 @@
               <a:buChar char="●"/>
               <a:defRPr sz="1200"/>
             </a:lvl7pPr>
-            <a:lvl8pPr indent="-304800" lvl="7" marL="3657600">
+            <a:lvl8pPr marL="3657600" lvl="7" indent="-304800">
               <a:spcBef>
                 <a:spcPts val="1600"/>
               </a:spcBef>
@@ -3037,7 +3239,7 @@
               <a:buChar char="○"/>
               <a:defRPr sz="1200"/>
             </a:lvl8pPr>
-            <a:lvl9pPr indent="-304800" lvl="8" marL="4114800">
+            <a:lvl9pPr marL="4114800" lvl="8" indent="-304800">
               <a:spcBef>
                 <a:spcPts val="1600"/>
               </a:spcBef>
@@ -3049,15 +3251,19 @@
               <a:defRPr sz="1200"/>
             </a:lvl9pPr>
           </a:lstStyle>
-          <a:p/>
+          <a:p>
+            <a:endParaRPr/>
+          </a:p>
         </p:txBody>
       </p:sp>
       <p:sp>
         <p:nvSpPr>
           <p:cNvPr id="23" name="Google Shape;23;p5"/>
-          <p:cNvSpPr txBox="1"/>
+          <p:cNvSpPr txBox="1">
+            <a:spLocks noGrp="1"/>
+          </p:cNvSpPr>
           <p:nvPr>
-            <p:ph idx="2" type="body"/>
+            <p:ph type="body" idx="2"/>
           </p:nvPr>
         </p:nvSpPr>
         <p:spPr>
@@ -3070,11 +3276,11 @@
           </a:prstGeom>
         </p:spPr>
         <p:txBody>
-          <a:bodyPr anchorCtr="0" anchor="t" bIns="91425" lIns="91425" spcFirstLastPara="1" rIns="91425" wrap="square" tIns="91425">
+          <a:bodyPr spcFirstLastPara="1" wrap="square" lIns="91425" tIns="91425" rIns="91425" bIns="91425" anchor="t" anchorCtr="0">
             <a:noAutofit/>
           </a:bodyPr>
           <a:lstStyle>
-            <a:lvl1pPr indent="-317500" lvl="0" marL="457200">
+            <a:lvl1pPr marL="457200" lvl="0" indent="-317500">
               <a:spcBef>
                 <a:spcPts val="0"/>
               </a:spcBef>
@@ -3085,7 +3291,7 @@
               <a:buChar char="●"/>
               <a:defRPr sz="1400"/>
             </a:lvl1pPr>
-            <a:lvl2pPr indent="-304800" lvl="1" marL="914400">
+            <a:lvl2pPr marL="914400" lvl="1" indent="-304800">
               <a:spcBef>
                 <a:spcPts val="1600"/>
               </a:spcBef>
@@ -3096,7 +3302,7 @@
               <a:buChar char="○"/>
               <a:defRPr sz="1200"/>
             </a:lvl2pPr>
-            <a:lvl3pPr indent="-304800" lvl="2" marL="1371600">
+            <a:lvl3pPr marL="1371600" lvl="2" indent="-304800">
               <a:spcBef>
                 <a:spcPts val="1600"/>
               </a:spcBef>
@@ -3107,7 +3313,7 @@
               <a:buChar char="■"/>
               <a:defRPr sz="1200"/>
             </a:lvl3pPr>
-            <a:lvl4pPr indent="-304800" lvl="3" marL="1828800">
+            <a:lvl4pPr marL="1828800" lvl="3" indent="-304800">
               <a:spcBef>
                 <a:spcPts val="1600"/>
               </a:spcBef>
@@ -3118,7 +3324,7 @@
               <a:buChar char="●"/>
               <a:defRPr sz="1200"/>
             </a:lvl4pPr>
-            <a:lvl5pPr indent="-304800" lvl="4" marL="2286000">
+            <a:lvl5pPr marL="2286000" lvl="4" indent="-304800">
               <a:spcBef>
                 <a:spcPts val="1600"/>
               </a:spcBef>
@@ -3129,7 +3335,7 @@
               <a:buChar char="○"/>
               <a:defRPr sz="1200"/>
             </a:lvl5pPr>
-            <a:lvl6pPr indent="-304800" lvl="5" marL="2743200">
+            <a:lvl6pPr marL="2743200" lvl="5" indent="-304800">
               <a:spcBef>
                 <a:spcPts val="1600"/>
               </a:spcBef>
@@ -3140,7 +3346,7 @@
               <a:buChar char="■"/>
               <a:defRPr sz="1200"/>
             </a:lvl6pPr>
-            <a:lvl7pPr indent="-304800" lvl="6" marL="3200400">
+            <a:lvl7pPr marL="3200400" lvl="6" indent="-304800">
               <a:spcBef>
                 <a:spcPts val="1600"/>
               </a:spcBef>
@@ -3151,7 +3357,7 @@
               <a:buChar char="●"/>
               <a:defRPr sz="1200"/>
             </a:lvl7pPr>
-            <a:lvl8pPr indent="-304800" lvl="7" marL="3657600">
+            <a:lvl8pPr marL="3657600" lvl="7" indent="-304800">
               <a:spcBef>
                 <a:spcPts val="1600"/>
               </a:spcBef>
@@ -3162,7 +3368,7 @@
               <a:buChar char="○"/>
               <a:defRPr sz="1200"/>
             </a:lvl8pPr>
-            <a:lvl9pPr indent="-304800" lvl="8" marL="4114800">
+            <a:lvl9pPr marL="4114800" lvl="8" indent="-304800">
               <a:spcBef>
                 <a:spcPts val="1600"/>
               </a:spcBef>
@@ -3174,15 +3380,19 @@
               <a:defRPr sz="1200"/>
             </a:lvl9pPr>
           </a:lstStyle>
-          <a:p/>
+          <a:p>
+            <a:endParaRPr/>
+          </a:p>
         </p:txBody>
       </p:sp>
       <p:sp>
         <p:nvSpPr>
           <p:cNvPr id="24" name="Google Shape;24;p5"/>
-          <p:cNvSpPr txBox="1"/>
+          <p:cNvSpPr txBox="1">
+            <a:spLocks noGrp="1"/>
+          </p:cNvSpPr>
           <p:nvPr>
-            <p:ph idx="12" type="sldNum"/>
+            <p:ph type="sldNum" idx="12"/>
           </p:nvPr>
         </p:nvSpPr>
         <p:spPr>
@@ -3195,7 +3405,7 @@
           </a:prstGeom>
         </p:spPr>
         <p:txBody>
-          <a:bodyPr anchorCtr="0" anchor="ctr" bIns="91425" lIns="91425" spcFirstLastPara="1" rIns="91425" wrap="square" tIns="91425">
+          <a:bodyPr spcFirstLastPara="1" wrap="square" lIns="91425" tIns="91425" rIns="91425" bIns="91425" anchor="ctr" anchorCtr="0">
             <a:noAutofit/>
           </a:bodyPr>
           <a:lstStyle>
@@ -3237,7 +3447,7 @@
             </a:lvl9pPr>
           </a:lstStyle>
           <a:p>
-            <a:pPr indent="0" lvl="0" marL="0" rtl="0" algn="r">
+            <a:pPr marL="0" lvl="0" indent="0" algn="r" rtl="0">
               <a:spcBef>
                 <a:spcPts val="0"/>
               </a:spcBef>
@@ -3263,11 +3473,11 @@
 </file>
 
 <file path=ppt/slideLayouts/slideLayout5.xml><?xml version="1.0" encoding="utf-8"?>
-<p:sldLayout xmlns:a="http://schemas.openxmlformats.org/drawingml/2006/main" xmlns:r="http://schemas.openxmlformats.org/officeDocument/2006/relationships" xmlns:mc="http://schemas.openxmlformats.org/markup-compatibility/2006" xmlns:mv="urn:schemas-microsoft-com:mac:vml" xmlns:p="http://schemas.openxmlformats.org/presentationml/2006/main" xmlns:c="http://schemas.openxmlformats.org/drawingml/2006/chart" xmlns:dgm="http://schemas.openxmlformats.org/drawingml/2006/diagram" xmlns:o="urn:schemas-microsoft-com:office:office" xmlns:v="urn:schemas-microsoft-com:vml" xmlns:pvml="urn:schemas-microsoft-com:office:powerpoint" xmlns:com="http://schemas.openxmlformats.org/drawingml/2006/compatibility" xmlns:p14="http://schemas.microsoft.com/office/powerpoint/2010/main" xmlns:p15="http://schemas.microsoft.com/office/powerpoint/2012/main" xmlns:ahyp="http://schemas.microsoft.com/office/drawing/2018/hyperlinkcolor" matchingName="Title only" type="titleOnly">
+<p:sldLayout xmlns:a="http://schemas.openxmlformats.org/drawingml/2006/main" xmlns:r="http://schemas.openxmlformats.org/officeDocument/2006/relationships" xmlns:p="http://schemas.openxmlformats.org/presentationml/2006/main" matchingName="Title only" type="titleOnly">
   <p:cSld name="TITLE_ONLY">
     <p:spTree>
       <p:nvGrpSpPr>
-        <p:cNvPr id="25" name="Shape 25"/>
+        <p:cNvPr id="1" name="Shape 25"/>
         <p:cNvGrpSpPr/>
         <p:nvPr/>
       </p:nvGrpSpPr>
@@ -3282,7 +3492,9 @@
       <p:sp>
         <p:nvSpPr>
           <p:cNvPr id="26" name="Google Shape;26;p6"/>
-          <p:cNvSpPr txBox="1"/>
+          <p:cNvSpPr txBox="1">
+            <a:spLocks noGrp="1"/>
+          </p:cNvSpPr>
           <p:nvPr>
             <p:ph type="title"/>
           </p:nvPr>
@@ -3297,7 +3509,7 @@
           </a:prstGeom>
         </p:spPr>
         <p:txBody>
-          <a:bodyPr anchorCtr="0" anchor="t" bIns="91425" lIns="91425" spcFirstLastPara="1" rIns="91425" wrap="square" tIns="91425">
+          <a:bodyPr spcFirstLastPara="1" wrap="square" lIns="91425" tIns="91425" rIns="91425" bIns="91425" anchor="t" anchorCtr="0">
             <a:noAutofit/>
           </a:bodyPr>
           <a:lstStyle>
@@ -3401,15 +3613,19 @@
               <a:defRPr/>
             </a:lvl9pPr>
           </a:lstStyle>
-          <a:p/>
+          <a:p>
+            <a:endParaRPr/>
+          </a:p>
         </p:txBody>
       </p:sp>
       <p:sp>
         <p:nvSpPr>
           <p:cNvPr id="27" name="Google Shape;27;p6"/>
-          <p:cNvSpPr txBox="1"/>
+          <p:cNvSpPr txBox="1">
+            <a:spLocks noGrp="1"/>
+          </p:cNvSpPr>
           <p:nvPr>
-            <p:ph idx="12" type="sldNum"/>
+            <p:ph type="sldNum" idx="12"/>
           </p:nvPr>
         </p:nvSpPr>
         <p:spPr>
@@ -3422,7 +3638,7 @@
           </a:prstGeom>
         </p:spPr>
         <p:txBody>
-          <a:bodyPr anchorCtr="0" anchor="ctr" bIns="91425" lIns="91425" spcFirstLastPara="1" rIns="91425" wrap="square" tIns="91425">
+          <a:bodyPr spcFirstLastPara="1" wrap="square" lIns="91425" tIns="91425" rIns="91425" bIns="91425" anchor="ctr" anchorCtr="0">
             <a:noAutofit/>
           </a:bodyPr>
           <a:lstStyle>
@@ -3464,7 +3680,7 @@
             </a:lvl9pPr>
           </a:lstStyle>
           <a:p>
-            <a:pPr indent="0" lvl="0" marL="0" rtl="0" algn="r">
+            <a:pPr marL="0" lvl="0" indent="0" algn="r" rtl="0">
               <a:spcBef>
                 <a:spcPts val="0"/>
               </a:spcBef>
@@ -3490,11 +3706,11 @@
 </file>
 
 <file path=ppt/slideLayouts/slideLayout6.xml><?xml version="1.0" encoding="utf-8"?>
-<p:sldLayout xmlns:a="http://schemas.openxmlformats.org/drawingml/2006/main" xmlns:r="http://schemas.openxmlformats.org/officeDocument/2006/relationships" xmlns:mc="http://schemas.openxmlformats.org/markup-compatibility/2006" xmlns:mv="urn:schemas-microsoft-com:mac:vml" xmlns:p="http://schemas.openxmlformats.org/presentationml/2006/main" xmlns:c="http://schemas.openxmlformats.org/drawingml/2006/chart" xmlns:dgm="http://schemas.openxmlformats.org/drawingml/2006/diagram" xmlns:o="urn:schemas-microsoft-com:office:office" xmlns:v="urn:schemas-microsoft-com:vml" xmlns:pvml="urn:schemas-microsoft-com:office:powerpoint" xmlns:com="http://schemas.openxmlformats.org/drawingml/2006/compatibility" xmlns:p14="http://schemas.microsoft.com/office/powerpoint/2010/main" xmlns:p15="http://schemas.microsoft.com/office/powerpoint/2012/main" xmlns:ahyp="http://schemas.microsoft.com/office/drawing/2018/hyperlinkcolor" matchingName="One column text">
+<p:sldLayout xmlns:a="http://schemas.openxmlformats.org/drawingml/2006/main" xmlns:r="http://schemas.openxmlformats.org/officeDocument/2006/relationships" xmlns:p="http://schemas.openxmlformats.org/presentationml/2006/main" matchingName="One column text">
   <p:cSld name="ONE_COLUMN_TEXT">
     <p:spTree>
       <p:nvGrpSpPr>
-        <p:cNvPr id="28" name="Shape 28"/>
+        <p:cNvPr id="1" name="Shape 28"/>
         <p:cNvGrpSpPr/>
         <p:nvPr/>
       </p:nvGrpSpPr>
@@ -3509,7 +3725,9 @@
       <p:sp>
         <p:nvSpPr>
           <p:cNvPr id="29" name="Google Shape;29;p7"/>
-          <p:cNvSpPr txBox="1"/>
+          <p:cNvSpPr txBox="1">
+            <a:spLocks noGrp="1"/>
+          </p:cNvSpPr>
           <p:nvPr>
             <p:ph type="title"/>
           </p:nvPr>
@@ -3524,7 +3742,7 @@
           </a:prstGeom>
         </p:spPr>
         <p:txBody>
-          <a:bodyPr anchorCtr="0" anchor="b" bIns="91425" lIns="91425" spcFirstLastPara="1" rIns="91425" wrap="square" tIns="91425">
+          <a:bodyPr spcFirstLastPara="1" wrap="square" lIns="91425" tIns="91425" rIns="91425" bIns="91425" anchor="b" anchorCtr="0">
             <a:noAutofit/>
           </a:bodyPr>
           <a:lstStyle>
@@ -3628,15 +3846,19 @@
               <a:defRPr sz="2400"/>
             </a:lvl9pPr>
           </a:lstStyle>
-          <a:p/>
+          <a:p>
+            <a:endParaRPr/>
+          </a:p>
         </p:txBody>
       </p:sp>
       <p:sp>
         <p:nvSpPr>
           <p:cNvPr id="30" name="Google Shape;30;p7"/>
-          <p:cNvSpPr txBox="1"/>
+          <p:cNvSpPr txBox="1">
+            <a:spLocks noGrp="1"/>
+          </p:cNvSpPr>
           <p:nvPr>
-            <p:ph idx="1" type="body"/>
+            <p:ph type="body" idx="1"/>
           </p:nvPr>
         </p:nvSpPr>
         <p:spPr>
@@ -3649,11 +3871,11 @@
           </a:prstGeom>
         </p:spPr>
         <p:txBody>
-          <a:bodyPr anchorCtr="0" anchor="t" bIns="91425" lIns="91425" spcFirstLastPara="1" rIns="91425" wrap="square" tIns="91425">
+          <a:bodyPr spcFirstLastPara="1" wrap="square" lIns="91425" tIns="91425" rIns="91425" bIns="91425" anchor="t" anchorCtr="0">
             <a:noAutofit/>
           </a:bodyPr>
           <a:lstStyle>
-            <a:lvl1pPr indent="-304800" lvl="0" marL="457200">
+            <a:lvl1pPr marL="457200" lvl="0" indent="-304800">
               <a:spcBef>
                 <a:spcPts val="0"/>
               </a:spcBef>
@@ -3664,7 +3886,7 @@
               <a:buChar char="●"/>
               <a:defRPr sz="1200"/>
             </a:lvl1pPr>
-            <a:lvl2pPr indent="-304800" lvl="1" marL="914400">
+            <a:lvl2pPr marL="914400" lvl="1" indent="-304800">
               <a:spcBef>
                 <a:spcPts val="1600"/>
               </a:spcBef>
@@ -3675,7 +3897,7 @@
               <a:buChar char="○"/>
               <a:defRPr sz="1200"/>
             </a:lvl2pPr>
-            <a:lvl3pPr indent="-304800" lvl="2" marL="1371600">
+            <a:lvl3pPr marL="1371600" lvl="2" indent="-304800">
               <a:spcBef>
                 <a:spcPts val="1600"/>
               </a:spcBef>
@@ -3686,7 +3908,7 @@
               <a:buChar char="■"/>
               <a:defRPr sz="1200"/>
             </a:lvl3pPr>
-            <a:lvl4pPr indent="-304800" lvl="3" marL="1828800">
+            <a:lvl4pPr marL="1828800" lvl="3" indent="-304800">
               <a:spcBef>
                 <a:spcPts val="1600"/>
               </a:spcBef>
@@ -3697,7 +3919,7 @@
               <a:buChar char="●"/>
               <a:defRPr sz="1200"/>
             </a:lvl4pPr>
-            <a:lvl5pPr indent="-304800" lvl="4" marL="2286000">
+            <a:lvl5pPr marL="2286000" lvl="4" indent="-304800">
               <a:spcBef>
                 <a:spcPts val="1600"/>
               </a:spcBef>
@@ -3708,7 +3930,7 @@
               <a:buChar char="○"/>
               <a:defRPr sz="1200"/>
             </a:lvl5pPr>
-            <a:lvl6pPr indent="-304800" lvl="5" marL="2743200">
+            <a:lvl6pPr marL="2743200" lvl="5" indent="-304800">
               <a:spcBef>
                 <a:spcPts val="1600"/>
               </a:spcBef>
@@ -3719,7 +3941,7 @@
               <a:buChar char="■"/>
               <a:defRPr sz="1200"/>
             </a:lvl6pPr>
-            <a:lvl7pPr indent="-304800" lvl="6" marL="3200400">
+            <a:lvl7pPr marL="3200400" lvl="6" indent="-304800">
               <a:spcBef>
                 <a:spcPts val="1600"/>
               </a:spcBef>
@@ -3730,7 +3952,7 @@
               <a:buChar char="●"/>
               <a:defRPr sz="1200"/>
             </a:lvl7pPr>
-            <a:lvl8pPr indent="-304800" lvl="7" marL="3657600">
+            <a:lvl8pPr marL="3657600" lvl="7" indent="-304800">
               <a:spcBef>
                 <a:spcPts val="1600"/>
               </a:spcBef>
@@ -3741,7 +3963,7 @@
               <a:buChar char="○"/>
               <a:defRPr sz="1200"/>
             </a:lvl8pPr>
-            <a:lvl9pPr indent="-304800" lvl="8" marL="4114800">
+            <a:lvl9pPr marL="4114800" lvl="8" indent="-304800">
               <a:spcBef>
                 <a:spcPts val="1600"/>
               </a:spcBef>
@@ -3753,15 +3975,19 @@
               <a:defRPr sz="1200"/>
             </a:lvl9pPr>
           </a:lstStyle>
-          <a:p/>
+          <a:p>
+            <a:endParaRPr/>
+          </a:p>
         </p:txBody>
       </p:sp>
       <p:sp>
         <p:nvSpPr>
           <p:cNvPr id="31" name="Google Shape;31;p7"/>
-          <p:cNvSpPr txBox="1"/>
+          <p:cNvSpPr txBox="1">
+            <a:spLocks noGrp="1"/>
+          </p:cNvSpPr>
           <p:nvPr>
-            <p:ph idx="12" type="sldNum"/>
+            <p:ph type="sldNum" idx="12"/>
           </p:nvPr>
         </p:nvSpPr>
         <p:spPr>
@@ -3774,7 +4000,7 @@
           </a:prstGeom>
         </p:spPr>
         <p:txBody>
-          <a:bodyPr anchorCtr="0" anchor="ctr" bIns="91425" lIns="91425" spcFirstLastPara="1" rIns="91425" wrap="square" tIns="91425">
+          <a:bodyPr spcFirstLastPara="1" wrap="square" lIns="91425" tIns="91425" rIns="91425" bIns="91425" anchor="ctr" anchorCtr="0">
             <a:noAutofit/>
           </a:bodyPr>
           <a:lstStyle>
@@ -3816,7 +4042,7 @@
             </a:lvl9pPr>
           </a:lstStyle>
           <a:p>
-            <a:pPr indent="0" lvl="0" marL="0" rtl="0" algn="r">
+            <a:pPr marL="0" lvl="0" indent="0" algn="r" rtl="0">
               <a:spcBef>
                 <a:spcPts val="0"/>
               </a:spcBef>
@@ -3842,11 +4068,11 @@
 </file>
 
 <file path=ppt/slideLayouts/slideLayout7.xml><?xml version="1.0" encoding="utf-8"?>
-<p:sldLayout xmlns:a="http://schemas.openxmlformats.org/drawingml/2006/main" xmlns:r="http://schemas.openxmlformats.org/officeDocument/2006/relationships" xmlns:mc="http://schemas.openxmlformats.org/markup-compatibility/2006" xmlns:mv="urn:schemas-microsoft-com:mac:vml" xmlns:p="http://schemas.openxmlformats.org/presentationml/2006/main" xmlns:c="http://schemas.openxmlformats.org/drawingml/2006/chart" xmlns:dgm="http://schemas.openxmlformats.org/drawingml/2006/diagram" xmlns:o="urn:schemas-microsoft-com:office:office" xmlns:v="urn:schemas-microsoft-com:vml" xmlns:pvml="urn:schemas-microsoft-com:office:powerpoint" xmlns:com="http://schemas.openxmlformats.org/drawingml/2006/compatibility" xmlns:p14="http://schemas.microsoft.com/office/powerpoint/2010/main" xmlns:p15="http://schemas.microsoft.com/office/powerpoint/2012/main" xmlns:ahyp="http://schemas.microsoft.com/office/drawing/2018/hyperlinkcolor" matchingName="Main point">
+<p:sldLayout xmlns:a="http://schemas.openxmlformats.org/drawingml/2006/main" xmlns:r="http://schemas.openxmlformats.org/officeDocument/2006/relationships" xmlns:p="http://schemas.openxmlformats.org/presentationml/2006/main" matchingName="Main point">
   <p:cSld name="MAIN_POINT">
     <p:spTree>
       <p:nvGrpSpPr>
-        <p:cNvPr id="32" name="Shape 32"/>
+        <p:cNvPr id="1" name="Shape 32"/>
         <p:cNvGrpSpPr/>
         <p:nvPr/>
       </p:nvGrpSpPr>
@@ -3861,7 +4087,9 @@
       <p:sp>
         <p:nvSpPr>
           <p:cNvPr id="33" name="Google Shape;33;p8"/>
-          <p:cNvSpPr txBox="1"/>
+          <p:cNvSpPr txBox="1">
+            <a:spLocks noGrp="1"/>
+          </p:cNvSpPr>
           <p:nvPr>
             <p:ph type="title"/>
           </p:nvPr>
@@ -3876,7 +4104,7 @@
           </a:prstGeom>
         </p:spPr>
         <p:txBody>
-          <a:bodyPr anchorCtr="0" anchor="ctr" bIns="91425" lIns="91425" spcFirstLastPara="1" rIns="91425" wrap="square" tIns="91425">
+          <a:bodyPr spcFirstLastPara="1" wrap="square" lIns="91425" tIns="91425" rIns="91425" bIns="91425" anchor="ctr" anchorCtr="0">
             <a:noAutofit/>
           </a:bodyPr>
           <a:lstStyle>
@@ -3980,15 +4208,19 @@
               <a:defRPr sz="4800"/>
             </a:lvl9pPr>
           </a:lstStyle>
-          <a:p/>
+          <a:p>
+            <a:endParaRPr/>
+          </a:p>
         </p:txBody>
       </p:sp>
       <p:sp>
         <p:nvSpPr>
           <p:cNvPr id="34" name="Google Shape;34;p8"/>
-          <p:cNvSpPr txBox="1"/>
+          <p:cNvSpPr txBox="1">
+            <a:spLocks noGrp="1"/>
+          </p:cNvSpPr>
           <p:nvPr>
-            <p:ph idx="12" type="sldNum"/>
+            <p:ph type="sldNum" idx="12"/>
           </p:nvPr>
         </p:nvSpPr>
         <p:spPr>
@@ -4001,7 +4233,7 @@
           </a:prstGeom>
         </p:spPr>
         <p:txBody>
-          <a:bodyPr anchorCtr="0" anchor="ctr" bIns="91425" lIns="91425" spcFirstLastPara="1" rIns="91425" wrap="square" tIns="91425">
+          <a:bodyPr spcFirstLastPara="1" wrap="square" lIns="91425" tIns="91425" rIns="91425" bIns="91425" anchor="ctr" anchorCtr="0">
             <a:noAutofit/>
           </a:bodyPr>
           <a:lstStyle>
@@ -4043,7 +4275,7 @@
             </a:lvl9pPr>
           </a:lstStyle>
           <a:p>
-            <a:pPr indent="0" lvl="0" marL="0" rtl="0" algn="r">
+            <a:pPr marL="0" lvl="0" indent="0" algn="r" rtl="0">
               <a:spcBef>
                 <a:spcPts val="0"/>
               </a:spcBef>
@@ -4069,11 +4301,11 @@
 </file>
 
 <file path=ppt/slideLayouts/slideLayout8.xml><?xml version="1.0" encoding="utf-8"?>
-<p:sldLayout xmlns:a="http://schemas.openxmlformats.org/drawingml/2006/main" xmlns:r="http://schemas.openxmlformats.org/officeDocument/2006/relationships" xmlns:mc="http://schemas.openxmlformats.org/markup-compatibility/2006" xmlns:mv="urn:schemas-microsoft-com:mac:vml" xmlns:p="http://schemas.openxmlformats.org/presentationml/2006/main" xmlns:c="http://schemas.openxmlformats.org/drawingml/2006/chart" xmlns:dgm="http://schemas.openxmlformats.org/drawingml/2006/diagram" xmlns:o="urn:schemas-microsoft-com:office:office" xmlns:v="urn:schemas-microsoft-com:vml" xmlns:pvml="urn:schemas-microsoft-com:office:powerpoint" xmlns:com="http://schemas.openxmlformats.org/drawingml/2006/compatibility" xmlns:p14="http://schemas.microsoft.com/office/powerpoint/2010/main" xmlns:p15="http://schemas.microsoft.com/office/powerpoint/2012/main" xmlns:ahyp="http://schemas.microsoft.com/office/drawing/2018/hyperlinkcolor" matchingName="Section title and description">
+<p:sldLayout xmlns:a="http://schemas.openxmlformats.org/drawingml/2006/main" xmlns:r="http://schemas.openxmlformats.org/officeDocument/2006/relationships" xmlns:p="http://schemas.openxmlformats.org/presentationml/2006/main" matchingName="Section title and description">
   <p:cSld name="SECTION_TITLE_AND_DESCRIPTION">
     <p:spTree>
       <p:nvGrpSpPr>
-        <p:cNvPr id="35" name="Shape 35"/>
+        <p:cNvPr id="1" name="Shape 35"/>
         <p:cNvGrpSpPr/>
         <p:nvPr/>
       </p:nvGrpSpPr>
@@ -4107,12 +4339,12 @@
           </a:ln>
         </p:spPr>
         <p:txBody>
-          <a:bodyPr anchorCtr="0" anchor="ctr" bIns="91425" lIns="91425" spcFirstLastPara="1" rIns="91425" wrap="square" tIns="91425">
+          <a:bodyPr spcFirstLastPara="1" wrap="square" lIns="91425" tIns="91425" rIns="91425" bIns="91425" anchor="ctr" anchorCtr="0">
             <a:noAutofit/>
           </a:bodyPr>
           <a:lstStyle/>
           <a:p>
-            <a:pPr indent="0" lvl="0" marL="0" rtl="0" algn="l">
+            <a:pPr marL="0" lvl="0" indent="0" algn="l" rtl="0">
               <a:spcBef>
                 <a:spcPts val="0"/>
               </a:spcBef>
@@ -4121,9 +4353,6 @@
               </a:spcAft>
               <a:buNone/>
             </a:pPr>
-            <a:r>
-              <a:t/>
-            </a:r>
             <a:endParaRPr/>
           </a:p>
         </p:txBody>
@@ -4131,7 +4360,9 @@
       <p:sp>
         <p:nvSpPr>
           <p:cNvPr id="37" name="Google Shape;37;p9"/>
-          <p:cNvSpPr txBox="1"/>
+          <p:cNvSpPr txBox="1">
+            <a:spLocks noGrp="1"/>
+          </p:cNvSpPr>
           <p:nvPr>
             <p:ph type="title"/>
           </p:nvPr>
@@ -4146,7 +4377,7 @@
           </a:prstGeom>
         </p:spPr>
         <p:txBody>
-          <a:bodyPr anchorCtr="0" anchor="b" bIns="91425" lIns="91425" spcFirstLastPara="1" rIns="91425" wrap="square" tIns="91425">
+          <a:bodyPr spcFirstLastPara="1" wrap="square" lIns="91425" tIns="91425" rIns="91425" bIns="91425" anchor="b" anchorCtr="0">
             <a:noAutofit/>
           </a:bodyPr>
           <a:lstStyle>
@@ -4250,15 +4481,19 @@
               <a:defRPr sz="4200"/>
             </a:lvl9pPr>
           </a:lstStyle>
-          <a:p/>
+          <a:p>
+            <a:endParaRPr/>
+          </a:p>
         </p:txBody>
       </p:sp>
       <p:sp>
         <p:nvSpPr>
           <p:cNvPr id="38" name="Google Shape;38;p9"/>
-          <p:cNvSpPr txBox="1"/>
+          <p:cNvSpPr txBox="1">
+            <a:spLocks noGrp="1"/>
+          </p:cNvSpPr>
           <p:nvPr>
-            <p:ph idx="1" type="subTitle"/>
+            <p:ph type="subTitle" idx="1"/>
           </p:nvPr>
         </p:nvSpPr>
         <p:spPr>
@@ -4271,7 +4506,7 @@
           </a:prstGeom>
         </p:spPr>
         <p:txBody>
-          <a:bodyPr anchorCtr="0" anchor="t" bIns="91425" lIns="91425" spcFirstLastPara="1" rIns="91425" wrap="square" tIns="91425">
+          <a:bodyPr spcFirstLastPara="1" wrap="square" lIns="91425" tIns="91425" rIns="91425" bIns="91425" anchor="t" anchorCtr="0">
             <a:noAutofit/>
           </a:bodyPr>
           <a:lstStyle>
@@ -4402,15 +4637,19 @@
               <a:defRPr sz="2100"/>
             </a:lvl9pPr>
           </a:lstStyle>
-          <a:p/>
+          <a:p>
+            <a:endParaRPr/>
+          </a:p>
         </p:txBody>
       </p:sp>
       <p:sp>
         <p:nvSpPr>
           <p:cNvPr id="39" name="Google Shape;39;p9"/>
-          <p:cNvSpPr txBox="1"/>
+          <p:cNvSpPr txBox="1">
+            <a:spLocks noGrp="1"/>
+          </p:cNvSpPr>
           <p:nvPr>
-            <p:ph idx="2" type="body"/>
+            <p:ph type="body" idx="2"/>
           </p:nvPr>
         </p:nvSpPr>
         <p:spPr>
@@ -4423,11 +4662,11 @@
           </a:prstGeom>
         </p:spPr>
         <p:txBody>
-          <a:bodyPr anchorCtr="0" anchor="ctr" bIns="91425" lIns="91425" spcFirstLastPara="1" rIns="91425" wrap="square" tIns="91425">
+          <a:bodyPr spcFirstLastPara="1" wrap="square" lIns="91425" tIns="91425" rIns="91425" bIns="91425" anchor="ctr" anchorCtr="0">
             <a:noAutofit/>
           </a:bodyPr>
           <a:lstStyle>
-            <a:lvl1pPr indent="-342900" lvl="0" marL="457200">
+            <a:lvl1pPr marL="457200" lvl="0" indent="-342900">
               <a:spcBef>
                 <a:spcPts val="0"/>
               </a:spcBef>
@@ -4438,7 +4677,7 @@
               <a:buChar char="●"/>
               <a:defRPr/>
             </a:lvl1pPr>
-            <a:lvl2pPr indent="-317500" lvl="1" marL="914400">
+            <a:lvl2pPr marL="914400" lvl="1" indent="-317500">
               <a:spcBef>
                 <a:spcPts val="1600"/>
               </a:spcBef>
@@ -4449,7 +4688,7 @@
               <a:buChar char="○"/>
               <a:defRPr/>
             </a:lvl2pPr>
-            <a:lvl3pPr indent="-317500" lvl="2" marL="1371600">
+            <a:lvl3pPr marL="1371600" lvl="2" indent="-317500">
               <a:spcBef>
                 <a:spcPts val="1600"/>
               </a:spcBef>
@@ -4460,7 +4699,7 @@
               <a:buChar char="■"/>
               <a:defRPr/>
             </a:lvl3pPr>
-            <a:lvl4pPr indent="-317500" lvl="3" marL="1828800">
+            <a:lvl4pPr marL="1828800" lvl="3" indent="-317500">
               <a:spcBef>
                 <a:spcPts val="1600"/>
               </a:spcBef>
@@ -4471,7 +4710,7 @@
               <a:buChar char="●"/>
               <a:defRPr/>
             </a:lvl4pPr>
-            <a:lvl5pPr indent="-317500" lvl="4" marL="2286000">
+            <a:lvl5pPr marL="2286000" lvl="4" indent="-317500">
               <a:spcBef>
                 <a:spcPts val="1600"/>
               </a:spcBef>
@@ -4482,7 +4721,7 @@
               <a:buChar char="○"/>
               <a:defRPr/>
             </a:lvl5pPr>
-            <a:lvl6pPr indent="-317500" lvl="5" marL="2743200">
+            <a:lvl6pPr marL="2743200" lvl="5" indent="-317500">
               <a:spcBef>
                 <a:spcPts val="1600"/>
               </a:spcBef>
@@ -4493,7 +4732,7 @@
               <a:buChar char="■"/>
               <a:defRPr/>
             </a:lvl6pPr>
-            <a:lvl7pPr indent="-317500" lvl="6" marL="3200400">
+            <a:lvl7pPr marL="3200400" lvl="6" indent="-317500">
               <a:spcBef>
                 <a:spcPts val="1600"/>
               </a:spcBef>
@@ -4504,7 +4743,7 @@
               <a:buChar char="●"/>
               <a:defRPr/>
             </a:lvl7pPr>
-            <a:lvl8pPr indent="-317500" lvl="7" marL="3657600">
+            <a:lvl8pPr marL="3657600" lvl="7" indent="-317500">
               <a:spcBef>
                 <a:spcPts val="1600"/>
               </a:spcBef>
@@ -4515,7 +4754,7 @@
               <a:buChar char="○"/>
               <a:defRPr/>
             </a:lvl8pPr>
-            <a:lvl9pPr indent="-317500" lvl="8" marL="4114800">
+            <a:lvl9pPr marL="4114800" lvl="8" indent="-317500">
               <a:spcBef>
                 <a:spcPts val="1600"/>
               </a:spcBef>
@@ -4527,15 +4766,19 @@
               <a:defRPr/>
             </a:lvl9pPr>
           </a:lstStyle>
-          <a:p/>
+          <a:p>
+            <a:endParaRPr/>
+          </a:p>
         </p:txBody>
       </p:sp>
       <p:sp>
         <p:nvSpPr>
           <p:cNvPr id="40" name="Google Shape;40;p9"/>
-          <p:cNvSpPr txBox="1"/>
+          <p:cNvSpPr txBox="1">
+            <a:spLocks noGrp="1"/>
+          </p:cNvSpPr>
           <p:nvPr>
-            <p:ph idx="12" type="sldNum"/>
+            <p:ph type="sldNum" idx="12"/>
           </p:nvPr>
         </p:nvSpPr>
         <p:spPr>
@@ -4548,7 +4791,7 @@
           </a:prstGeom>
         </p:spPr>
         <p:txBody>
-          <a:bodyPr anchorCtr="0" anchor="ctr" bIns="91425" lIns="91425" spcFirstLastPara="1" rIns="91425" wrap="square" tIns="91425">
+          <a:bodyPr spcFirstLastPara="1" wrap="square" lIns="91425" tIns="91425" rIns="91425" bIns="91425" anchor="ctr" anchorCtr="0">
             <a:noAutofit/>
           </a:bodyPr>
           <a:lstStyle>
@@ -4590,7 +4833,7 @@
             </a:lvl9pPr>
           </a:lstStyle>
           <a:p>
-            <a:pPr indent="0" lvl="0" marL="0" rtl="0" algn="r">
+            <a:pPr marL="0" lvl="0" indent="0" algn="r" rtl="0">
               <a:spcBef>
                 <a:spcPts val="0"/>
               </a:spcBef>
@@ -4616,11 +4859,11 @@
 </file>
 
 <file path=ppt/slideLayouts/slideLayout9.xml><?xml version="1.0" encoding="utf-8"?>
-<p:sldLayout xmlns:a="http://schemas.openxmlformats.org/drawingml/2006/main" xmlns:r="http://schemas.openxmlformats.org/officeDocument/2006/relationships" xmlns:mc="http://schemas.openxmlformats.org/markup-compatibility/2006" xmlns:mv="urn:schemas-microsoft-com:mac:vml" xmlns:p="http://schemas.openxmlformats.org/presentationml/2006/main" xmlns:c="http://schemas.openxmlformats.org/drawingml/2006/chart" xmlns:dgm="http://schemas.openxmlformats.org/drawingml/2006/diagram" xmlns:o="urn:schemas-microsoft-com:office:office" xmlns:v="urn:schemas-microsoft-com:vml" xmlns:pvml="urn:schemas-microsoft-com:office:powerpoint" xmlns:com="http://schemas.openxmlformats.org/drawingml/2006/compatibility" xmlns:p14="http://schemas.microsoft.com/office/powerpoint/2010/main" xmlns:p15="http://schemas.microsoft.com/office/powerpoint/2012/main" xmlns:ahyp="http://schemas.microsoft.com/office/drawing/2018/hyperlinkcolor" matchingName="Caption">
+<p:sldLayout xmlns:a="http://schemas.openxmlformats.org/drawingml/2006/main" xmlns:r="http://schemas.openxmlformats.org/officeDocument/2006/relationships" xmlns:p="http://schemas.openxmlformats.org/presentationml/2006/main" matchingName="Caption">
   <p:cSld name="CAPTION_ONLY">
     <p:spTree>
       <p:nvGrpSpPr>
-        <p:cNvPr id="41" name="Shape 41"/>
+        <p:cNvPr id="1" name="Shape 41"/>
         <p:cNvGrpSpPr/>
         <p:nvPr/>
       </p:nvGrpSpPr>
@@ -4635,9 +4878,11 @@
       <p:sp>
         <p:nvSpPr>
           <p:cNvPr id="42" name="Google Shape;42;p10"/>
-          <p:cNvSpPr txBox="1"/>
+          <p:cNvSpPr txBox="1">
+            <a:spLocks noGrp="1"/>
+          </p:cNvSpPr>
           <p:nvPr>
-            <p:ph idx="1" type="body"/>
+            <p:ph type="body" idx="1"/>
           </p:nvPr>
         </p:nvSpPr>
         <p:spPr>
@@ -4650,11 +4895,11 @@
           </a:prstGeom>
         </p:spPr>
         <p:txBody>
-          <a:bodyPr anchorCtr="0" anchor="ctr" bIns="91425" lIns="91425" spcFirstLastPara="1" rIns="91425" wrap="square" tIns="91425">
+          <a:bodyPr spcFirstLastPara="1" wrap="square" lIns="91425" tIns="91425" rIns="91425" bIns="91425" anchor="ctr" anchorCtr="0">
             <a:noAutofit/>
           </a:bodyPr>
           <a:lstStyle>
-            <a:lvl1pPr indent="-228600" lvl="0" marL="457200">
+            <a:lvl1pPr marL="457200" lvl="0" indent="-228600">
               <a:lnSpc>
                 <a:spcPct val="100000"/>
               </a:lnSpc>
@@ -4669,15 +4914,19 @@
               <a:defRPr/>
             </a:lvl1pPr>
           </a:lstStyle>
-          <a:p/>
+          <a:p>
+            <a:endParaRPr/>
+          </a:p>
         </p:txBody>
       </p:sp>
       <p:sp>
         <p:nvSpPr>
           <p:cNvPr id="43" name="Google Shape;43;p10"/>
-          <p:cNvSpPr txBox="1"/>
+          <p:cNvSpPr txBox="1">
+            <a:spLocks noGrp="1"/>
+          </p:cNvSpPr>
           <p:nvPr>
-            <p:ph idx="12" type="sldNum"/>
+            <p:ph type="sldNum" idx="12"/>
           </p:nvPr>
         </p:nvSpPr>
         <p:spPr>
@@ -4690,7 +4939,7 @@
           </a:prstGeom>
         </p:spPr>
         <p:txBody>
-          <a:bodyPr anchorCtr="0" anchor="ctr" bIns="91425" lIns="91425" spcFirstLastPara="1" rIns="91425" wrap="square" tIns="91425">
+          <a:bodyPr spcFirstLastPara="1" wrap="square" lIns="91425" tIns="91425" rIns="91425" bIns="91425" anchor="ctr" anchorCtr="0">
             <a:noAutofit/>
           </a:bodyPr>
           <a:lstStyle>
@@ -4732,7 +4981,7 @@
             </a:lvl9pPr>
           </a:lstStyle>
           <a:p>
-            <a:pPr indent="0" lvl="0" marL="0" rtl="0" algn="r">
+            <a:pPr marL="0" lvl="0" indent="0" algn="r" rtl="0">
               <a:spcBef>
                 <a:spcPts val="0"/>
               </a:spcBef>
@@ -4758,18 +5007,19 @@
 </file>
 
 <file path=ppt/slideMasters/slideMaster1.xml><?xml version="1.0" encoding="utf-8"?>
-<p:sldMaster xmlns:a="http://schemas.openxmlformats.org/drawingml/2006/main" xmlns:r="http://schemas.openxmlformats.org/officeDocument/2006/relationships" xmlns:mc="http://schemas.openxmlformats.org/markup-compatibility/2006" xmlns:mv="urn:schemas-microsoft-com:mac:vml" xmlns:p="http://schemas.openxmlformats.org/presentationml/2006/main" xmlns:c="http://schemas.openxmlformats.org/drawingml/2006/chart" xmlns:dgm="http://schemas.openxmlformats.org/drawingml/2006/diagram" xmlns:o="urn:schemas-microsoft-com:office:office" xmlns:v="urn:schemas-microsoft-com:vml" xmlns:pvml="urn:schemas-microsoft-com:office:powerpoint" xmlns:com="http://schemas.openxmlformats.org/drawingml/2006/compatibility" xmlns:p14="http://schemas.microsoft.com/office/powerpoint/2010/main" xmlns:p15="http://schemas.microsoft.com/office/powerpoint/2012/main" xmlns:ahyp="http://schemas.microsoft.com/office/drawing/2018/hyperlinkcolor">
+<p:sldMaster xmlns:a="http://schemas.openxmlformats.org/drawingml/2006/main" xmlns:r="http://schemas.openxmlformats.org/officeDocument/2006/relationships" xmlns:p="http://schemas.openxmlformats.org/presentationml/2006/main">
   <p:cSld name="simple-light-2">
     <p:bg>
       <p:bgPr>
         <a:solidFill>
           <a:schemeClr val="lt1"/>
         </a:solidFill>
+        <a:effectLst/>
       </p:bgPr>
     </p:bg>
     <p:spTree>
       <p:nvGrpSpPr>
-        <p:cNvPr id="5" name="Shape 5"/>
+        <p:cNvPr id="1" name="Shape 5"/>
         <p:cNvGrpSpPr/>
         <p:nvPr/>
       </p:nvGrpSpPr>
@@ -4784,7 +5034,9 @@
       <p:sp>
         <p:nvSpPr>
           <p:cNvPr id="6" name="Google Shape;6;p1"/>
-          <p:cNvSpPr txBox="1"/>
+          <p:cNvSpPr txBox="1">
+            <a:spLocks noGrp="1"/>
+          </p:cNvSpPr>
           <p:nvPr>
             <p:ph type="title"/>
           </p:nvPr>
@@ -4803,7 +5055,7 @@
           </a:ln>
         </p:spPr>
         <p:txBody>
-          <a:bodyPr anchorCtr="0" anchor="t" bIns="91425" lIns="91425" spcFirstLastPara="1" rIns="91425" wrap="square" tIns="91425">
+          <a:bodyPr spcFirstLastPara="1" wrap="square" lIns="91425" tIns="91425" rIns="91425" bIns="91425" anchor="t" anchorCtr="0">
             <a:noAutofit/>
           </a:bodyPr>
           <a:lstStyle>
@@ -4970,15 +5222,19 @@
               </a:defRPr>
             </a:lvl9pPr>
           </a:lstStyle>
-          <a:p/>
+          <a:p>
+            <a:endParaRPr/>
+          </a:p>
         </p:txBody>
       </p:sp>
       <p:sp>
         <p:nvSpPr>
           <p:cNvPr id="7" name="Google Shape;7;p1"/>
-          <p:cNvSpPr txBox="1"/>
+          <p:cNvSpPr txBox="1">
+            <a:spLocks noGrp="1"/>
+          </p:cNvSpPr>
           <p:nvPr>
-            <p:ph idx="1" type="body"/>
+            <p:ph type="body" idx="1"/>
           </p:nvPr>
         </p:nvSpPr>
         <p:spPr>
@@ -4995,11 +5251,11 @@
           </a:ln>
         </p:spPr>
         <p:txBody>
-          <a:bodyPr anchorCtr="0" anchor="t" bIns="91425" lIns="91425" spcFirstLastPara="1" rIns="91425" wrap="square" tIns="91425">
+          <a:bodyPr spcFirstLastPara="1" wrap="square" lIns="91425" tIns="91425" rIns="91425" bIns="91425" anchor="t" anchorCtr="0">
             <a:noAutofit/>
           </a:bodyPr>
           <a:lstStyle>
-            <a:lvl1pPr indent="-342900" lvl="0" marL="457200">
+            <a:lvl1pPr marL="457200" lvl="0" indent="-342900">
               <a:lnSpc>
                 <a:spcPct val="115000"/>
               </a:lnSpc>
@@ -5020,7 +5276,7 @@
                 </a:solidFill>
               </a:defRPr>
             </a:lvl1pPr>
-            <a:lvl2pPr indent="-317500" lvl="1" marL="914400">
+            <a:lvl2pPr marL="914400" lvl="1" indent="-317500">
               <a:lnSpc>
                 <a:spcPct val="115000"/>
               </a:lnSpc>
@@ -5041,7 +5297,7 @@
                 </a:solidFill>
               </a:defRPr>
             </a:lvl2pPr>
-            <a:lvl3pPr indent="-317500" lvl="2" marL="1371600">
+            <a:lvl3pPr marL="1371600" lvl="2" indent="-317500">
               <a:lnSpc>
                 <a:spcPct val="115000"/>
               </a:lnSpc>
@@ -5062,7 +5318,7 @@
                 </a:solidFill>
               </a:defRPr>
             </a:lvl3pPr>
-            <a:lvl4pPr indent="-317500" lvl="3" marL="1828800">
+            <a:lvl4pPr marL="1828800" lvl="3" indent="-317500">
               <a:lnSpc>
                 <a:spcPct val="115000"/>
               </a:lnSpc>
@@ -5083,7 +5339,7 @@
                 </a:solidFill>
               </a:defRPr>
             </a:lvl4pPr>
-            <a:lvl5pPr indent="-317500" lvl="4" marL="2286000">
+            <a:lvl5pPr marL="2286000" lvl="4" indent="-317500">
               <a:lnSpc>
                 <a:spcPct val="115000"/>
               </a:lnSpc>
@@ -5104,7 +5360,7 @@
                 </a:solidFill>
               </a:defRPr>
             </a:lvl5pPr>
-            <a:lvl6pPr indent="-317500" lvl="5" marL="2743200">
+            <a:lvl6pPr marL="2743200" lvl="5" indent="-317500">
               <a:lnSpc>
                 <a:spcPct val="115000"/>
               </a:lnSpc>
@@ -5125,7 +5381,7 @@
                 </a:solidFill>
               </a:defRPr>
             </a:lvl6pPr>
-            <a:lvl7pPr indent="-317500" lvl="6" marL="3200400">
+            <a:lvl7pPr marL="3200400" lvl="6" indent="-317500">
               <a:lnSpc>
                 <a:spcPct val="115000"/>
               </a:lnSpc>
@@ -5146,7 +5402,7 @@
                 </a:solidFill>
               </a:defRPr>
             </a:lvl7pPr>
-            <a:lvl8pPr indent="-317500" lvl="7" marL="3657600">
+            <a:lvl8pPr marL="3657600" lvl="7" indent="-317500">
               <a:lnSpc>
                 <a:spcPct val="115000"/>
               </a:lnSpc>
@@ -5167,7 +5423,7 @@
                 </a:solidFill>
               </a:defRPr>
             </a:lvl8pPr>
-            <a:lvl9pPr indent="-317500" lvl="8" marL="4114800">
+            <a:lvl9pPr marL="4114800" lvl="8" indent="-317500">
               <a:lnSpc>
                 <a:spcPct val="115000"/>
               </a:lnSpc>
@@ -5189,15 +5445,19 @@
               </a:defRPr>
             </a:lvl9pPr>
           </a:lstStyle>
-          <a:p/>
+          <a:p>
+            <a:endParaRPr/>
+          </a:p>
         </p:txBody>
       </p:sp>
       <p:sp>
         <p:nvSpPr>
           <p:cNvPr id="8" name="Google Shape;8;p1"/>
-          <p:cNvSpPr txBox="1"/>
+          <p:cNvSpPr txBox="1">
+            <a:spLocks noGrp="1"/>
+          </p:cNvSpPr>
           <p:nvPr>
-            <p:ph idx="12" type="sldNum"/>
+            <p:ph type="sldNum" idx="12"/>
           </p:nvPr>
         </p:nvSpPr>
         <p:spPr>
@@ -5214,7 +5474,7 @@
           </a:ln>
         </p:spPr>
         <p:txBody>
-          <a:bodyPr anchorCtr="0" anchor="ctr" bIns="91425" lIns="91425" spcFirstLastPara="1" rIns="91425" wrap="square" tIns="91425">
+          <a:bodyPr spcFirstLastPara="1" wrap="square" lIns="91425" tIns="91425" rIns="91425" bIns="91425" anchor="ctr" anchorCtr="0">
             <a:noAutofit/>
           </a:bodyPr>
           <a:lstStyle>
@@ -5292,7 +5552,7 @@
             </a:lvl9pPr>
           </a:lstStyle>
           <a:p>
-            <a:pPr indent="0" lvl="0" marL="0" rtl="0" algn="r">
+            <a:pPr marL="0" lvl="0" indent="0" algn="r" rtl="0">
               <a:spcBef>
                 <a:spcPts val="0"/>
               </a:spcBef>
@@ -5311,7 +5571,7 @@
       </p:sp>
     </p:spTree>
   </p:cSld>
-  <p:clrMap accent1="accent1" accent2="accent2" accent3="accent3" accent4="accent4" accent5="accent5" accent6="accent6" bg1="lt1" bg2="dk2" tx1="dk1" tx2="lt2" folHlink="folHlink" hlink="hlink"/>
+  <p:clrMap bg1="lt1" tx1="dk1" bg2="dk2" tx2="lt2" accent1="accent1" accent2="accent2" accent3="accent3" accent4="accent4" accent5="accent5" accent6="accent6" hlink="hlink" folHlink="folHlink"/>
   <p:sldLayoutIdLst>
     <p:sldLayoutId id="2147483648" r:id="rId1"/>
     <p:sldLayoutId id="2147483649" r:id="rId2"/>
@@ -5325,10 +5585,10 @@
     <p:sldLayoutId id="2147483657" r:id="rId10"/>
     <p:sldLayoutId id="2147483658" r:id="rId11"/>
   </p:sldLayoutIdLst>
-  <p:hf dt="0" ftr="0" hdr="0" sldNum="0"/>
+  <p:hf sldNum="0" hdr="0" ftr="0" dt="0"/>
   <p:txStyles>
     <p:titleStyle>
-      <a:defPPr lvl="0" marR="0" rtl="0" algn="l">
+      <a:defPPr marR="0" lvl="0" algn="l" rtl="0">
         <a:lnSpc>
           <a:spcPct val="100000"/>
         </a:lnSpc>
@@ -5339,7 +5599,7 @@
           <a:spcPts val="0"/>
         </a:spcAft>
       </a:defPPr>
-      <a:lvl1pPr lvl="0" marR="0" rtl="0" algn="l">
+      <a:lvl1pPr marR="0" lvl="0" algn="l" rtl="0">
         <a:lnSpc>
           <a:spcPct val="100000"/>
         </a:lnSpc>
@@ -5353,7 +5613,7 @@
           <a:srgbClr val="000000"/>
         </a:buClr>
         <a:buFont typeface="Arial"/>
-        <a:defRPr b="0" i="0" sz="1400" u="none" cap="none" strike="noStrike">
+        <a:defRPr sz="1400" b="0" i="0" u="none" strike="noStrike" cap="none">
           <a:solidFill>
             <a:srgbClr val="000000"/>
           </a:solidFill>
@@ -5363,7 +5623,7 @@
           <a:sym typeface="Arial"/>
         </a:defRPr>
       </a:lvl1pPr>
-      <a:lvl2pPr lvl="1" marR="0" rtl="0" algn="l">
+      <a:lvl2pPr marR="0" lvl="1" algn="l" rtl="0">
         <a:lnSpc>
           <a:spcPct val="100000"/>
         </a:lnSpc>
@@ -5377,7 +5637,7 @@
           <a:srgbClr val="000000"/>
         </a:buClr>
         <a:buFont typeface="Arial"/>
-        <a:defRPr b="0" i="0" sz="1400" u="none" cap="none" strike="noStrike">
+        <a:defRPr sz="1400" b="0" i="0" u="none" strike="noStrike" cap="none">
           <a:solidFill>
             <a:srgbClr val="000000"/>
           </a:solidFill>
@@ -5387,7 +5647,7 @@
           <a:sym typeface="Arial"/>
         </a:defRPr>
       </a:lvl2pPr>
-      <a:lvl3pPr lvl="2" marR="0" rtl="0" algn="l">
+      <a:lvl3pPr marR="0" lvl="2" algn="l" rtl="0">
         <a:lnSpc>
           <a:spcPct val="100000"/>
         </a:lnSpc>
@@ -5401,7 +5661,7 @@
           <a:srgbClr val="000000"/>
         </a:buClr>
         <a:buFont typeface="Arial"/>
-        <a:defRPr b="0" i="0" sz="1400" u="none" cap="none" strike="noStrike">
+        <a:defRPr sz="1400" b="0" i="0" u="none" strike="noStrike" cap="none">
           <a:solidFill>
             <a:srgbClr val="000000"/>
           </a:solidFill>
@@ -5411,7 +5671,7 @@
           <a:sym typeface="Arial"/>
         </a:defRPr>
       </a:lvl3pPr>
-      <a:lvl4pPr lvl="3" marR="0" rtl="0" algn="l">
+      <a:lvl4pPr marR="0" lvl="3" algn="l" rtl="0">
         <a:lnSpc>
           <a:spcPct val="100000"/>
         </a:lnSpc>
@@ -5425,7 +5685,7 @@
           <a:srgbClr val="000000"/>
         </a:buClr>
         <a:buFont typeface="Arial"/>
-        <a:defRPr b="0" i="0" sz="1400" u="none" cap="none" strike="noStrike">
+        <a:defRPr sz="1400" b="0" i="0" u="none" strike="noStrike" cap="none">
           <a:solidFill>
             <a:srgbClr val="000000"/>
           </a:solidFill>
@@ -5435,7 +5695,7 @@
           <a:sym typeface="Arial"/>
         </a:defRPr>
       </a:lvl4pPr>
-      <a:lvl5pPr lvl="4" marR="0" rtl="0" algn="l">
+      <a:lvl5pPr marR="0" lvl="4" algn="l" rtl="0">
         <a:lnSpc>
           <a:spcPct val="100000"/>
         </a:lnSpc>
@@ -5449,7 +5709,7 @@
           <a:srgbClr val="000000"/>
         </a:buClr>
         <a:buFont typeface="Arial"/>
-        <a:defRPr b="0" i="0" sz="1400" u="none" cap="none" strike="noStrike">
+        <a:defRPr sz="1400" b="0" i="0" u="none" strike="noStrike" cap="none">
           <a:solidFill>
             <a:srgbClr val="000000"/>
           </a:solidFill>
@@ -5459,7 +5719,7 @@
           <a:sym typeface="Arial"/>
         </a:defRPr>
       </a:lvl5pPr>
-      <a:lvl6pPr lvl="5" marR="0" rtl="0" algn="l">
+      <a:lvl6pPr marR="0" lvl="5" algn="l" rtl="0">
         <a:lnSpc>
           <a:spcPct val="100000"/>
         </a:lnSpc>
@@ -5473,7 +5733,7 @@
           <a:srgbClr val="000000"/>
         </a:buClr>
         <a:buFont typeface="Arial"/>
-        <a:defRPr b="0" i="0" sz="1400" u="none" cap="none" strike="noStrike">
+        <a:defRPr sz="1400" b="0" i="0" u="none" strike="noStrike" cap="none">
           <a:solidFill>
             <a:srgbClr val="000000"/>
           </a:solidFill>
@@ -5483,7 +5743,7 @@
           <a:sym typeface="Arial"/>
         </a:defRPr>
       </a:lvl6pPr>
-      <a:lvl7pPr lvl="6" marR="0" rtl="0" algn="l">
+      <a:lvl7pPr marR="0" lvl="6" algn="l" rtl="0">
         <a:lnSpc>
           <a:spcPct val="100000"/>
         </a:lnSpc>
@@ -5497,7 +5757,7 @@
           <a:srgbClr val="000000"/>
         </a:buClr>
         <a:buFont typeface="Arial"/>
-        <a:defRPr b="0" i="0" sz="1400" u="none" cap="none" strike="noStrike">
+        <a:defRPr sz="1400" b="0" i="0" u="none" strike="noStrike" cap="none">
           <a:solidFill>
             <a:srgbClr val="000000"/>
           </a:solidFill>
@@ -5507,7 +5767,7 @@
           <a:sym typeface="Arial"/>
         </a:defRPr>
       </a:lvl7pPr>
-      <a:lvl8pPr lvl="7" marR="0" rtl="0" algn="l">
+      <a:lvl8pPr marR="0" lvl="7" algn="l" rtl="0">
         <a:lnSpc>
           <a:spcPct val="100000"/>
         </a:lnSpc>
@@ -5521,7 +5781,7 @@
           <a:srgbClr val="000000"/>
         </a:buClr>
         <a:buFont typeface="Arial"/>
-        <a:defRPr b="0" i="0" sz="1400" u="none" cap="none" strike="noStrike">
+        <a:defRPr sz="1400" b="0" i="0" u="none" strike="noStrike" cap="none">
           <a:solidFill>
             <a:srgbClr val="000000"/>
           </a:solidFill>
@@ -5531,7 +5791,7 @@
           <a:sym typeface="Arial"/>
         </a:defRPr>
       </a:lvl8pPr>
-      <a:lvl9pPr lvl="8" marR="0" rtl="0" algn="l">
+      <a:lvl9pPr marR="0" lvl="8" algn="l" rtl="0">
         <a:lnSpc>
           <a:spcPct val="100000"/>
         </a:lnSpc>
@@ -5545,7 +5805,7 @@
           <a:srgbClr val="000000"/>
         </a:buClr>
         <a:buFont typeface="Arial"/>
-        <a:defRPr b="0" i="0" sz="1400" u="none" cap="none" strike="noStrike">
+        <a:defRPr sz="1400" b="0" i="0" u="none" strike="noStrike" cap="none">
           <a:solidFill>
             <a:srgbClr val="000000"/>
           </a:solidFill>
@@ -5557,7 +5817,7 @@
       </a:lvl9pPr>
     </p:titleStyle>
     <p:bodyStyle>
-      <a:defPPr lvl="0" marR="0" rtl="0" algn="l">
+      <a:defPPr marR="0" lvl="0" algn="l" rtl="0">
         <a:lnSpc>
           <a:spcPct val="100000"/>
         </a:lnSpc>
@@ -5568,7 +5828,7 @@
           <a:spcPts val="0"/>
         </a:spcAft>
       </a:defPPr>
-      <a:lvl1pPr lvl="0" marR="0" rtl="0" algn="l">
+      <a:lvl1pPr marR="0" lvl="0" algn="l" rtl="0">
         <a:lnSpc>
           <a:spcPct val="100000"/>
         </a:lnSpc>
@@ -5582,7 +5842,7 @@
           <a:srgbClr val="000000"/>
         </a:buClr>
         <a:buFont typeface="Arial"/>
-        <a:defRPr b="0" i="0" sz="1400" u="none" cap="none" strike="noStrike">
+        <a:defRPr sz="1400" b="0" i="0" u="none" strike="noStrike" cap="none">
           <a:solidFill>
             <a:srgbClr val="000000"/>
           </a:solidFill>
@@ -5592,7 +5852,7 @@
           <a:sym typeface="Arial"/>
         </a:defRPr>
       </a:lvl1pPr>
-      <a:lvl2pPr lvl="1" marR="0" rtl="0" algn="l">
+      <a:lvl2pPr marR="0" lvl="1" algn="l" rtl="0">
         <a:lnSpc>
           <a:spcPct val="100000"/>
         </a:lnSpc>
@@ -5606,7 +5866,7 @@
           <a:srgbClr val="000000"/>
         </a:buClr>
         <a:buFont typeface="Arial"/>
-        <a:defRPr b="0" i="0" sz="1400" u="none" cap="none" strike="noStrike">
+        <a:defRPr sz="1400" b="0" i="0" u="none" strike="noStrike" cap="none">
           <a:solidFill>
             <a:srgbClr val="000000"/>
           </a:solidFill>
@@ -5616,7 +5876,7 @@
           <a:sym typeface="Arial"/>
         </a:defRPr>
       </a:lvl2pPr>
-      <a:lvl3pPr lvl="2" marR="0" rtl="0" algn="l">
+      <a:lvl3pPr marR="0" lvl="2" algn="l" rtl="0">
         <a:lnSpc>
           <a:spcPct val="100000"/>
         </a:lnSpc>
@@ -5630,7 +5890,7 @@
           <a:srgbClr val="000000"/>
         </a:buClr>
         <a:buFont typeface="Arial"/>
-        <a:defRPr b="0" i="0" sz="1400" u="none" cap="none" strike="noStrike">
+        <a:defRPr sz="1400" b="0" i="0" u="none" strike="noStrike" cap="none">
           <a:solidFill>
             <a:srgbClr val="000000"/>
           </a:solidFill>
@@ -5640,7 +5900,7 @@
           <a:sym typeface="Arial"/>
         </a:defRPr>
       </a:lvl3pPr>
-      <a:lvl4pPr lvl="3" marR="0" rtl="0" algn="l">
+      <a:lvl4pPr marR="0" lvl="3" algn="l" rtl="0">
         <a:lnSpc>
           <a:spcPct val="100000"/>
         </a:lnSpc>
@@ -5654,7 +5914,7 @@
           <a:srgbClr val="000000"/>
         </a:buClr>
         <a:buFont typeface="Arial"/>
-        <a:defRPr b="0" i="0" sz="1400" u="none" cap="none" strike="noStrike">
+        <a:defRPr sz="1400" b="0" i="0" u="none" strike="noStrike" cap="none">
           <a:solidFill>
             <a:srgbClr val="000000"/>
           </a:solidFill>
@@ -5664,7 +5924,7 @@
           <a:sym typeface="Arial"/>
         </a:defRPr>
       </a:lvl4pPr>
-      <a:lvl5pPr lvl="4" marR="0" rtl="0" algn="l">
+      <a:lvl5pPr marR="0" lvl="4" algn="l" rtl="0">
         <a:lnSpc>
           <a:spcPct val="100000"/>
         </a:lnSpc>
@@ -5678,7 +5938,7 @@
           <a:srgbClr val="000000"/>
         </a:buClr>
         <a:buFont typeface="Arial"/>
-        <a:defRPr b="0" i="0" sz="1400" u="none" cap="none" strike="noStrike">
+        <a:defRPr sz="1400" b="0" i="0" u="none" strike="noStrike" cap="none">
           <a:solidFill>
             <a:srgbClr val="000000"/>
           </a:solidFill>
@@ -5688,7 +5948,7 @@
           <a:sym typeface="Arial"/>
         </a:defRPr>
       </a:lvl5pPr>
-      <a:lvl6pPr lvl="5" marR="0" rtl="0" algn="l">
+      <a:lvl6pPr marR="0" lvl="5" algn="l" rtl="0">
         <a:lnSpc>
           <a:spcPct val="100000"/>
         </a:lnSpc>
@@ -5702,7 +5962,7 @@
           <a:srgbClr val="000000"/>
         </a:buClr>
         <a:buFont typeface="Arial"/>
-        <a:defRPr b="0" i="0" sz="1400" u="none" cap="none" strike="noStrike">
+        <a:defRPr sz="1400" b="0" i="0" u="none" strike="noStrike" cap="none">
           <a:solidFill>
             <a:srgbClr val="000000"/>
           </a:solidFill>
@@ -5712,7 +5972,7 @@
           <a:sym typeface="Arial"/>
         </a:defRPr>
       </a:lvl6pPr>
-      <a:lvl7pPr lvl="6" marR="0" rtl="0" algn="l">
+      <a:lvl7pPr marR="0" lvl="6" algn="l" rtl="0">
         <a:lnSpc>
           <a:spcPct val="100000"/>
         </a:lnSpc>
@@ -5726,7 +5986,7 @@
           <a:srgbClr val="000000"/>
         </a:buClr>
         <a:buFont typeface="Arial"/>
-        <a:defRPr b="0" i="0" sz="1400" u="none" cap="none" strike="noStrike">
+        <a:defRPr sz="1400" b="0" i="0" u="none" strike="noStrike" cap="none">
           <a:solidFill>
             <a:srgbClr val="000000"/>
           </a:solidFill>
@@ -5736,7 +5996,7 @@
           <a:sym typeface="Arial"/>
         </a:defRPr>
       </a:lvl7pPr>
-      <a:lvl8pPr lvl="7" marR="0" rtl="0" algn="l">
+      <a:lvl8pPr marR="0" lvl="7" algn="l" rtl="0">
         <a:lnSpc>
           <a:spcPct val="100000"/>
         </a:lnSpc>
@@ -5750,7 +6010,7 @@
           <a:srgbClr val="000000"/>
         </a:buClr>
         <a:buFont typeface="Arial"/>
-        <a:defRPr b="0" i="0" sz="1400" u="none" cap="none" strike="noStrike">
+        <a:defRPr sz="1400" b="0" i="0" u="none" strike="noStrike" cap="none">
           <a:solidFill>
             <a:srgbClr val="000000"/>
           </a:solidFill>
@@ -5760,7 +6020,7 @@
           <a:sym typeface="Arial"/>
         </a:defRPr>
       </a:lvl8pPr>
-      <a:lvl9pPr lvl="8" marR="0" rtl="0" algn="l">
+      <a:lvl9pPr marR="0" lvl="8" algn="l" rtl="0">
         <a:lnSpc>
           <a:spcPct val="100000"/>
         </a:lnSpc>
@@ -5774,7 +6034,7 @@
           <a:srgbClr val="000000"/>
         </a:buClr>
         <a:buFont typeface="Arial"/>
-        <a:defRPr b="0" i="0" sz="1400" u="none" cap="none" strike="noStrike">
+        <a:defRPr sz="1400" b="0" i="0" u="none" strike="noStrike" cap="none">
           <a:solidFill>
             <a:srgbClr val="000000"/>
           </a:solidFill>
@@ -5786,7 +6046,7 @@
       </a:lvl9pPr>
     </p:bodyStyle>
     <p:otherStyle>
-      <a:defPPr lvl="0" marR="0" rtl="0" algn="l">
+      <a:defPPr marR="0" lvl="0" algn="l" rtl="0">
         <a:lnSpc>
           <a:spcPct val="100000"/>
         </a:lnSpc>
@@ -5797,7 +6057,7 @@
           <a:spcPts val="0"/>
         </a:spcAft>
       </a:defPPr>
-      <a:lvl1pPr lvl="0" marR="0" rtl="0" algn="l">
+      <a:lvl1pPr marR="0" lvl="0" algn="l" rtl="0">
         <a:lnSpc>
           <a:spcPct val="100000"/>
         </a:lnSpc>
@@ -5811,7 +6071,7 @@
           <a:srgbClr val="000000"/>
         </a:buClr>
         <a:buFont typeface="Arial"/>
-        <a:defRPr b="0" i="0" sz="1400" u="none" cap="none" strike="noStrike">
+        <a:defRPr sz="1400" b="0" i="0" u="none" strike="noStrike" cap="none">
           <a:solidFill>
             <a:srgbClr val="000000"/>
           </a:solidFill>
@@ -5821,7 +6081,7 @@
           <a:sym typeface="Arial"/>
         </a:defRPr>
       </a:lvl1pPr>
-      <a:lvl2pPr lvl="1" marR="0" rtl="0" algn="l">
+      <a:lvl2pPr marR="0" lvl="1" algn="l" rtl="0">
         <a:lnSpc>
           <a:spcPct val="100000"/>
         </a:lnSpc>
@@ -5835,7 +6095,7 @@
           <a:srgbClr val="000000"/>
         </a:buClr>
         <a:buFont typeface="Arial"/>
-        <a:defRPr b="0" i="0" sz="1400" u="none" cap="none" strike="noStrike">
+        <a:defRPr sz="1400" b="0" i="0" u="none" strike="noStrike" cap="none">
           <a:solidFill>
             <a:srgbClr val="000000"/>
           </a:solidFill>
@@ -5845,7 +6105,7 @@
           <a:sym typeface="Arial"/>
         </a:defRPr>
       </a:lvl2pPr>
-      <a:lvl3pPr lvl="2" marR="0" rtl="0" algn="l">
+      <a:lvl3pPr marR="0" lvl="2" algn="l" rtl="0">
         <a:lnSpc>
           <a:spcPct val="100000"/>
         </a:lnSpc>
@@ -5859,7 +6119,7 @@
           <a:srgbClr val="000000"/>
         </a:buClr>
         <a:buFont typeface="Arial"/>
-        <a:defRPr b="0" i="0" sz="1400" u="none" cap="none" strike="noStrike">
+        <a:defRPr sz="1400" b="0" i="0" u="none" strike="noStrike" cap="none">
           <a:solidFill>
             <a:srgbClr val="000000"/>
           </a:solidFill>
@@ -5869,7 +6129,7 @@
           <a:sym typeface="Arial"/>
         </a:defRPr>
       </a:lvl3pPr>
-      <a:lvl4pPr lvl="3" marR="0" rtl="0" algn="l">
+      <a:lvl4pPr marR="0" lvl="3" algn="l" rtl="0">
         <a:lnSpc>
           <a:spcPct val="100000"/>
         </a:lnSpc>
@@ -5883,7 +6143,7 @@
           <a:srgbClr val="000000"/>
         </a:buClr>
         <a:buFont typeface="Arial"/>
-        <a:defRPr b="0" i="0" sz="1400" u="none" cap="none" strike="noStrike">
+        <a:defRPr sz="1400" b="0" i="0" u="none" strike="noStrike" cap="none">
           <a:solidFill>
             <a:srgbClr val="000000"/>
           </a:solidFill>
@@ -5893,7 +6153,7 @@
           <a:sym typeface="Arial"/>
         </a:defRPr>
       </a:lvl4pPr>
-      <a:lvl5pPr lvl="4" marR="0" rtl="0" algn="l">
+      <a:lvl5pPr marR="0" lvl="4" algn="l" rtl="0">
         <a:lnSpc>
           <a:spcPct val="100000"/>
         </a:lnSpc>
@@ -5907,7 +6167,7 @@
           <a:srgbClr val="000000"/>
         </a:buClr>
         <a:buFont typeface="Arial"/>
-        <a:defRPr b="0" i="0" sz="1400" u="none" cap="none" strike="noStrike">
+        <a:defRPr sz="1400" b="0" i="0" u="none" strike="noStrike" cap="none">
           <a:solidFill>
             <a:srgbClr val="000000"/>
           </a:solidFill>
@@ -5917,7 +6177,7 @@
           <a:sym typeface="Arial"/>
         </a:defRPr>
       </a:lvl5pPr>
-      <a:lvl6pPr lvl="5" marR="0" rtl="0" algn="l">
+      <a:lvl6pPr marR="0" lvl="5" algn="l" rtl="0">
         <a:lnSpc>
           <a:spcPct val="100000"/>
         </a:lnSpc>
@@ -5931,7 +6191,7 @@
           <a:srgbClr val="000000"/>
         </a:buClr>
         <a:buFont typeface="Arial"/>
-        <a:defRPr b="0" i="0" sz="1400" u="none" cap="none" strike="noStrike">
+        <a:defRPr sz="1400" b="0" i="0" u="none" strike="noStrike" cap="none">
           <a:solidFill>
             <a:srgbClr val="000000"/>
           </a:solidFill>
@@ -5941,7 +6201,7 @@
           <a:sym typeface="Arial"/>
         </a:defRPr>
       </a:lvl6pPr>
-      <a:lvl7pPr lvl="6" marR="0" rtl="0" algn="l">
+      <a:lvl7pPr marR="0" lvl="6" algn="l" rtl="0">
         <a:lnSpc>
           <a:spcPct val="100000"/>
         </a:lnSpc>
@@ -5955,7 +6215,7 @@
           <a:srgbClr val="000000"/>
         </a:buClr>
         <a:buFont typeface="Arial"/>
-        <a:defRPr b="0" i="0" sz="1400" u="none" cap="none" strike="noStrike">
+        <a:defRPr sz="1400" b="0" i="0" u="none" strike="noStrike" cap="none">
           <a:solidFill>
             <a:srgbClr val="000000"/>
           </a:solidFill>
@@ -5965,7 +6225,7 @@
           <a:sym typeface="Arial"/>
         </a:defRPr>
       </a:lvl7pPr>
-      <a:lvl8pPr lvl="7" marR="0" rtl="0" algn="l">
+      <a:lvl8pPr marR="0" lvl="7" algn="l" rtl="0">
         <a:lnSpc>
           <a:spcPct val="100000"/>
         </a:lnSpc>
@@ -5979,7 +6239,7 @@
           <a:srgbClr val="000000"/>
         </a:buClr>
         <a:buFont typeface="Arial"/>
-        <a:defRPr b="0" i="0" sz="1400" u="none" cap="none" strike="noStrike">
+        <a:defRPr sz="1400" b="0" i="0" u="none" strike="noStrike" cap="none">
           <a:solidFill>
             <a:srgbClr val="000000"/>
           </a:solidFill>
@@ -5989,7 +6249,7 @@
           <a:sym typeface="Arial"/>
         </a:defRPr>
       </a:lvl8pPr>
-      <a:lvl9pPr lvl="8" marR="0" rtl="0" algn="l">
+      <a:lvl9pPr marR="0" lvl="8" algn="l" rtl="0">
         <a:lnSpc>
           <a:spcPct val="100000"/>
         </a:lnSpc>
@@ -6003,7 +6263,7 @@
           <a:srgbClr val="000000"/>
         </a:buClr>
         <a:buFont typeface="Arial"/>
-        <a:defRPr b="0" i="0" sz="1400" u="none" cap="none" strike="noStrike">
+        <a:defRPr sz="1400" b="0" i="0" u="none" strike="noStrike" cap="none">
           <a:solidFill>
             <a:srgbClr val="000000"/>
           </a:solidFill>
@@ -6019,11 +6279,11 @@
 </file>
 
 <file path=ppt/slides/slide1.xml><?xml version="1.0" encoding="utf-8"?>
-<p:sld xmlns:a="http://schemas.openxmlformats.org/drawingml/2006/main" xmlns:r="http://schemas.openxmlformats.org/officeDocument/2006/relationships" xmlns:mc="http://schemas.openxmlformats.org/markup-compatibility/2006" xmlns:mv="urn:schemas-microsoft-com:mac:vml" xmlns:p="http://schemas.openxmlformats.org/presentationml/2006/main" xmlns:c="http://schemas.openxmlformats.org/drawingml/2006/chart" xmlns:dgm="http://schemas.openxmlformats.org/drawingml/2006/diagram" xmlns:o="urn:schemas-microsoft-com:office:office" xmlns:v="urn:schemas-microsoft-com:vml" xmlns:pvml="urn:schemas-microsoft-com:office:powerpoint" xmlns:com="http://schemas.openxmlformats.org/drawingml/2006/compatibility" xmlns:p14="http://schemas.microsoft.com/office/powerpoint/2010/main" xmlns:p15="http://schemas.microsoft.com/office/powerpoint/2012/main" xmlns:ahyp="http://schemas.microsoft.com/office/drawing/2018/hyperlinkcolor">
+<p:sld xmlns:a="http://schemas.openxmlformats.org/drawingml/2006/main" xmlns:r="http://schemas.openxmlformats.org/officeDocument/2006/relationships" xmlns:p="http://schemas.openxmlformats.org/presentationml/2006/main">
   <p:cSld>
     <p:spTree>
       <p:nvGrpSpPr>
-        <p:cNvPr id="53" name="Shape 53"/>
+        <p:cNvPr id="1" name="Shape 53"/>
         <p:cNvGrpSpPr/>
         <p:nvPr/>
       </p:nvGrpSpPr>
@@ -6038,7 +6298,9 @@
       <p:sp>
         <p:nvSpPr>
           <p:cNvPr id="54" name="Google Shape;54;p13"/>
-          <p:cNvSpPr txBox="1"/>
+          <p:cNvSpPr txBox="1">
+            <a:spLocks noGrp="1"/>
+          </p:cNvSpPr>
           <p:nvPr>
             <p:ph type="ctrTitle"/>
           </p:nvPr>
@@ -6053,12 +6315,12 @@
           </a:prstGeom>
         </p:spPr>
         <p:txBody>
-          <a:bodyPr anchorCtr="0" anchor="b" bIns="91425" lIns="91425" spcFirstLastPara="1" rIns="91425" wrap="square" tIns="91425">
+          <a:bodyPr spcFirstLastPara="1" wrap="square" lIns="91425" tIns="91425" rIns="91425" bIns="91425" anchor="b" anchorCtr="0">
             <a:noAutofit/>
           </a:bodyPr>
           <a:lstStyle/>
           <a:p>
-            <a:pPr indent="0" lvl="0" marL="0" rtl="0" algn="ctr">
+            <a:pPr marL="0" lvl="0" indent="0" algn="ctr" rtl="0">
               <a:spcBef>
                 <a:spcPts val="0"/>
               </a:spcBef>
@@ -6068,69 +6330,35 @@
               <a:buNone/>
             </a:pPr>
             <a:r>
-              <a:rPr lang="en"/>
-              <a:t>Project Title</a:t>
+              <a:rPr lang="en" dirty="0"/>
+              <a:t>Budget Tracker App</a:t>
             </a:r>
-            <a:endParaRPr/>
+            <a:endParaRPr dirty="0"/>
           </a:p>
         </p:txBody>
       </p:sp>
       <p:sp>
         <p:nvSpPr>
-          <p:cNvPr id="55" name="Google Shape;55;p13"/>
-          <p:cNvSpPr txBox="1"/>
+          <p:cNvPr id="3" name="Subtitle 2">
+            <a:extLst>
+              <a:ext uri="{FF2B5EF4-FFF2-40B4-BE49-F238E27FC236}">
+                <a16:creationId xmlns:a16="http://schemas.microsoft.com/office/drawing/2014/main" id="{A9C12A2B-8D26-1B1A-5A27-68F12CA702B6}"/>
+              </a:ext>
+            </a:extLst>
+          </p:cNvPr>
+          <p:cNvSpPr>
+            <a:spLocks noGrp="1"/>
+          </p:cNvSpPr>
           <p:nvPr>
-            <p:ph idx="1" type="subTitle"/>
+            <p:ph type="subTitle" idx="1"/>
           </p:nvPr>
         </p:nvSpPr>
-        <p:spPr>
-          <a:xfrm>
-            <a:off x="311700" y="2834125"/>
-            <a:ext cx="8520600" cy="792600"/>
-          </a:xfrm>
-          <a:prstGeom prst="rect">
-            <a:avLst/>
-          </a:prstGeom>
-        </p:spPr>
+        <p:spPr/>
         <p:txBody>
-          <a:bodyPr anchorCtr="0" anchor="t" bIns="91425" lIns="91425" spcFirstLastPara="1" rIns="91425" wrap="square" tIns="91425">
-            <a:noAutofit/>
-          </a:bodyPr>
+          <a:bodyPr/>
           <a:lstStyle/>
           <a:p>
-            <a:pPr indent="0" lvl="0" marL="0" rtl="0" algn="ctr">
-              <a:spcBef>
-                <a:spcPts val="0"/>
-              </a:spcBef>
-              <a:spcAft>
-                <a:spcPts val="0"/>
-              </a:spcAft>
-              <a:buNone/>
-            </a:pPr>
-            <a:r>
-              <a:rPr lang="en">
-                <a:solidFill>
-                  <a:srgbClr val="FFFFFF"/>
-                </a:solidFill>
-                <a:highlight>
-                  <a:srgbClr val="FF0000"/>
-                </a:highlight>
-              </a:rPr>
-              <a:t>MAKE A COPY!</a:t>
-            </a:r>
-            <a:r>
-              <a:rPr lang="en">
-                <a:highlight>
-                  <a:srgbClr val="FFFF00"/>
-                </a:highlight>
-              </a:rPr>
-              <a:t> DO NOT REQUEST EDIT ACCESS</a:t>
-            </a:r>
-            <a:endParaRPr>
-              <a:highlight>
-                <a:srgbClr val="FFFF00"/>
-              </a:highlight>
-            </a:endParaRPr>
+            <a:endParaRPr lang="en-US"/>
           </a:p>
         </p:txBody>
       </p:sp>
@@ -6143,11 +6371,11 @@
 </file>
 
 <file path=ppt/slides/slide2.xml><?xml version="1.0" encoding="utf-8"?>
-<p:sld xmlns:a="http://schemas.openxmlformats.org/drawingml/2006/main" xmlns:r="http://schemas.openxmlformats.org/officeDocument/2006/relationships" xmlns:mc="http://schemas.openxmlformats.org/markup-compatibility/2006" xmlns:mv="urn:schemas-microsoft-com:mac:vml" xmlns:p="http://schemas.openxmlformats.org/presentationml/2006/main" xmlns:c="http://schemas.openxmlformats.org/drawingml/2006/chart" xmlns:dgm="http://schemas.openxmlformats.org/drawingml/2006/diagram" xmlns:o="urn:schemas-microsoft-com:office:office" xmlns:v="urn:schemas-microsoft-com:vml" xmlns:pvml="urn:schemas-microsoft-com:office:powerpoint" xmlns:com="http://schemas.openxmlformats.org/drawingml/2006/compatibility" xmlns:p14="http://schemas.microsoft.com/office/powerpoint/2010/main" xmlns:p15="http://schemas.microsoft.com/office/powerpoint/2012/main" xmlns:ahyp="http://schemas.microsoft.com/office/drawing/2018/hyperlinkcolor">
+<p:sld xmlns:a="http://schemas.openxmlformats.org/drawingml/2006/main" xmlns:r="http://schemas.openxmlformats.org/officeDocument/2006/relationships" xmlns:p="http://schemas.openxmlformats.org/presentationml/2006/main">
   <p:cSld>
     <p:spTree>
       <p:nvGrpSpPr>
-        <p:cNvPr id="59" name="Shape 59"/>
+        <p:cNvPr id="1" name="Shape 59"/>
         <p:cNvGrpSpPr/>
         <p:nvPr/>
       </p:nvGrpSpPr>
@@ -6162,7 +6390,9 @@
       <p:sp>
         <p:nvSpPr>
           <p:cNvPr id="60" name="Google Shape;60;p14"/>
-          <p:cNvSpPr txBox="1"/>
+          <p:cNvSpPr txBox="1">
+            <a:spLocks noGrp="1"/>
+          </p:cNvSpPr>
           <p:nvPr>
             <p:ph type="title"/>
           </p:nvPr>
@@ -6177,12 +6407,12 @@
           </a:prstGeom>
         </p:spPr>
         <p:txBody>
-          <a:bodyPr anchorCtr="0" anchor="ctr" bIns="91425" lIns="91425" spcFirstLastPara="1" rIns="91425" wrap="square" tIns="91425">
+          <a:bodyPr spcFirstLastPara="1" wrap="square" lIns="91425" tIns="91425" rIns="91425" bIns="91425" anchor="ctr" anchorCtr="0">
             <a:noAutofit/>
           </a:bodyPr>
           <a:lstStyle/>
           <a:p>
-            <a:pPr indent="0" lvl="0" marL="0" rtl="0" algn="ctr">
+            <a:pPr marL="0" lvl="0" indent="0" algn="ctr" rtl="0">
               <a:spcBef>
                 <a:spcPts val="0"/>
               </a:spcBef>
@@ -6208,11 +6438,11 @@
 </file>
 
 <file path=ppt/slides/slide3.xml><?xml version="1.0" encoding="utf-8"?>
-<p:sld xmlns:a="http://schemas.openxmlformats.org/drawingml/2006/main" xmlns:r="http://schemas.openxmlformats.org/officeDocument/2006/relationships" xmlns:mc="http://schemas.openxmlformats.org/markup-compatibility/2006" xmlns:mv="urn:schemas-microsoft-com:mac:vml" xmlns:p="http://schemas.openxmlformats.org/presentationml/2006/main" xmlns:c="http://schemas.openxmlformats.org/drawingml/2006/chart" xmlns:dgm="http://schemas.openxmlformats.org/drawingml/2006/diagram" xmlns:o="urn:schemas-microsoft-com:office:office" xmlns:v="urn:schemas-microsoft-com:vml" xmlns:pvml="urn:schemas-microsoft-com:office:powerpoint" xmlns:com="http://schemas.openxmlformats.org/drawingml/2006/compatibility" xmlns:p14="http://schemas.microsoft.com/office/powerpoint/2010/main" xmlns:p15="http://schemas.microsoft.com/office/powerpoint/2012/main" xmlns:ahyp="http://schemas.microsoft.com/office/drawing/2018/hyperlinkcolor">
+<p:sld xmlns:a="http://schemas.openxmlformats.org/drawingml/2006/main" xmlns:r="http://schemas.openxmlformats.org/officeDocument/2006/relationships" xmlns:p="http://schemas.openxmlformats.org/presentationml/2006/main">
   <p:cSld>
     <p:spTree>
       <p:nvGrpSpPr>
-        <p:cNvPr id="64" name="Shape 64"/>
+        <p:cNvPr id="1" name="Shape 64"/>
         <p:cNvGrpSpPr/>
         <p:nvPr/>
       </p:nvGrpSpPr>
@@ -6227,7 +6457,9 @@
       <p:sp>
         <p:nvSpPr>
           <p:cNvPr id="65" name="Google Shape;65;p15"/>
-          <p:cNvSpPr txBox="1"/>
+          <p:cNvSpPr txBox="1">
+            <a:spLocks noGrp="1"/>
+          </p:cNvSpPr>
           <p:nvPr>
             <p:ph type="title"/>
           </p:nvPr>
@@ -6242,12 +6474,12 @@
           </a:prstGeom>
         </p:spPr>
         <p:txBody>
-          <a:bodyPr anchorCtr="0" anchor="t" bIns="91425" lIns="91425" spcFirstLastPara="1" rIns="91425" wrap="square" tIns="91425">
+          <a:bodyPr spcFirstLastPara="1" wrap="square" lIns="91425" tIns="91425" rIns="91425" bIns="91425" anchor="t" anchorCtr="0">
             <a:noAutofit/>
           </a:bodyPr>
           <a:lstStyle/>
           <a:p>
-            <a:pPr indent="0" lvl="0" marL="0" rtl="0" algn="l">
+            <a:pPr marL="0" lvl="0" indent="0" algn="l" rtl="0">
               <a:spcBef>
                 <a:spcPts val="0"/>
               </a:spcBef>
@@ -6267,9 +6499,11 @@
       <p:sp>
         <p:nvSpPr>
           <p:cNvPr id="66" name="Google Shape;66;p15"/>
-          <p:cNvSpPr txBox="1"/>
+          <p:cNvSpPr txBox="1">
+            <a:spLocks noGrp="1"/>
+          </p:cNvSpPr>
           <p:nvPr>
-            <p:ph idx="1" type="body"/>
+            <p:ph type="body" idx="1"/>
           </p:nvPr>
         </p:nvSpPr>
         <p:spPr>
@@ -6282,12 +6516,12 @@
           </a:prstGeom>
         </p:spPr>
         <p:txBody>
-          <a:bodyPr anchorCtr="0" anchor="t" bIns="91425" lIns="91425" spcFirstLastPara="1" rIns="91425" wrap="square" tIns="91425">
+          <a:bodyPr spcFirstLastPara="1" wrap="square" lIns="91425" tIns="91425" rIns="91425" bIns="91425" anchor="t" anchorCtr="0">
             <a:noAutofit/>
           </a:bodyPr>
           <a:lstStyle/>
           <a:p>
-            <a:pPr indent="-342900" lvl="0" marL="457200" rtl="0" algn="l">
+            <a:pPr marL="457200" lvl="0" indent="-342900" algn="l" rtl="0">
               <a:spcBef>
                 <a:spcPts val="0"/>
               </a:spcBef>
@@ -6298,30 +6532,32 @@
               <a:buChar char="●"/>
             </a:pPr>
             <a:r>
-              <a:rPr lang="en"/>
+              <a:rPr lang="en" dirty="0"/>
               <a:t>Description</a:t>
             </a:r>
-            <a:endParaRPr/>
-          </a:p>
-          <a:p>
-            <a:pPr indent="-342900" lvl="0" marL="457200" rtl="0" algn="l">
-              <a:spcBef>
-                <a:spcPts val="0"/>
-              </a:spcBef>
-              <a:spcAft>
-                <a:spcPts val="0"/>
-              </a:spcAft>
+          </a:p>
+          <a:p>
+            <a:pPr lvl="1" indent="-342900">
+              <a:spcBef>
+                <a:spcPts val="0"/>
+              </a:spcBef>
               <a:buSzPts val="1800"/>
               <a:buChar char="●"/>
             </a:pPr>
             <a:r>
-              <a:rPr lang="en"/>
-              <a:t>Motivation for development?</a:t>
+              <a:rPr lang="en-CA" sz="1800" b="0" i="0" u="none" strike="noStrike" dirty="0">
+                <a:solidFill>
+                  <a:srgbClr val="000000"/>
+                </a:solidFill>
+                <a:effectLst/>
+                <a:latin typeface="Arial" panose="020B0604020202020204" pitchFamily="34" charset="0"/>
+              </a:rPr>
+              <a:t>An application where users can input income and expense to track their budget</a:t>
             </a:r>
-            <a:endParaRPr/>
-          </a:p>
-          <a:p>
-            <a:pPr indent="-342900" lvl="0" marL="457200" rtl="0" algn="l">
+            <a:endParaRPr dirty="0"/>
+          </a:p>
+          <a:p>
+            <a:pPr marL="457200" lvl="0" indent="-342900" algn="l" rtl="0">
               <a:spcBef>
                 <a:spcPts val="0"/>
               </a:spcBef>
@@ -6332,10 +6568,102 @@
               <a:buChar char="●"/>
             </a:pPr>
             <a:r>
-              <a:rPr lang="en"/>
+              <a:rPr lang="en" dirty="0"/>
+              <a:t>Motivation for development?</a:t>
+            </a:r>
+          </a:p>
+          <a:p>
+            <a:pPr lvl="1" indent="-342900">
+              <a:spcBef>
+                <a:spcPts val="0"/>
+              </a:spcBef>
+              <a:buSzPts val="1800"/>
+              <a:buChar char="●"/>
+            </a:pPr>
+            <a:r>
+              <a:rPr lang="en-CA" dirty="0"/>
+              <a:t>To organize and monitor income and expenses to assist in future planning</a:t>
+            </a:r>
+            <a:endParaRPr dirty="0"/>
+          </a:p>
+          <a:p>
+            <a:pPr marL="457200" lvl="0" indent="-342900" algn="l" rtl="0">
+              <a:spcBef>
+                <a:spcPts val="0"/>
+              </a:spcBef>
+              <a:spcAft>
+                <a:spcPts val="0"/>
+              </a:spcAft>
+              <a:buSzPts val="1800"/>
+              <a:buChar char="●"/>
+            </a:pPr>
+            <a:r>
+              <a:rPr lang="en" dirty="0"/>
               <a:t>User story</a:t>
             </a:r>
-            <a:endParaRPr/>
+          </a:p>
+          <a:p>
+            <a:pPr lvl="1">
+              <a:spcBef>
+                <a:spcPts val="0"/>
+              </a:spcBef>
+            </a:pPr>
+            <a:r>
+              <a:rPr lang="en-CA" b="0" i="0" u="none" strike="noStrike" dirty="0">
+                <a:solidFill>
+                  <a:srgbClr val="000000"/>
+                </a:solidFill>
+                <a:effectLst/>
+                <a:latin typeface="Arial" panose="020B0604020202020204" pitchFamily="34" charset="0"/>
+              </a:rPr>
+              <a:t>AS A user, </a:t>
+            </a:r>
+            <a:endParaRPr lang="en-CA" b="0" dirty="0">
+              <a:effectLst/>
+            </a:endParaRPr>
+          </a:p>
+          <a:p>
+            <a:pPr lvl="1">
+              <a:spcBef>
+                <a:spcPts val="0"/>
+              </a:spcBef>
+            </a:pPr>
+            <a:r>
+              <a:rPr lang="en-CA" b="0" i="0" u="none" strike="noStrike" dirty="0">
+                <a:solidFill>
+                  <a:srgbClr val="000000"/>
+                </a:solidFill>
+                <a:effectLst/>
+                <a:latin typeface="Arial" panose="020B0604020202020204" pitchFamily="34" charset="0"/>
+              </a:rPr>
+              <a:t>I WANT to list my income and expenses</a:t>
+            </a:r>
+            <a:endParaRPr lang="en-CA" b="0" dirty="0">
+              <a:effectLst/>
+            </a:endParaRPr>
+          </a:p>
+          <a:p>
+            <a:pPr lvl="1">
+              <a:spcBef>
+                <a:spcPts val="0"/>
+              </a:spcBef>
+            </a:pPr>
+            <a:r>
+              <a:rPr lang="en-CA" b="0" i="0" u="none" strike="noStrike" dirty="0">
+                <a:solidFill>
+                  <a:srgbClr val="000000"/>
+                </a:solidFill>
+                <a:effectLst/>
+                <a:latin typeface="Arial" panose="020B0604020202020204" pitchFamily="34" charset="0"/>
+              </a:rPr>
+              <a:t>SO THAT I can track my budget</a:t>
+            </a:r>
+            <a:endParaRPr lang="en-CA" b="0" dirty="0">
+              <a:effectLst/>
+            </a:endParaRPr>
+          </a:p>
+          <a:p>
+            <a:endParaRPr dirty="0"/>
           </a:p>
         </p:txBody>
       </p:sp>
@@ -6348,11 +6676,11 @@
 </file>
 
 <file path=ppt/slides/slide4.xml><?xml version="1.0" encoding="utf-8"?>
-<p:sld xmlns:a="http://schemas.openxmlformats.org/drawingml/2006/main" xmlns:r="http://schemas.openxmlformats.org/officeDocument/2006/relationships" xmlns:mc="http://schemas.openxmlformats.org/markup-compatibility/2006" xmlns:mv="urn:schemas-microsoft-com:mac:vml" xmlns:p="http://schemas.openxmlformats.org/presentationml/2006/main" xmlns:c="http://schemas.openxmlformats.org/drawingml/2006/chart" xmlns:dgm="http://schemas.openxmlformats.org/drawingml/2006/diagram" xmlns:o="urn:schemas-microsoft-com:office:office" xmlns:v="urn:schemas-microsoft-com:vml" xmlns:pvml="urn:schemas-microsoft-com:office:powerpoint" xmlns:com="http://schemas.openxmlformats.org/drawingml/2006/compatibility" xmlns:p14="http://schemas.microsoft.com/office/powerpoint/2010/main" xmlns:p15="http://schemas.microsoft.com/office/powerpoint/2012/main" xmlns:ahyp="http://schemas.microsoft.com/office/drawing/2018/hyperlinkcolor">
+<p:sld xmlns:a="http://schemas.openxmlformats.org/drawingml/2006/main" xmlns:r="http://schemas.openxmlformats.org/officeDocument/2006/relationships" xmlns:p="http://schemas.openxmlformats.org/presentationml/2006/main">
   <p:cSld>
     <p:spTree>
       <p:nvGrpSpPr>
-        <p:cNvPr id="70" name="Shape 70"/>
+        <p:cNvPr id="1" name="Shape 70"/>
         <p:cNvGrpSpPr/>
         <p:nvPr/>
       </p:nvGrpSpPr>
@@ -6367,7 +6695,9 @@
       <p:sp>
         <p:nvSpPr>
           <p:cNvPr id="71" name="Google Shape;71;p16"/>
-          <p:cNvSpPr txBox="1"/>
+          <p:cNvSpPr txBox="1">
+            <a:spLocks noGrp="1"/>
+          </p:cNvSpPr>
           <p:nvPr>
             <p:ph type="title"/>
           </p:nvPr>
@@ -6382,12 +6712,12 @@
           </a:prstGeom>
         </p:spPr>
         <p:txBody>
-          <a:bodyPr anchorCtr="0" anchor="t" bIns="91425" lIns="91425" spcFirstLastPara="1" rIns="91425" wrap="square" tIns="91425">
+          <a:bodyPr spcFirstLastPara="1" wrap="square" lIns="91425" tIns="91425" rIns="91425" bIns="91425" anchor="t" anchorCtr="0">
             <a:noAutofit/>
           </a:bodyPr>
           <a:lstStyle/>
           <a:p>
-            <a:pPr indent="0" lvl="0" marL="0" rtl="0" algn="l">
+            <a:pPr marL="0" lvl="0" indent="0" algn="l" rtl="0">
               <a:spcBef>
                 <a:spcPts val="0"/>
               </a:spcBef>
@@ -6407,9 +6737,11 @@
       <p:sp>
         <p:nvSpPr>
           <p:cNvPr id="72" name="Google Shape;72;p16"/>
-          <p:cNvSpPr txBox="1"/>
+          <p:cNvSpPr txBox="1">
+            <a:spLocks noGrp="1"/>
+          </p:cNvSpPr>
           <p:nvPr>
-            <p:ph idx="1" type="body"/>
+            <p:ph type="body" idx="1"/>
           </p:nvPr>
         </p:nvSpPr>
         <p:spPr>
@@ -6422,12 +6754,12 @@
           </a:prstGeom>
         </p:spPr>
         <p:txBody>
-          <a:bodyPr anchorCtr="0" anchor="t" bIns="91425" lIns="91425" spcFirstLastPara="1" rIns="91425" wrap="square" tIns="91425">
+          <a:bodyPr spcFirstLastPara="1" wrap="square" lIns="91425" tIns="91425" rIns="91425" bIns="91425" anchor="t" anchorCtr="0">
             <a:noAutofit/>
           </a:bodyPr>
           <a:lstStyle/>
           <a:p>
-            <a:pPr indent="-342900" lvl="0" marL="457200" rtl="0" algn="l">
+            <a:pPr marL="457200" lvl="0" indent="-342900" algn="l" rtl="0">
               <a:spcBef>
                 <a:spcPts val="0"/>
               </a:spcBef>
@@ -6438,61 +6770,294 @@
               <a:buChar char="●"/>
             </a:pPr>
             <a:r>
-              <a:rPr lang="en"/>
+              <a:rPr lang="en" dirty="0"/>
               <a:t>Technologies used</a:t>
             </a:r>
-            <a:endParaRPr/>
-          </a:p>
-          <a:p>
-            <a:pPr indent="-342900" lvl="0" marL="457200" rtl="0" algn="l">
-              <a:spcBef>
-                <a:spcPts val="0"/>
-              </a:spcBef>
-              <a:spcAft>
-                <a:spcPts val="0"/>
-              </a:spcAft>
+          </a:p>
+          <a:p>
+            <a:pPr lvl="1" indent="-342900">
+              <a:spcBef>
+                <a:spcPts val="0"/>
+              </a:spcBef>
               <a:buSzPts val="1800"/>
               <a:buChar char="●"/>
             </a:pPr>
             <a:r>
-              <a:rPr lang="en"/>
-              <a:t>Breakdown of tasks and roles</a:t>
+              <a:rPr lang="en-CA" dirty="0"/>
+              <a:t>HTML</a:t>
             </a:r>
-            <a:endParaRPr/>
-          </a:p>
-          <a:p>
-            <a:pPr indent="-342900" lvl="0" marL="457200" rtl="0" algn="l">
-              <a:spcBef>
-                <a:spcPts val="0"/>
-              </a:spcBef>
-              <a:spcAft>
-                <a:spcPts val="0"/>
-              </a:spcAft>
+          </a:p>
+          <a:p>
+            <a:pPr lvl="1" indent="-342900">
+              <a:spcBef>
+                <a:spcPts val="0"/>
+              </a:spcBef>
               <a:buSzPts val="1800"/>
               <a:buChar char="●"/>
             </a:pPr>
             <a:r>
-              <a:rPr lang="en"/>
-              <a:t>Challenges</a:t>
+              <a:rPr lang="en-CA" dirty="0"/>
+              <a:t>CSS</a:t>
             </a:r>
-            <a:endParaRPr/>
-          </a:p>
-          <a:p>
-            <a:pPr indent="-342900" lvl="0" marL="457200" rtl="0" algn="l">
-              <a:spcBef>
-                <a:spcPts val="0"/>
-              </a:spcBef>
-              <a:spcAft>
-                <a:spcPts val="0"/>
-              </a:spcAft>
+          </a:p>
+          <a:p>
+            <a:pPr lvl="1" indent="-342900">
+              <a:spcBef>
+                <a:spcPts val="0"/>
+              </a:spcBef>
               <a:buSzPts val="1800"/>
               <a:buChar char="●"/>
             </a:pPr>
             <a:r>
-              <a:rPr lang="en"/>
-              <a:t>Successes</a:t>
+              <a:rPr lang="en-CA" dirty="0"/>
+              <a:t>JS</a:t>
             </a:r>
-            <a:endParaRPr/>
+          </a:p>
+          <a:p>
+            <a:pPr lvl="1" indent="-342900">
+              <a:spcBef>
+                <a:spcPts val="0"/>
+              </a:spcBef>
+              <a:buSzPts val="1800"/>
+              <a:buChar char="●"/>
+            </a:pPr>
+            <a:r>
+              <a:rPr lang="en-CA" dirty="0"/>
+              <a:t>APIs</a:t>
+            </a:r>
+          </a:p>
+          <a:p>
+            <a:pPr lvl="2" indent="-342900">
+              <a:spcBef>
+                <a:spcPts val="0"/>
+              </a:spcBef>
+              <a:buSzPts val="1800"/>
+              <a:buChar char="●"/>
+            </a:pPr>
+            <a:r>
+              <a:rPr lang="en-CA" dirty="0" err="1"/>
+              <a:t>AdviceSlip</a:t>
+            </a:r>
+            <a:r>
+              <a:rPr lang="en-CA" dirty="0"/>
+              <a:t> API</a:t>
+            </a:r>
+          </a:p>
+          <a:p>
+            <a:pPr lvl="2" indent="-342900">
+              <a:spcBef>
+                <a:spcPts val="0"/>
+              </a:spcBef>
+              <a:buSzPts val="1800"/>
+              <a:buChar char="●"/>
+            </a:pPr>
+            <a:r>
+              <a:rPr lang="en-CA" dirty="0"/>
+              <a:t>NBP Web API</a:t>
+            </a:r>
+            <a:endParaRPr dirty="0"/>
+          </a:p>
+          <a:p>
+            <a:pPr marL="457200" lvl="0" indent="-342900" algn="l" rtl="0">
+              <a:spcBef>
+                <a:spcPts val="0"/>
+              </a:spcBef>
+              <a:spcAft>
+                <a:spcPts val="0"/>
+              </a:spcAft>
+              <a:buSzPts val="1800"/>
+              <a:buChar char="●"/>
+            </a:pPr>
+            <a:r>
+              <a:rPr lang="en" dirty="0"/>
+              <a:t>Breakdown of tasks and roles</a:t>
+            </a:r>
+          </a:p>
+          <a:p>
+            <a:pPr lvl="1" fontAlgn="base">
+              <a:spcBef>
+                <a:spcPts val="0"/>
+              </a:spcBef>
+              <a:buFont typeface="Arial" panose="020B0604020202020204" pitchFamily="34" charset="0"/>
+              <a:buChar char="•"/>
+            </a:pPr>
+            <a:r>
+              <a:rPr lang="en-CA" b="0" i="0" u="none" strike="noStrike" dirty="0">
+                <a:solidFill>
+                  <a:srgbClr val="000000"/>
+                </a:solidFill>
+                <a:effectLst/>
+                <a:latin typeface="Arial" panose="020B0604020202020204" pitchFamily="34" charset="0"/>
+              </a:rPr>
+              <a:t>UI Design - </a:t>
+            </a:r>
+            <a:r>
+              <a:rPr lang="en-CA" b="0" i="0" u="none" strike="noStrike" dirty="0" err="1">
+                <a:solidFill>
+                  <a:srgbClr val="000000"/>
+                </a:solidFill>
+                <a:effectLst/>
+                <a:latin typeface="Arial" panose="020B0604020202020204" pitchFamily="34" charset="0"/>
+              </a:rPr>
+              <a:t>Vimo</a:t>
+            </a:r>
+            <a:endParaRPr lang="en-CA" b="0" i="0" u="none" strike="noStrike" dirty="0">
+              <a:solidFill>
+                <a:srgbClr val="000000"/>
+              </a:solidFill>
+              <a:effectLst/>
+              <a:latin typeface="Arial" panose="020B0604020202020204" pitchFamily="34" charset="0"/>
+            </a:endParaRPr>
+          </a:p>
+          <a:p>
+            <a:pPr lvl="1" fontAlgn="base">
+              <a:spcBef>
+                <a:spcPts val="0"/>
+              </a:spcBef>
+              <a:buFont typeface="Arial" panose="020B0604020202020204" pitchFamily="34" charset="0"/>
+              <a:buChar char="•"/>
+            </a:pPr>
+            <a:r>
+              <a:rPr lang="en-CA" b="0" i="0" u="none" strike="noStrike" dirty="0" err="1">
+                <a:solidFill>
+                  <a:srgbClr val="000000"/>
+                </a:solidFill>
+                <a:effectLst/>
+                <a:latin typeface="Arial" panose="020B0604020202020204" pitchFamily="34" charset="0"/>
+              </a:rPr>
+              <a:t>DayJS</a:t>
+            </a:r>
+            <a:r>
+              <a:rPr lang="en-CA" b="0" i="0" u="none" strike="noStrike" dirty="0">
+                <a:solidFill>
+                  <a:srgbClr val="000000"/>
+                </a:solidFill>
+                <a:effectLst/>
+                <a:latin typeface="Arial" panose="020B0604020202020204" pitchFamily="34" charset="0"/>
+              </a:rPr>
+              <a:t> - </a:t>
+            </a:r>
+            <a:r>
+              <a:rPr lang="en-CA" b="0" i="0" u="none" strike="noStrike" dirty="0" err="1">
+                <a:solidFill>
+                  <a:srgbClr val="000000"/>
+                </a:solidFill>
+                <a:effectLst/>
+                <a:latin typeface="Arial" panose="020B0604020202020204" pitchFamily="34" charset="0"/>
+              </a:rPr>
+              <a:t>Ravneet</a:t>
+            </a:r>
+            <a:endParaRPr lang="en-CA" b="0" i="0" u="none" strike="noStrike" dirty="0">
+              <a:solidFill>
+                <a:srgbClr val="000000"/>
+              </a:solidFill>
+              <a:effectLst/>
+              <a:latin typeface="Arial" panose="020B0604020202020204" pitchFamily="34" charset="0"/>
+            </a:endParaRPr>
+          </a:p>
+          <a:p>
+            <a:pPr lvl="1" fontAlgn="base">
+              <a:spcBef>
+                <a:spcPts val="0"/>
+              </a:spcBef>
+              <a:buFont typeface="Arial" panose="020B0604020202020204" pitchFamily="34" charset="0"/>
+              <a:buChar char="•"/>
+            </a:pPr>
+            <a:r>
+              <a:rPr lang="en-CA" b="0" i="0" u="none" strike="noStrike" dirty="0" err="1">
+                <a:solidFill>
+                  <a:srgbClr val="000000"/>
+                </a:solidFill>
+                <a:effectLst/>
+                <a:latin typeface="Arial" panose="020B0604020202020204" pitchFamily="34" charset="0"/>
+              </a:rPr>
+              <a:t>AdviceSlip</a:t>
+            </a:r>
+            <a:r>
+              <a:rPr lang="en-CA" b="0" i="0" u="none" strike="noStrike" dirty="0">
+                <a:solidFill>
+                  <a:srgbClr val="000000"/>
+                </a:solidFill>
+                <a:effectLst/>
+                <a:latin typeface="Arial" panose="020B0604020202020204" pitchFamily="34" charset="0"/>
+              </a:rPr>
+              <a:t> - Together</a:t>
+            </a:r>
+          </a:p>
+          <a:p>
+            <a:pPr lvl="1" fontAlgn="base">
+              <a:spcBef>
+                <a:spcPts val="0"/>
+              </a:spcBef>
+              <a:buFont typeface="Arial" panose="020B0604020202020204" pitchFamily="34" charset="0"/>
+              <a:buChar char="•"/>
+            </a:pPr>
+            <a:r>
+              <a:rPr lang="en-CA" b="0" i="0" u="none" strike="noStrike" dirty="0">
+                <a:solidFill>
+                  <a:srgbClr val="000000"/>
+                </a:solidFill>
+                <a:effectLst/>
+                <a:latin typeface="Arial" panose="020B0604020202020204" pitchFamily="34" charset="0"/>
+              </a:rPr>
+              <a:t>Input Section - Cezar</a:t>
+            </a:r>
+          </a:p>
+          <a:p>
+            <a:pPr lvl="1" fontAlgn="base">
+              <a:spcBef>
+                <a:spcPts val="0"/>
+              </a:spcBef>
+              <a:buFont typeface="Arial" panose="020B0604020202020204" pitchFamily="34" charset="0"/>
+              <a:buChar char="•"/>
+            </a:pPr>
+            <a:r>
+              <a:rPr lang="en-CA" b="0" i="0" u="none" strike="noStrike" dirty="0">
+                <a:solidFill>
+                  <a:srgbClr val="000000"/>
+                </a:solidFill>
+                <a:effectLst/>
+                <a:latin typeface="Arial" panose="020B0604020202020204" pitchFamily="34" charset="0"/>
+              </a:rPr>
+              <a:t>Table Section + Total - </a:t>
+            </a:r>
+            <a:r>
+              <a:rPr lang="en-CA" b="0" i="0" u="none" strike="noStrike" dirty="0" err="1">
+                <a:solidFill>
+                  <a:srgbClr val="000000"/>
+                </a:solidFill>
+                <a:effectLst/>
+                <a:latin typeface="Arial" panose="020B0604020202020204" pitchFamily="34" charset="0"/>
+              </a:rPr>
+              <a:t>Ravneet</a:t>
+            </a:r>
+            <a:endParaRPr lang="en-CA" b="0" i="0" u="none" strike="noStrike" dirty="0">
+              <a:solidFill>
+                <a:srgbClr val="000000"/>
+              </a:solidFill>
+              <a:effectLst/>
+              <a:latin typeface="Arial" panose="020B0604020202020204" pitchFamily="34" charset="0"/>
+            </a:endParaRPr>
+          </a:p>
+          <a:p>
+            <a:pPr lvl="1" fontAlgn="base">
+              <a:spcBef>
+                <a:spcPts val="0"/>
+              </a:spcBef>
+              <a:buFont typeface="Arial" panose="020B0604020202020204" pitchFamily="34" charset="0"/>
+              <a:buChar char="•"/>
+            </a:pPr>
+            <a:r>
+              <a:rPr lang="en-CA" b="0" i="0" u="none" strike="noStrike" dirty="0">
+                <a:solidFill>
+                  <a:srgbClr val="000000"/>
+                </a:solidFill>
+                <a:effectLst/>
+                <a:latin typeface="Arial" panose="020B0604020202020204" pitchFamily="34" charset="0"/>
+              </a:rPr>
+              <a:t>Forex - Elaine</a:t>
+            </a:r>
+            <a:endParaRPr dirty="0"/>
           </a:p>
         </p:txBody>
       </p:sp>
@@ -6505,11 +7070,169 @@
 </file>
 
 <file path=ppt/slides/slide5.xml><?xml version="1.0" encoding="utf-8"?>
-<p:sld xmlns:a="http://schemas.openxmlformats.org/drawingml/2006/main" xmlns:r="http://schemas.openxmlformats.org/officeDocument/2006/relationships" xmlns:mc="http://schemas.openxmlformats.org/markup-compatibility/2006" xmlns:mv="urn:schemas-microsoft-com:mac:vml" xmlns:p="http://schemas.openxmlformats.org/presentationml/2006/main" xmlns:c="http://schemas.openxmlformats.org/drawingml/2006/chart" xmlns:dgm="http://schemas.openxmlformats.org/drawingml/2006/diagram" xmlns:o="urn:schemas-microsoft-com:office:office" xmlns:v="urn:schemas-microsoft-com:vml" xmlns:pvml="urn:schemas-microsoft-com:office:powerpoint" xmlns:com="http://schemas.openxmlformats.org/drawingml/2006/compatibility" xmlns:p14="http://schemas.microsoft.com/office/powerpoint/2010/main" xmlns:p15="http://schemas.microsoft.com/office/powerpoint/2012/main" xmlns:ahyp="http://schemas.microsoft.com/office/drawing/2018/hyperlinkcolor">
+<p:sld xmlns:a="http://schemas.openxmlformats.org/drawingml/2006/main" xmlns:r="http://schemas.openxmlformats.org/officeDocument/2006/relationships" xmlns:p="http://schemas.openxmlformats.org/presentationml/2006/main">
   <p:cSld>
     <p:spTree>
       <p:nvGrpSpPr>
-        <p:cNvPr id="76" name="Shape 76"/>
+        <p:cNvPr id="1" name="Shape 70"/>
+        <p:cNvGrpSpPr/>
+        <p:nvPr/>
+      </p:nvGrpSpPr>
+      <p:grpSpPr>
+        <a:xfrm>
+          <a:off x="0" y="0"/>
+          <a:ext cx="0" cy="0"/>
+          <a:chOff x="0" y="0"/>
+          <a:chExt cx="0" cy="0"/>
+        </a:xfrm>
+      </p:grpSpPr>
+      <p:sp>
+        <p:nvSpPr>
+          <p:cNvPr id="71" name="Google Shape;71;p16"/>
+          <p:cNvSpPr txBox="1">
+            <a:spLocks noGrp="1"/>
+          </p:cNvSpPr>
+          <p:nvPr>
+            <p:ph type="title"/>
+          </p:nvPr>
+        </p:nvSpPr>
+        <p:spPr>
+          <a:xfrm>
+            <a:off x="311700" y="445025"/>
+            <a:ext cx="8520600" cy="572700"/>
+          </a:xfrm>
+          <a:prstGeom prst="rect">
+            <a:avLst/>
+          </a:prstGeom>
+        </p:spPr>
+        <p:txBody>
+          <a:bodyPr spcFirstLastPara="1" wrap="square" lIns="91425" tIns="91425" rIns="91425" bIns="91425" anchor="t" anchorCtr="0">
+            <a:noAutofit/>
+          </a:bodyPr>
+          <a:lstStyle/>
+          <a:p>
+            <a:pPr marL="0" lvl="0" indent="0" algn="l" rtl="0">
+              <a:spcBef>
+                <a:spcPts val="0"/>
+              </a:spcBef>
+              <a:spcAft>
+                <a:spcPts val="0"/>
+              </a:spcAft>
+              <a:buNone/>
+            </a:pPr>
+            <a:r>
+              <a:rPr lang="en"/>
+              <a:t>Process</a:t>
+            </a:r>
+            <a:endParaRPr/>
+          </a:p>
+        </p:txBody>
+      </p:sp>
+      <p:sp>
+        <p:nvSpPr>
+          <p:cNvPr id="72" name="Google Shape;72;p16"/>
+          <p:cNvSpPr txBox="1">
+            <a:spLocks noGrp="1"/>
+          </p:cNvSpPr>
+          <p:nvPr>
+            <p:ph type="body" idx="1"/>
+          </p:nvPr>
+        </p:nvSpPr>
+        <p:spPr>
+          <a:xfrm>
+            <a:off x="311700" y="1152475"/>
+            <a:ext cx="8520600" cy="3416400"/>
+          </a:xfrm>
+          <a:prstGeom prst="rect">
+            <a:avLst/>
+          </a:prstGeom>
+        </p:spPr>
+        <p:txBody>
+          <a:bodyPr spcFirstLastPara="1" wrap="square" lIns="91425" tIns="91425" rIns="91425" bIns="91425" anchor="t" anchorCtr="0">
+            <a:noAutofit/>
+          </a:bodyPr>
+          <a:lstStyle/>
+          <a:p>
+            <a:pPr marL="457200" lvl="0" indent="-342900" algn="l" rtl="0">
+              <a:spcBef>
+                <a:spcPts val="0"/>
+              </a:spcBef>
+              <a:spcAft>
+                <a:spcPts val="0"/>
+              </a:spcAft>
+              <a:buSzPts val="1800"/>
+              <a:buChar char="●"/>
+            </a:pPr>
+            <a:r>
+              <a:rPr lang="en" dirty="0"/>
+              <a:t>Challenges</a:t>
+            </a:r>
+          </a:p>
+          <a:p>
+            <a:pPr lvl="1" indent="-342900">
+              <a:spcBef>
+                <a:spcPts val="0"/>
+              </a:spcBef>
+              <a:buSzPts val="1800"/>
+              <a:buChar char="●"/>
+            </a:pPr>
+            <a:r>
+              <a:rPr lang="en" dirty="0"/>
+              <a:t>Searching for forex API that is free</a:t>
+            </a:r>
+            <a:endParaRPr dirty="0"/>
+          </a:p>
+          <a:p>
+            <a:pPr marL="457200" lvl="0" indent="-342900" algn="l" rtl="0">
+              <a:spcBef>
+                <a:spcPts val="0"/>
+              </a:spcBef>
+              <a:spcAft>
+                <a:spcPts val="0"/>
+              </a:spcAft>
+              <a:buSzPts val="1800"/>
+              <a:buChar char="●"/>
+            </a:pPr>
+            <a:r>
+              <a:rPr lang="en" dirty="0"/>
+              <a:t>Successes</a:t>
+            </a:r>
+          </a:p>
+          <a:p>
+            <a:pPr lvl="1" indent="-342900">
+              <a:spcBef>
+                <a:spcPts val="0"/>
+              </a:spcBef>
+              <a:buSzPts val="1800"/>
+              <a:buChar char="●"/>
+            </a:pPr>
+            <a:r>
+              <a:rPr lang="en-CA" dirty="0"/>
+              <a:t>Finding a free forex API!</a:t>
+            </a:r>
+            <a:endParaRPr dirty="0"/>
+          </a:p>
+        </p:txBody>
+      </p:sp>
+    </p:spTree>
+    <p:extLst>
+      <p:ext uri="{BB962C8B-B14F-4D97-AF65-F5344CB8AC3E}">
+        <p14:creationId xmlns:p14="http://schemas.microsoft.com/office/powerpoint/2010/main" val="1577560567"/>
+      </p:ext>
+    </p:extLst>
+  </p:cSld>
+  <p:clrMapOvr>
+    <a:masterClrMapping/>
+  </p:clrMapOvr>
+</p:sld>
+</file>
+
+<file path=ppt/slides/slide6.xml><?xml version="1.0" encoding="utf-8"?>
+<p:sld xmlns:a="http://schemas.openxmlformats.org/drawingml/2006/main" xmlns:r="http://schemas.openxmlformats.org/officeDocument/2006/relationships" xmlns:p="http://schemas.openxmlformats.org/presentationml/2006/main">
+  <p:cSld>
+    <p:spTree>
+      <p:nvGrpSpPr>
+        <p:cNvPr id="1" name="Shape 76"/>
         <p:cNvGrpSpPr/>
         <p:nvPr/>
       </p:nvGrpSpPr>
@@ -6524,7 +7247,9 @@
       <p:sp>
         <p:nvSpPr>
           <p:cNvPr id="77" name="Google Shape;77;p17"/>
-          <p:cNvSpPr txBox="1"/>
+          <p:cNvSpPr txBox="1">
+            <a:spLocks noGrp="1"/>
+          </p:cNvSpPr>
           <p:nvPr>
             <p:ph type="title"/>
           </p:nvPr>
@@ -6539,12 +7264,12 @@
           </a:prstGeom>
         </p:spPr>
         <p:txBody>
-          <a:bodyPr anchorCtr="0" anchor="ctr" bIns="91425" lIns="91425" spcFirstLastPara="1" rIns="91425" wrap="square" tIns="91425">
+          <a:bodyPr spcFirstLastPara="1" wrap="square" lIns="91425" tIns="91425" rIns="91425" bIns="91425" anchor="ctr" anchorCtr="0">
             <a:noAutofit/>
           </a:bodyPr>
           <a:lstStyle/>
           <a:p>
-            <a:pPr indent="0" lvl="0" marL="0" rtl="0" algn="ctr">
+            <a:pPr marL="0" lvl="0" indent="0" algn="ctr" rtl="0">
               <a:spcBef>
                 <a:spcPts val="0"/>
               </a:spcBef>
@@ -6569,12 +7294,12 @@
 </p:sld>
 </file>
 
-<file path=ppt/slides/slide6.xml><?xml version="1.0" encoding="utf-8"?>
-<p:sld xmlns:a="http://schemas.openxmlformats.org/drawingml/2006/main" xmlns:r="http://schemas.openxmlformats.org/officeDocument/2006/relationships" xmlns:mc="http://schemas.openxmlformats.org/markup-compatibility/2006" xmlns:mv="urn:schemas-microsoft-com:mac:vml" xmlns:p="http://schemas.openxmlformats.org/presentationml/2006/main" xmlns:c="http://schemas.openxmlformats.org/drawingml/2006/chart" xmlns:dgm="http://schemas.openxmlformats.org/drawingml/2006/diagram" xmlns:o="urn:schemas-microsoft-com:office:office" xmlns:v="urn:schemas-microsoft-com:vml" xmlns:pvml="urn:schemas-microsoft-com:office:powerpoint" xmlns:com="http://schemas.openxmlformats.org/drawingml/2006/compatibility" xmlns:p14="http://schemas.microsoft.com/office/powerpoint/2010/main" xmlns:p15="http://schemas.microsoft.com/office/powerpoint/2012/main" xmlns:ahyp="http://schemas.microsoft.com/office/drawing/2018/hyperlinkcolor">
+<file path=ppt/slides/slide7.xml><?xml version="1.0" encoding="utf-8"?>
+<p:sld xmlns:a="http://schemas.openxmlformats.org/drawingml/2006/main" xmlns:r="http://schemas.openxmlformats.org/officeDocument/2006/relationships" xmlns:p="http://schemas.openxmlformats.org/presentationml/2006/main">
   <p:cSld>
     <p:spTree>
       <p:nvGrpSpPr>
-        <p:cNvPr id="81" name="Shape 81"/>
+        <p:cNvPr id="1" name="Shape 81"/>
         <p:cNvGrpSpPr/>
         <p:nvPr/>
       </p:nvGrpSpPr>
@@ -6589,7 +7314,9 @@
       <p:sp>
         <p:nvSpPr>
           <p:cNvPr id="82" name="Google Shape;82;p18"/>
-          <p:cNvSpPr txBox="1"/>
+          <p:cNvSpPr txBox="1">
+            <a:spLocks noGrp="1"/>
+          </p:cNvSpPr>
           <p:nvPr>
             <p:ph type="title"/>
           </p:nvPr>
@@ -6604,12 +7331,12 @@
           </a:prstGeom>
         </p:spPr>
         <p:txBody>
-          <a:bodyPr anchorCtr="0" anchor="t" bIns="91425" lIns="91425" spcFirstLastPara="1" rIns="91425" wrap="square" tIns="91425">
+          <a:bodyPr spcFirstLastPara="1" wrap="square" lIns="91425" tIns="91425" rIns="91425" bIns="91425" anchor="t" anchorCtr="0">
             <a:noAutofit/>
           </a:bodyPr>
           <a:lstStyle/>
           <a:p>
-            <a:pPr indent="0" lvl="0" marL="0" rtl="0" algn="l">
+            <a:pPr marL="0" lvl="0" indent="0" algn="l" rtl="0">
               <a:spcBef>
                 <a:spcPts val="0"/>
               </a:spcBef>
@@ -6629,9 +7356,11 @@
       <p:sp>
         <p:nvSpPr>
           <p:cNvPr id="83" name="Google Shape;83;p18"/>
-          <p:cNvSpPr txBox="1"/>
+          <p:cNvSpPr txBox="1">
+            <a:spLocks noGrp="1"/>
+          </p:cNvSpPr>
           <p:nvPr>
-            <p:ph idx="1" type="body"/>
+            <p:ph type="body" idx="1"/>
           </p:nvPr>
         </p:nvSpPr>
         <p:spPr>
@@ -6644,24 +7373,21 @@
           </a:prstGeom>
         </p:spPr>
         <p:txBody>
-          <a:bodyPr anchorCtr="0" anchor="t" bIns="91425" lIns="91425" spcFirstLastPara="1" rIns="91425" wrap="square" tIns="91425">
+          <a:bodyPr spcFirstLastPara="1" wrap="square" lIns="91425" tIns="91425" rIns="91425" bIns="91425" anchor="t" anchorCtr="0">
             <a:noAutofit/>
           </a:bodyPr>
           <a:lstStyle/>
           <a:p>
-            <a:pPr indent="0" lvl="0" marL="0" rtl="0" algn="l">
-              <a:spcBef>
-                <a:spcPts val="0"/>
-              </a:spcBef>
+            <a:pPr marL="285750" indent="-285750">
               <a:spcAft>
                 <a:spcPts val="1600"/>
               </a:spcAft>
-              <a:buNone/>
             </a:pPr>
             <a:r>
-              <a:t/>
+              <a:rPr lang="en-CA" dirty="0"/>
+              <a:t>Chart JS for income and expense visualization</a:t>
             </a:r>
-            <a:endParaRPr/>
+            <a:endParaRPr dirty="0"/>
           </a:p>
         </p:txBody>
       </p:sp>
@@ -6673,12 +7399,12 @@
 </p:sld>
 </file>
 
-<file path=ppt/slides/slide7.xml><?xml version="1.0" encoding="utf-8"?>
-<p:sld xmlns:a="http://schemas.openxmlformats.org/drawingml/2006/main" xmlns:r="http://schemas.openxmlformats.org/officeDocument/2006/relationships" xmlns:mc="http://schemas.openxmlformats.org/markup-compatibility/2006" xmlns:mv="urn:schemas-microsoft-com:mac:vml" xmlns:p="http://schemas.openxmlformats.org/presentationml/2006/main" xmlns:c="http://schemas.openxmlformats.org/drawingml/2006/chart" xmlns:dgm="http://schemas.openxmlformats.org/drawingml/2006/diagram" xmlns:o="urn:schemas-microsoft-com:office:office" xmlns:v="urn:schemas-microsoft-com:vml" xmlns:pvml="urn:schemas-microsoft-com:office:powerpoint" xmlns:com="http://schemas.openxmlformats.org/drawingml/2006/compatibility" xmlns:p14="http://schemas.microsoft.com/office/powerpoint/2010/main" xmlns:p15="http://schemas.microsoft.com/office/powerpoint/2012/main" xmlns:ahyp="http://schemas.microsoft.com/office/drawing/2018/hyperlinkcolor">
+<file path=ppt/slides/slide8.xml><?xml version="1.0" encoding="utf-8"?>
+<p:sld xmlns:a="http://schemas.openxmlformats.org/drawingml/2006/main" xmlns:r="http://schemas.openxmlformats.org/officeDocument/2006/relationships" xmlns:p="http://schemas.openxmlformats.org/presentationml/2006/main">
   <p:cSld>
     <p:spTree>
       <p:nvGrpSpPr>
-        <p:cNvPr id="87" name="Shape 87"/>
+        <p:cNvPr id="1" name="Shape 87"/>
         <p:cNvGrpSpPr/>
         <p:nvPr/>
       </p:nvGrpSpPr>
@@ -6693,7 +7419,9 @@
       <p:sp>
         <p:nvSpPr>
           <p:cNvPr id="88" name="Google Shape;88;p19"/>
-          <p:cNvSpPr txBox="1"/>
+          <p:cNvSpPr txBox="1">
+            <a:spLocks noGrp="1"/>
+          </p:cNvSpPr>
           <p:nvPr>
             <p:ph type="title"/>
           </p:nvPr>
@@ -6708,12 +7436,12 @@
           </a:prstGeom>
         </p:spPr>
         <p:txBody>
-          <a:bodyPr anchorCtr="0" anchor="t" bIns="91425" lIns="91425" spcFirstLastPara="1" rIns="91425" wrap="square" tIns="91425">
+          <a:bodyPr spcFirstLastPara="1" wrap="square" lIns="91425" tIns="91425" rIns="91425" bIns="91425" anchor="t" anchorCtr="0">
             <a:noAutofit/>
           </a:bodyPr>
           <a:lstStyle/>
           <a:p>
-            <a:pPr indent="0" lvl="0" marL="0" rtl="0" algn="l">
+            <a:pPr marL="0" lvl="0" indent="0" algn="l" rtl="0">
               <a:spcBef>
                 <a:spcPts val="0"/>
               </a:spcBef>
@@ -6733,9 +7461,11 @@
       <p:sp>
         <p:nvSpPr>
           <p:cNvPr id="89" name="Google Shape;89;p19"/>
-          <p:cNvSpPr txBox="1"/>
+          <p:cNvSpPr txBox="1">
+            <a:spLocks noGrp="1"/>
+          </p:cNvSpPr>
           <p:nvPr>
-            <p:ph idx="1" type="body"/>
+            <p:ph type="body" idx="1"/>
           </p:nvPr>
         </p:nvSpPr>
         <p:spPr>
@@ -6748,12 +7478,12 @@
           </a:prstGeom>
         </p:spPr>
         <p:txBody>
-          <a:bodyPr anchorCtr="0" anchor="t" bIns="91425" lIns="91425" spcFirstLastPara="1" rIns="91425" wrap="square" tIns="91425">
+          <a:bodyPr spcFirstLastPara="1" wrap="square" lIns="91425" tIns="91425" rIns="91425" bIns="91425" anchor="t" anchorCtr="0">
             <a:noAutofit/>
           </a:bodyPr>
           <a:lstStyle/>
           <a:p>
-            <a:pPr indent="-342900" lvl="0" marL="457200" rtl="0" algn="l">
+            <a:pPr marL="457200" lvl="0" indent="-342900" algn="l" rtl="0">
               <a:spcBef>
                 <a:spcPts val="0"/>
               </a:spcBef>
@@ -6764,27 +7494,69 @@
               <a:buChar char="●"/>
             </a:pPr>
             <a:r>
-              <a:rPr lang="en"/>
+              <a:rPr lang="en" dirty="0"/>
               <a:t>Deployed</a:t>
             </a:r>
-            <a:endParaRPr/>
-          </a:p>
-          <a:p>
-            <a:pPr indent="-342900" lvl="0" marL="457200" rtl="0" algn="l">
-              <a:spcBef>
-                <a:spcPts val="0"/>
-              </a:spcBef>
-              <a:spcAft>
-                <a:spcPts val="0"/>
-              </a:spcAft>
+          </a:p>
+          <a:p>
+            <a:pPr lvl="1" indent="-342900">
+              <a:spcBef>
+                <a:spcPts val="0"/>
+              </a:spcBef>
               <a:buSzPts val="1800"/>
               <a:buChar char="●"/>
             </a:pPr>
             <a:r>
-              <a:rPr lang="en"/>
+              <a:rPr lang="en-CA" b="0" i="0" u="sng" dirty="0">
+                <a:effectLst/>
+                <a:latin typeface="Slack-Lato"/>
+                <a:hlinkClick r:id="rId3"/>
+              </a:rPr>
+              <a:t>https://cdennis27.github.io/budgettrackergroup2/</a:t>
+            </a:r>
+            <a:endParaRPr dirty="0"/>
+          </a:p>
+          <a:p>
+            <a:pPr marL="457200" lvl="0" indent="-342900" algn="l" rtl="0">
+              <a:spcBef>
+                <a:spcPts val="0"/>
+              </a:spcBef>
+              <a:spcAft>
+                <a:spcPts val="0"/>
+              </a:spcAft>
+              <a:buSzPts val="1800"/>
+              <a:buChar char="●"/>
+            </a:pPr>
+            <a:r>
+              <a:rPr lang="en" dirty="0"/>
               <a:t>GitHub repo</a:t>
             </a:r>
-            <a:endParaRPr/>
+          </a:p>
+          <a:p>
+            <a:pPr lvl="1" indent="-342900">
+              <a:spcBef>
+                <a:spcPts val="0"/>
+              </a:spcBef>
+              <a:buSzPts val="1800"/>
+              <a:buChar char="●"/>
+            </a:pPr>
+            <a:r>
+              <a:rPr lang="en-CA" dirty="0">
+                <a:hlinkClick r:id="rId4"/>
+              </a:rPr>
+              <a:t>https://github.com/cdennis27/budgettrackergroup2</a:t>
+            </a:r>
+            <a:endParaRPr lang="en" dirty="0"/>
+          </a:p>
+          <a:p>
+            <a:pPr marL="571500" lvl="1" indent="0">
+              <a:spcBef>
+                <a:spcPts val="0"/>
+              </a:spcBef>
+              <a:buSzPts val="1800"/>
+              <a:buNone/>
+            </a:pPr>
+            <a:endParaRPr dirty="0"/>
           </a:p>
         </p:txBody>
       </p:sp>
@@ -6797,7 +7569,7 @@
 </file>
 
 <file path=ppt/theme/theme1.xml><?xml version="1.0" encoding="utf-8"?>
-<a:theme xmlns:a="http://schemas.openxmlformats.org/drawingml/2006/main" xmlns:r="http://schemas.openxmlformats.org/officeDocument/2006/relationships" name="Simple Light">
+<a:theme xmlns:a="http://schemas.openxmlformats.org/drawingml/2006/main" name="Simple Light">
   <a:themeElements>
     <a:clrScheme name="Simple Light">
       <a:dk1>
@@ -7072,11 +7844,13 @@
       </a:bgFillStyleLst>
     </a:fmtScheme>
   </a:themeElements>
+  <a:objectDefaults/>
+  <a:extraClrSchemeLst/>
 </a:theme>
 </file>
 
 <file path=ppt/theme/theme2.xml><?xml version="1.0" encoding="utf-8"?>
-<a:theme xmlns:a="http://schemas.openxmlformats.org/drawingml/2006/main" xmlns:r="http://schemas.openxmlformats.org/officeDocument/2006/relationships">
+<a:theme xmlns:a="http://schemas.openxmlformats.org/drawingml/2006/main">
   <a:themeElements>
     <a:clrScheme name="Default">
       <a:dk1>
@@ -7351,5 +8125,7 @@
       </a:bgFillStyleLst>
     </a:fmtScheme>
   </a:themeElements>
+  <a:objectDefaults/>
+  <a:extraClrSchemeLst/>
 </a:theme>
 </file>